--- a/doc/Presentatie_Trainspotters.pptx
+++ b/doc/Presentatie_Trainspotters.pptx
@@ -5,25 +5,26 @@
     <p:sldMasterId id="2147483659" r:id="rId1"/>
   </p:sldMasterIdLst>
   <p:notesMasterIdLst>
-    <p:notesMasterId r:id="rId18"/>
+    <p:notesMasterId r:id="rId19"/>
   </p:notesMasterIdLst>
   <p:sldIdLst>
     <p:sldId id="256" r:id="rId2"/>
-    <p:sldId id="257" r:id="rId3"/>
-    <p:sldId id="258" r:id="rId4"/>
-    <p:sldId id="260" r:id="rId5"/>
-    <p:sldId id="261" r:id="rId6"/>
-    <p:sldId id="262" r:id="rId7"/>
-    <p:sldId id="264" r:id="rId8"/>
-    <p:sldId id="265" r:id="rId9"/>
-    <p:sldId id="266" r:id="rId10"/>
-    <p:sldId id="267" r:id="rId11"/>
-    <p:sldId id="269" r:id="rId12"/>
-    <p:sldId id="270" r:id="rId13"/>
-    <p:sldId id="271" r:id="rId14"/>
-    <p:sldId id="272" r:id="rId15"/>
-    <p:sldId id="273" r:id="rId16"/>
-    <p:sldId id="274" r:id="rId17"/>
+    <p:sldId id="275" r:id="rId3"/>
+    <p:sldId id="257" r:id="rId4"/>
+    <p:sldId id="258" r:id="rId5"/>
+    <p:sldId id="260" r:id="rId6"/>
+    <p:sldId id="261" r:id="rId7"/>
+    <p:sldId id="262" r:id="rId8"/>
+    <p:sldId id="264" r:id="rId9"/>
+    <p:sldId id="265" r:id="rId10"/>
+    <p:sldId id="266" r:id="rId11"/>
+    <p:sldId id="267" r:id="rId12"/>
+    <p:sldId id="269" r:id="rId13"/>
+    <p:sldId id="270" r:id="rId14"/>
+    <p:sldId id="271" r:id="rId15"/>
+    <p:sldId id="272" r:id="rId16"/>
+    <p:sldId id="273" r:id="rId17"/>
+    <p:sldId id="274" r:id="rId18"/>
   </p:sldIdLst>
   <p:sldSz cx="9144000" cy="5143500" type="screen16x9"/>
   <p:notesSz cx="6858000" cy="9144000"/>
@@ -279,7 +280,7 @@
 <p1510:revInfo xmlns:a="http://schemas.openxmlformats.org/drawingml/2006/main" xmlns:r="http://schemas.openxmlformats.org/officeDocument/2006/relationships" xmlns:p1510="http://schemas.microsoft.com/office/powerpoint/2015/10/main">
   <p1510:revLst>
     <p1510:client id="{5813991C-FF53-851F-8036-7804408F734D}" v="7" dt="2022-02-02T16:06:54.055"/>
-    <p1510:client id="{94FC394A-B3AF-4A30-A736-0C81377E0BB8}" v="1558" dt="2022-02-02T16:16:56.441"/>
+    <p1510:client id="{94FC394A-B3AF-4A30-A736-0C81377E0BB8}" v="1575" dt="2022-02-03T10:10:06.622"/>
     <p1510:client id="{D9BF5DF4-C467-4B7E-B920-ADA15206E3EA}" v="286" dt="2022-02-02T10:12:51.134"/>
   </p1510:revLst>
 </p1510:revInfo>
@@ -290,7 +291,7 @@
   <pc:docChgLst>
     <pc:chgData name="Maik Larooij" userId="7254f401-a7dc-494d-bbf4-96e8c1dc3b5f" providerId="ADAL" clId="{94FC394A-B3AF-4A30-A736-0C81377E0BB8}"/>
     <pc:docChg chg="undo custSel addSld delSld modSld sldOrd">
-      <pc:chgData name="Maik Larooij" userId="7254f401-a7dc-494d-bbf4-96e8c1dc3b5f" providerId="ADAL" clId="{94FC394A-B3AF-4A30-A736-0C81377E0BB8}" dt="2022-02-02T16:16:56.441" v="2911" actId="20577"/>
+      <pc:chgData name="Maik Larooij" userId="7254f401-a7dc-494d-bbf4-96e8c1dc3b5f" providerId="ADAL" clId="{94FC394A-B3AF-4A30-A736-0C81377E0BB8}" dt="2022-02-03T10:10:06.622" v="3445"/>
       <pc:docMkLst>
         <pc:docMk/>
       </pc:docMkLst>
@@ -411,13 +412,21 @@
         </pc:sldMkLst>
       </pc:sldChg>
       <pc:sldChg chg="addSp delSp modSp mod">
-        <pc:chgData name="Maik Larooij" userId="7254f401-a7dc-494d-bbf4-96e8c1dc3b5f" providerId="ADAL" clId="{94FC394A-B3AF-4A30-A736-0C81377E0BB8}" dt="2022-02-02T16:07:52.206" v="2589"/>
+        <pc:chgData name="Maik Larooij" userId="7254f401-a7dc-494d-bbf4-96e8c1dc3b5f" providerId="ADAL" clId="{94FC394A-B3AF-4A30-A736-0C81377E0BB8}" dt="2022-02-03T09:49:39.959" v="3026" actId="207"/>
         <pc:sldMkLst>
           <pc:docMk/>
           <pc:sldMk cId="0" sldId="260"/>
         </pc:sldMkLst>
+        <pc:spChg chg="add mod">
+          <ac:chgData name="Maik Larooij" userId="7254f401-a7dc-494d-bbf4-96e8c1dc3b5f" providerId="ADAL" clId="{94FC394A-B3AF-4A30-A736-0C81377E0BB8}" dt="2022-02-03T09:49:39.959" v="3026" actId="207"/>
+          <ac:spMkLst>
+            <pc:docMk/>
+            <pc:sldMk cId="0" sldId="260"/>
+            <ac:spMk id="2" creationId="{B3AEA2A3-DB27-454A-8AC7-4B8632F6C453}"/>
+          </ac:spMkLst>
+        </pc:spChg>
         <pc:spChg chg="mod">
-          <ac:chgData name="Maik Larooij" userId="7254f401-a7dc-494d-bbf4-96e8c1dc3b5f" providerId="ADAL" clId="{94FC394A-B3AF-4A30-A736-0C81377E0BB8}" dt="2022-02-01T12:58:16.169" v="288" actId="27636"/>
+          <ac:chgData name="Maik Larooij" userId="7254f401-a7dc-494d-bbf4-96e8c1dc3b5f" providerId="ADAL" clId="{94FC394A-B3AF-4A30-A736-0C81377E0BB8}" dt="2022-02-03T09:48:18.779" v="2925" actId="27636"/>
           <ac:spMkLst>
             <pc:docMk/>
             <pc:sldMk cId="0" sldId="260"/>
@@ -434,13 +443,13 @@
         </pc:picChg>
       </pc:sldChg>
       <pc:sldChg chg="addSp delSp modSp mod">
-        <pc:chgData name="Maik Larooij" userId="7254f401-a7dc-494d-bbf4-96e8c1dc3b5f" providerId="ADAL" clId="{94FC394A-B3AF-4A30-A736-0C81377E0BB8}" dt="2022-02-02T16:07:51.684" v="2588"/>
+        <pc:chgData name="Maik Larooij" userId="7254f401-a7dc-494d-bbf4-96e8c1dc3b5f" providerId="ADAL" clId="{94FC394A-B3AF-4A30-A736-0C81377E0BB8}" dt="2022-02-03T09:49:54.469" v="3032" actId="20577"/>
         <pc:sldMkLst>
           <pc:docMk/>
           <pc:sldMk cId="0" sldId="261"/>
         </pc:sldMkLst>
         <pc:spChg chg="mod">
-          <ac:chgData name="Maik Larooij" userId="7254f401-a7dc-494d-bbf4-96e8c1dc3b5f" providerId="ADAL" clId="{94FC394A-B3AF-4A30-A736-0C81377E0BB8}" dt="2022-02-01T12:40:38.026" v="234" actId="20577"/>
+          <ac:chgData name="Maik Larooij" userId="7254f401-a7dc-494d-bbf4-96e8c1dc3b5f" providerId="ADAL" clId="{94FC394A-B3AF-4A30-A736-0C81377E0BB8}" dt="2022-02-03T09:49:54.469" v="3032" actId="20577"/>
           <ac:spMkLst>
             <pc:docMk/>
             <pc:sldMk cId="0" sldId="261"/>
@@ -564,8 +573,8 @@
           </ac:picMkLst>
         </pc:picChg>
       </pc:sldChg>
-      <pc:sldChg chg="addSp delSp modSp mod">
-        <pc:chgData name="Maik Larooij" userId="7254f401-a7dc-494d-bbf4-96e8c1dc3b5f" providerId="ADAL" clId="{94FC394A-B3AF-4A30-A736-0C81377E0BB8}" dt="2022-02-02T16:07:49.746" v="2584"/>
+      <pc:sldChg chg="addSp delSp modSp mod modAnim">
+        <pc:chgData name="Maik Larooij" userId="7254f401-a7dc-494d-bbf4-96e8c1dc3b5f" providerId="ADAL" clId="{94FC394A-B3AF-4A30-A736-0C81377E0BB8}" dt="2022-02-03T10:10:06.622" v="3445"/>
         <pc:sldMkLst>
           <pc:docMk/>
           <pc:sldMk cId="0" sldId="266"/>
@@ -618,8 +627,8 @@
             <ac:graphicFrameMk id="128" creationId="{00000000-0000-0000-0000-000000000000}"/>
           </ac:graphicFrameMkLst>
         </pc:graphicFrameChg>
-        <pc:picChg chg="add mod">
-          <ac:chgData name="Maik Larooij" userId="7254f401-a7dc-494d-bbf4-96e8c1dc3b5f" providerId="ADAL" clId="{94FC394A-B3AF-4A30-A736-0C81377E0BB8}" dt="2022-01-25T12:41:10.924" v="8"/>
+        <pc:picChg chg="add del mod">
+          <ac:chgData name="Maik Larooij" userId="7254f401-a7dc-494d-bbf4-96e8c1dc3b5f" providerId="ADAL" clId="{94FC394A-B3AF-4A30-A736-0C81377E0BB8}" dt="2022-02-03T09:22:58.956" v="2915" actId="478"/>
           <ac:picMkLst>
             <pc:docMk/>
             <pc:sldMk cId="0" sldId="266"/>
@@ -644,7 +653,7 @@
         </pc:picChg>
       </pc:sldChg>
       <pc:sldChg chg="addSp delSp modSp mod">
-        <pc:chgData name="Maik Larooij" userId="7254f401-a7dc-494d-bbf4-96e8c1dc3b5f" providerId="ADAL" clId="{94FC394A-B3AF-4A30-A736-0C81377E0BB8}" dt="2022-02-02T16:07:48.237" v="2582"/>
+        <pc:chgData name="Maik Larooij" userId="7254f401-a7dc-494d-bbf4-96e8c1dc3b5f" providerId="ADAL" clId="{94FC394A-B3AF-4A30-A736-0C81377E0BB8}" dt="2022-02-03T09:50:12.196" v="3033" actId="1076"/>
         <pc:sldMkLst>
           <pc:docMk/>
           <pc:sldMk cId="0" sldId="267"/>
@@ -674,7 +683,7 @@
           </ac:picMkLst>
         </pc:picChg>
         <pc:picChg chg="mod">
-          <ac:chgData name="Maik Larooij" userId="7254f401-a7dc-494d-bbf4-96e8c1dc3b5f" providerId="ADAL" clId="{94FC394A-B3AF-4A30-A736-0C81377E0BB8}" dt="2022-02-02T09:46:26.424" v="1384" actId="1076"/>
+          <ac:chgData name="Maik Larooij" userId="7254f401-a7dc-494d-bbf4-96e8c1dc3b5f" providerId="ADAL" clId="{94FC394A-B3AF-4A30-A736-0C81377E0BB8}" dt="2022-02-03T09:50:12.196" v="3033" actId="1076"/>
           <ac:picMkLst>
             <pc:docMk/>
             <pc:sldMk cId="0" sldId="267"/>
@@ -690,7 +699,7 @@
         </pc:sldMkLst>
       </pc:sldChg>
       <pc:sldChg chg="addSp delSp modSp new mod">
-        <pc:chgData name="Maik Larooij" userId="7254f401-a7dc-494d-bbf4-96e8c1dc3b5f" providerId="ADAL" clId="{94FC394A-B3AF-4A30-A736-0C81377E0BB8}" dt="2022-02-02T10:24:50.873" v="2412" actId="20577"/>
+        <pc:chgData name="Maik Larooij" userId="7254f401-a7dc-494d-bbf4-96e8c1dc3b5f" providerId="ADAL" clId="{94FC394A-B3AF-4A30-A736-0C81377E0BB8}" dt="2022-02-03T09:23:44.322" v="2916"/>
         <pc:sldMkLst>
           <pc:docMk/>
           <pc:sldMk cId="1871102804" sldId="269"/>
@@ -717,6 +726,14 @@
             <pc:docMk/>
             <pc:sldMk cId="1871102804" sldId="269"/>
             <ac:picMk id="5" creationId="{53AD5EA1-16A9-49E7-9073-712B33D118F0}"/>
+          </ac:picMkLst>
+        </pc:picChg>
+        <pc:picChg chg="add mod">
+          <ac:chgData name="Maik Larooij" userId="7254f401-a7dc-494d-bbf4-96e8c1dc3b5f" providerId="ADAL" clId="{94FC394A-B3AF-4A30-A736-0C81377E0BB8}" dt="2022-02-03T09:23:44.322" v="2916"/>
+          <ac:picMkLst>
+            <pc:docMk/>
+            <pc:sldMk cId="1871102804" sldId="269"/>
+            <ac:picMk id="6" creationId="{D7BDDFB6-5E3B-4276-B9A4-DC0E59BE36C1}"/>
           </ac:picMkLst>
         </pc:picChg>
         <pc:picChg chg="add mod">
@@ -776,7 +793,7 @@
         </pc:picChg>
       </pc:sldChg>
       <pc:sldChg chg="addSp delSp modSp new mod ord">
-        <pc:chgData name="Maik Larooij" userId="7254f401-a7dc-494d-bbf4-96e8c1dc3b5f" providerId="ADAL" clId="{94FC394A-B3AF-4A30-A736-0C81377E0BB8}" dt="2022-02-02T16:10:03.655" v="2598"/>
+        <pc:chgData name="Maik Larooij" userId="7254f401-a7dc-494d-bbf4-96e8c1dc3b5f" providerId="ADAL" clId="{94FC394A-B3AF-4A30-A736-0C81377E0BB8}" dt="2022-02-03T09:58:27.146" v="3444" actId="20577"/>
         <pc:sldMkLst>
           <pc:docMk/>
           <pc:sldMk cId="4291659974" sldId="271"/>
@@ -790,7 +807,7 @@
           </ac:spMkLst>
         </pc:spChg>
         <pc:spChg chg="mod">
-          <ac:chgData name="Maik Larooij" userId="7254f401-a7dc-494d-bbf4-96e8c1dc3b5f" providerId="ADAL" clId="{94FC394A-B3AF-4A30-A736-0C81377E0BB8}" dt="2022-02-02T10:27:57.329" v="2479" actId="20577"/>
+          <ac:chgData name="Maik Larooij" userId="7254f401-a7dc-494d-bbf4-96e8c1dc3b5f" providerId="ADAL" clId="{94FC394A-B3AF-4A30-A736-0C81377E0BB8}" dt="2022-02-03T09:58:27.146" v="3444" actId="20577"/>
           <ac:spMkLst>
             <pc:docMk/>
             <pc:sldMk cId="4291659974" sldId="271"/>
@@ -885,7 +902,7 @@
         </pc:picChg>
       </pc:sldChg>
       <pc:sldChg chg="addSp delSp modSp new mod">
-        <pc:chgData name="Maik Larooij" userId="7254f401-a7dc-494d-bbf4-96e8c1dc3b5f" providerId="ADAL" clId="{94FC394A-B3AF-4A30-A736-0C81377E0BB8}" dt="2022-02-02T16:16:56.441" v="2911" actId="20577"/>
+        <pc:chgData name="Maik Larooij" userId="7254f401-a7dc-494d-bbf4-96e8c1dc3b5f" providerId="ADAL" clId="{94FC394A-B3AF-4A30-A736-0C81377E0BB8}" dt="2022-02-03T09:52:45.211" v="3037" actId="5793"/>
         <pc:sldMkLst>
           <pc:docMk/>
           <pc:sldMk cId="1716108415" sldId="274"/>
@@ -899,7 +916,7 @@
           </ac:spMkLst>
         </pc:spChg>
         <pc:spChg chg="mod">
-          <ac:chgData name="Maik Larooij" userId="7254f401-a7dc-494d-bbf4-96e8c1dc3b5f" providerId="ADAL" clId="{94FC394A-B3AF-4A30-A736-0C81377E0BB8}" dt="2022-02-02T16:16:56.441" v="2911" actId="20577"/>
+          <ac:chgData name="Maik Larooij" userId="7254f401-a7dc-494d-bbf4-96e8c1dc3b5f" providerId="ADAL" clId="{94FC394A-B3AF-4A30-A736-0C81377E0BB8}" dt="2022-02-03T09:52:45.211" v="3037" actId="5793"/>
           <ac:spMkLst>
             <pc:docMk/>
             <pc:sldMk cId="1716108415" sldId="274"/>
@@ -923,6 +940,147 @@
           </ac:picMkLst>
         </pc:picChg>
       </pc:sldChg>
+      <pc:sldChg chg="new del">
+        <pc:chgData name="Maik Larooij" userId="7254f401-a7dc-494d-bbf4-96e8c1dc3b5f" providerId="ADAL" clId="{94FC394A-B3AF-4A30-A736-0C81377E0BB8}" dt="2022-02-03T09:54:01.289" v="3039" actId="47"/>
+        <pc:sldMkLst>
+          <pc:docMk/>
+          <pc:sldMk cId="1632619096" sldId="275"/>
+        </pc:sldMkLst>
+      </pc:sldChg>
+      <pc:sldChg chg="addSp modSp new mod">
+        <pc:chgData name="Maik Larooij" userId="7254f401-a7dc-494d-bbf4-96e8c1dc3b5f" providerId="ADAL" clId="{94FC394A-B3AF-4A30-A736-0C81377E0BB8}" dt="2022-02-03T09:57:16.242" v="3366" actId="14100"/>
+        <pc:sldMkLst>
+          <pc:docMk/>
+          <pc:sldMk cId="3619580962" sldId="275"/>
+        </pc:sldMkLst>
+        <pc:spChg chg="mod">
+          <ac:chgData name="Maik Larooij" userId="7254f401-a7dc-494d-bbf4-96e8c1dc3b5f" providerId="ADAL" clId="{94FC394A-B3AF-4A30-A736-0C81377E0BB8}" dt="2022-02-03T09:55:10.343" v="3335" actId="20577"/>
+          <ac:spMkLst>
+            <pc:docMk/>
+            <pc:sldMk cId="3619580962" sldId="275"/>
+            <ac:spMk id="2" creationId="{786C405C-4E62-45C7-8652-DC2F2345759A}"/>
+          </ac:spMkLst>
+        </pc:spChg>
+        <pc:spChg chg="mod">
+          <ac:chgData name="Maik Larooij" userId="7254f401-a7dc-494d-bbf4-96e8c1dc3b5f" providerId="ADAL" clId="{94FC394A-B3AF-4A30-A736-0C81377E0BB8}" dt="2022-02-03T09:54:57.633" v="3285" actId="20577"/>
+          <ac:spMkLst>
+            <pc:docMk/>
+            <pc:sldMk cId="3619580962" sldId="275"/>
+            <ac:spMk id="3" creationId="{E025C917-E966-4AC1-9746-E57EF54B4C9E}"/>
+          </ac:spMkLst>
+        </pc:spChg>
+        <pc:spChg chg="add mod">
+          <ac:chgData name="Maik Larooij" userId="7254f401-a7dc-494d-bbf4-96e8c1dc3b5f" providerId="ADAL" clId="{94FC394A-B3AF-4A30-A736-0C81377E0BB8}" dt="2022-02-03T09:55:47.876" v="3338" actId="13822"/>
+          <ac:spMkLst>
+            <pc:docMk/>
+            <pc:sldMk cId="3619580962" sldId="275"/>
+            <ac:spMk id="4" creationId="{1E95F599-6D05-40DF-A806-2FCE1825403A}"/>
+          </ac:spMkLst>
+        </pc:spChg>
+        <pc:spChg chg="add mod">
+          <ac:chgData name="Maik Larooij" userId="7254f401-a7dc-494d-bbf4-96e8c1dc3b5f" providerId="ADAL" clId="{94FC394A-B3AF-4A30-A736-0C81377E0BB8}" dt="2022-02-03T09:55:51.190" v="3340" actId="1076"/>
+          <ac:spMkLst>
+            <pc:docMk/>
+            <pc:sldMk cId="3619580962" sldId="275"/>
+            <ac:spMk id="5" creationId="{93CDA761-7E35-4177-AD06-CCF09B0898DD}"/>
+          </ac:spMkLst>
+        </pc:spChg>
+        <pc:spChg chg="add mod">
+          <ac:chgData name="Maik Larooij" userId="7254f401-a7dc-494d-bbf4-96e8c1dc3b5f" providerId="ADAL" clId="{94FC394A-B3AF-4A30-A736-0C81377E0BB8}" dt="2022-02-03T09:55:52.665" v="3342" actId="1076"/>
+          <ac:spMkLst>
+            <pc:docMk/>
+            <pc:sldMk cId="3619580962" sldId="275"/>
+            <ac:spMk id="6" creationId="{62FC483B-12AC-49DD-8006-6BF6D500BDE4}"/>
+          </ac:spMkLst>
+        </pc:spChg>
+        <pc:spChg chg="add mod">
+          <ac:chgData name="Maik Larooij" userId="7254f401-a7dc-494d-bbf4-96e8c1dc3b5f" providerId="ADAL" clId="{94FC394A-B3AF-4A30-A736-0C81377E0BB8}" dt="2022-02-03T09:55:54.248" v="3344" actId="1076"/>
+          <ac:spMkLst>
+            <pc:docMk/>
+            <pc:sldMk cId="3619580962" sldId="275"/>
+            <ac:spMk id="7" creationId="{4D23ADDF-92D9-4B76-A3BB-0BF41B95751F}"/>
+          </ac:spMkLst>
+        </pc:spChg>
+        <pc:spChg chg="add mod">
+          <ac:chgData name="Maik Larooij" userId="7254f401-a7dc-494d-bbf4-96e8c1dc3b5f" providerId="ADAL" clId="{94FC394A-B3AF-4A30-A736-0C81377E0BB8}" dt="2022-02-03T09:55:55.634" v="3346" actId="1076"/>
+          <ac:spMkLst>
+            <pc:docMk/>
+            <pc:sldMk cId="3619580962" sldId="275"/>
+            <ac:spMk id="8" creationId="{787C5A91-26BF-48D0-A277-50C6F7716CB4}"/>
+          </ac:spMkLst>
+        </pc:spChg>
+        <pc:spChg chg="add mod">
+          <ac:chgData name="Maik Larooij" userId="7254f401-a7dc-494d-bbf4-96e8c1dc3b5f" providerId="ADAL" clId="{94FC394A-B3AF-4A30-A736-0C81377E0BB8}" dt="2022-02-03T09:55:57.218" v="3348" actId="1076"/>
+          <ac:spMkLst>
+            <pc:docMk/>
+            <pc:sldMk cId="3619580962" sldId="275"/>
+            <ac:spMk id="9" creationId="{D927CB08-016C-4F1E-87C4-9A72DE2B6D89}"/>
+          </ac:spMkLst>
+        </pc:spChg>
+        <pc:picChg chg="add mod">
+          <ac:chgData name="Maik Larooij" userId="7254f401-a7dc-494d-bbf4-96e8c1dc3b5f" providerId="ADAL" clId="{94FC394A-B3AF-4A30-A736-0C81377E0BB8}" dt="2022-02-03T09:57:16.242" v="3366" actId="14100"/>
+          <ac:picMkLst>
+            <pc:docMk/>
+            <pc:sldMk cId="3619580962" sldId="275"/>
+            <ac:picMk id="1026" creationId="{C3D19709-5D91-4118-BBD2-97E5177CFAD4}"/>
+          </ac:picMkLst>
+        </pc:picChg>
+        <pc:cxnChg chg="add mod">
+          <ac:chgData name="Maik Larooij" userId="7254f401-a7dc-494d-bbf4-96e8c1dc3b5f" providerId="ADAL" clId="{94FC394A-B3AF-4A30-A736-0C81377E0BB8}" dt="2022-02-03T09:56:04.262" v="3350" actId="13822"/>
+          <ac:cxnSpMkLst>
+            <pc:docMk/>
+            <pc:sldMk cId="3619580962" sldId="275"/>
+            <ac:cxnSpMk id="11" creationId="{3DF7F0E8-E5D1-4721-91D4-87E63374CFAA}"/>
+          </ac:cxnSpMkLst>
+        </pc:cxnChg>
+        <pc:cxnChg chg="add mod">
+          <ac:chgData name="Maik Larooij" userId="7254f401-a7dc-494d-bbf4-96e8c1dc3b5f" providerId="ADAL" clId="{94FC394A-B3AF-4A30-A736-0C81377E0BB8}" dt="2022-02-03T09:56:13.075" v="3353" actId="14100"/>
+          <ac:cxnSpMkLst>
+            <pc:docMk/>
+            <pc:sldMk cId="3619580962" sldId="275"/>
+            <ac:cxnSpMk id="12" creationId="{356A1D5B-7DB8-4371-8B31-A0E622DE303E}"/>
+          </ac:cxnSpMkLst>
+        </pc:cxnChg>
+        <pc:cxnChg chg="add mod">
+          <ac:chgData name="Maik Larooij" userId="7254f401-a7dc-494d-bbf4-96e8c1dc3b5f" providerId="ADAL" clId="{94FC394A-B3AF-4A30-A736-0C81377E0BB8}" dt="2022-02-03T09:56:17.603" v="3356" actId="14100"/>
+          <ac:cxnSpMkLst>
+            <pc:docMk/>
+            <pc:sldMk cId="3619580962" sldId="275"/>
+            <ac:cxnSpMk id="15" creationId="{77C71AF1-47EB-4020-9635-43D655E062A8}"/>
+          </ac:cxnSpMkLst>
+        </pc:cxnChg>
+        <pc:cxnChg chg="add mod">
+          <ac:chgData name="Maik Larooij" userId="7254f401-a7dc-494d-bbf4-96e8c1dc3b5f" providerId="ADAL" clId="{94FC394A-B3AF-4A30-A736-0C81377E0BB8}" dt="2022-02-03T09:56:22.635" v="3359" actId="14100"/>
+          <ac:cxnSpMkLst>
+            <pc:docMk/>
+            <pc:sldMk cId="3619580962" sldId="275"/>
+            <ac:cxnSpMk id="18" creationId="{C347CCBD-58E1-425B-B1DD-2D1145EC57E1}"/>
+          </ac:cxnSpMkLst>
+        </pc:cxnChg>
+        <pc:cxnChg chg="add mod">
+          <ac:chgData name="Maik Larooij" userId="7254f401-a7dc-494d-bbf4-96e8c1dc3b5f" providerId="ADAL" clId="{94FC394A-B3AF-4A30-A736-0C81377E0BB8}" dt="2022-02-03T09:56:27.619" v="3362" actId="14100"/>
+          <ac:cxnSpMkLst>
+            <pc:docMk/>
+            <pc:sldMk cId="3619580962" sldId="275"/>
+            <ac:cxnSpMk id="21" creationId="{3FEBCD38-A6E5-4A34-9374-7EAF06AD6F3E}"/>
+          </ac:cxnSpMkLst>
+        </pc:cxnChg>
+      </pc:sldChg>
+      <pc:sldMasterChg chg="delSldLayout">
+        <pc:chgData name="Maik Larooij" userId="7254f401-a7dc-494d-bbf4-96e8c1dc3b5f" providerId="ADAL" clId="{94FC394A-B3AF-4A30-A736-0C81377E0BB8}" dt="2022-02-03T09:54:01.289" v="3039" actId="47"/>
+        <pc:sldMasterMkLst>
+          <pc:docMk/>
+          <pc:sldMasterMk cId="0" sldId="2147483659"/>
+        </pc:sldMasterMkLst>
+        <pc:sldLayoutChg chg="del">
+          <pc:chgData name="Maik Larooij" userId="7254f401-a7dc-494d-bbf4-96e8c1dc3b5f" providerId="ADAL" clId="{94FC394A-B3AF-4A30-A736-0C81377E0BB8}" dt="2022-02-03T09:54:01.289" v="3039" actId="47"/>
+          <pc:sldLayoutMkLst>
+            <pc:docMk/>
+            <pc:sldMasterMk cId="0" sldId="2147483659"/>
+            <pc:sldLayoutMk cId="0" sldId="2147483649"/>
+          </pc:sldLayoutMkLst>
+        </pc:sldLayoutChg>
+      </pc:sldMasterChg>
     </pc:docChg>
   </pc:docChgLst>
   <pc:docChgLst>
@@ -1648,6 +1806,67 @@
 </p:notes>
 </file>
 
+<file path=ppt/notesSlides/notesSlide11.xml><?xml version="1.0" encoding="utf-8"?>
+<p:notes xmlns:a="http://schemas.openxmlformats.org/drawingml/2006/main" xmlns:r="http://schemas.openxmlformats.org/officeDocument/2006/relationships" xmlns:p="http://schemas.openxmlformats.org/presentationml/2006/main">
+  <p:cSld>
+    <p:spTree>
+      <p:nvGrpSpPr>
+        <p:cNvPr id="1" name=""/>
+        <p:cNvGrpSpPr/>
+        <p:nvPr/>
+      </p:nvGrpSpPr>
+      <p:grpSpPr>
+        <a:xfrm>
+          <a:off x="0" y="0"/>
+          <a:ext cx="0" cy="0"/>
+          <a:chOff x="0" y="0"/>
+          <a:chExt cx="0" cy="0"/>
+        </a:xfrm>
+      </p:grpSpPr>
+      <p:sp>
+        <p:nvSpPr>
+          <p:cNvPr id="2" name="Tijdelijke aanduiding voor dia-afbeelding 1"/>
+          <p:cNvSpPr>
+            <a:spLocks noGrp="1" noRot="1" noChangeAspect="1"/>
+          </p:cNvSpPr>
+          <p:nvPr>
+            <p:ph type="sldImg"/>
+          </p:nvPr>
+        </p:nvSpPr>
+        <p:spPr/>
+      </p:sp>
+      <p:sp>
+        <p:nvSpPr>
+          <p:cNvPr id="3" name="Tijdelijke aanduiding voor notities 2"/>
+          <p:cNvSpPr>
+            <a:spLocks noGrp="1"/>
+          </p:cNvSpPr>
+          <p:nvPr>
+            <p:ph type="body" idx="1"/>
+          </p:nvPr>
+        </p:nvSpPr>
+        <p:spPr/>
+        <p:txBody>
+          <a:bodyPr/>
+          <a:lstStyle/>
+          <a:p>
+            <a:endParaRPr lang="nl-NL" dirty="0"/>
+          </a:p>
+        </p:txBody>
+      </p:sp>
+    </p:spTree>
+    <p:extLst>
+      <p:ext uri="{BB962C8B-B14F-4D97-AF65-F5344CB8AC3E}">
+        <p14:creationId xmlns:p14="http://schemas.microsoft.com/office/powerpoint/2010/main" val="1738162108"/>
+      </p:ext>
+    </p:extLst>
+  </p:cSld>
+  <p:clrMapOvr>
+    <a:masterClrMapping/>
+  </p:clrMapOvr>
+</p:notes>
+</file>
+
 <file path=ppt/notesSlides/notesSlide2.xml><?xml version="1.0" encoding="utf-8"?>
 <p:notes xmlns:a="http://schemas.openxmlformats.org/drawingml/2006/main" xmlns:r="http://schemas.openxmlformats.org/officeDocument/2006/relationships" xmlns:p="http://schemas.openxmlformats.org/presentationml/2006/main" showMasterSp="0" showMasterPhAnim="0">
   <p:cSld>
@@ -2870,370 +3089,6 @@
 </file>
 
 <file path=ppt/slideLayouts/slideLayout10.xml><?xml version="1.0" encoding="utf-8"?>
-<p:sldLayout xmlns:a="http://schemas.openxmlformats.org/drawingml/2006/main" xmlns:r="http://schemas.openxmlformats.org/officeDocument/2006/relationships" xmlns:p="http://schemas.openxmlformats.org/presentationml/2006/main" matchingName="Big number">
-  <p:cSld name="BIG_NUMBER">
-    <p:spTree>
-      <p:nvGrpSpPr>
-        <p:cNvPr id="1" name="Shape 44"/>
-        <p:cNvGrpSpPr/>
-        <p:nvPr/>
-      </p:nvGrpSpPr>
-      <p:grpSpPr>
-        <a:xfrm>
-          <a:off x="0" y="0"/>
-          <a:ext cx="0" cy="0"/>
-          <a:chOff x="0" y="0"/>
-          <a:chExt cx="0" cy="0"/>
-        </a:xfrm>
-      </p:grpSpPr>
-      <p:sp>
-        <p:nvSpPr>
-          <p:cNvPr id="45" name="Google Shape;45;p11"/>
-          <p:cNvSpPr txBox="1">
-            <a:spLocks noGrp="1"/>
-          </p:cNvSpPr>
-          <p:nvPr>
-            <p:ph type="title" hasCustomPrompt="1"/>
-          </p:nvPr>
-        </p:nvSpPr>
-        <p:spPr>
-          <a:xfrm>
-            <a:off x="311700" y="1106125"/>
-            <a:ext cx="8520600" cy="1963500"/>
-          </a:xfrm>
-          <a:prstGeom prst="rect">
-            <a:avLst/>
-          </a:prstGeom>
-        </p:spPr>
-        <p:txBody>
-          <a:bodyPr spcFirstLastPara="1" wrap="square" lIns="91425" tIns="91425" rIns="91425" bIns="91425" anchor="b" anchorCtr="0">
-            <a:normAutofit/>
-          </a:bodyPr>
-          <a:lstStyle>
-            <a:lvl1pPr lvl="0" algn="ctr">
-              <a:spcBef>
-                <a:spcPts val="0"/>
-              </a:spcBef>
-              <a:spcAft>
-                <a:spcPts val="0"/>
-              </a:spcAft>
-              <a:buSzPts val="12000"/>
-              <a:buNone/>
-              <a:defRPr sz="12000"/>
-            </a:lvl1pPr>
-            <a:lvl2pPr lvl="1" algn="ctr">
-              <a:spcBef>
-                <a:spcPts val="0"/>
-              </a:spcBef>
-              <a:spcAft>
-                <a:spcPts val="0"/>
-              </a:spcAft>
-              <a:buSzPts val="12000"/>
-              <a:buNone/>
-              <a:defRPr sz="12000"/>
-            </a:lvl2pPr>
-            <a:lvl3pPr lvl="2" algn="ctr">
-              <a:spcBef>
-                <a:spcPts val="0"/>
-              </a:spcBef>
-              <a:spcAft>
-                <a:spcPts val="0"/>
-              </a:spcAft>
-              <a:buSzPts val="12000"/>
-              <a:buNone/>
-              <a:defRPr sz="12000"/>
-            </a:lvl3pPr>
-            <a:lvl4pPr lvl="3" algn="ctr">
-              <a:spcBef>
-                <a:spcPts val="0"/>
-              </a:spcBef>
-              <a:spcAft>
-                <a:spcPts val="0"/>
-              </a:spcAft>
-              <a:buSzPts val="12000"/>
-              <a:buNone/>
-              <a:defRPr sz="12000"/>
-            </a:lvl4pPr>
-            <a:lvl5pPr lvl="4" algn="ctr">
-              <a:spcBef>
-                <a:spcPts val="0"/>
-              </a:spcBef>
-              <a:spcAft>
-                <a:spcPts val="0"/>
-              </a:spcAft>
-              <a:buSzPts val="12000"/>
-              <a:buNone/>
-              <a:defRPr sz="12000"/>
-            </a:lvl5pPr>
-            <a:lvl6pPr lvl="5" algn="ctr">
-              <a:spcBef>
-                <a:spcPts val="0"/>
-              </a:spcBef>
-              <a:spcAft>
-                <a:spcPts val="0"/>
-              </a:spcAft>
-              <a:buSzPts val="12000"/>
-              <a:buNone/>
-              <a:defRPr sz="12000"/>
-            </a:lvl6pPr>
-            <a:lvl7pPr lvl="6" algn="ctr">
-              <a:spcBef>
-                <a:spcPts val="0"/>
-              </a:spcBef>
-              <a:spcAft>
-                <a:spcPts val="0"/>
-              </a:spcAft>
-              <a:buSzPts val="12000"/>
-              <a:buNone/>
-              <a:defRPr sz="12000"/>
-            </a:lvl7pPr>
-            <a:lvl8pPr lvl="7" algn="ctr">
-              <a:spcBef>
-                <a:spcPts val="0"/>
-              </a:spcBef>
-              <a:spcAft>
-                <a:spcPts val="0"/>
-              </a:spcAft>
-              <a:buSzPts val="12000"/>
-              <a:buNone/>
-              <a:defRPr sz="12000"/>
-            </a:lvl8pPr>
-            <a:lvl9pPr lvl="8" algn="ctr">
-              <a:spcBef>
-                <a:spcPts val="0"/>
-              </a:spcBef>
-              <a:spcAft>
-                <a:spcPts val="0"/>
-              </a:spcAft>
-              <a:buSzPts val="12000"/>
-              <a:buNone/>
-              <a:defRPr sz="12000"/>
-            </a:lvl9pPr>
-          </a:lstStyle>
-          <a:p>
-            <a:r>
-              <a:t>xx%</a:t>
-            </a:r>
-          </a:p>
-        </p:txBody>
-      </p:sp>
-      <p:sp>
-        <p:nvSpPr>
-          <p:cNvPr id="46" name="Google Shape;46;p11"/>
-          <p:cNvSpPr txBox="1">
-            <a:spLocks noGrp="1"/>
-          </p:cNvSpPr>
-          <p:nvPr>
-            <p:ph type="body" idx="1"/>
-          </p:nvPr>
-        </p:nvSpPr>
-        <p:spPr>
-          <a:xfrm>
-            <a:off x="311700" y="3152225"/>
-            <a:ext cx="8520600" cy="1300800"/>
-          </a:xfrm>
-          <a:prstGeom prst="rect">
-            <a:avLst/>
-          </a:prstGeom>
-        </p:spPr>
-        <p:txBody>
-          <a:bodyPr spcFirstLastPara="1" wrap="square" lIns="91425" tIns="91425" rIns="91425" bIns="91425" anchor="t" anchorCtr="0">
-            <a:normAutofit/>
-          </a:bodyPr>
-          <a:lstStyle>
-            <a:lvl1pPr marL="457200" lvl="0" indent="-342900" algn="ctr">
-              <a:spcBef>
-                <a:spcPts val="0"/>
-              </a:spcBef>
-              <a:spcAft>
-                <a:spcPts val="0"/>
-              </a:spcAft>
-              <a:buSzPts val="1800"/>
-              <a:buChar char="●"/>
-              <a:defRPr/>
-            </a:lvl1pPr>
-            <a:lvl2pPr marL="914400" lvl="1" indent="-317500" algn="ctr">
-              <a:spcBef>
-                <a:spcPts val="0"/>
-              </a:spcBef>
-              <a:spcAft>
-                <a:spcPts val="0"/>
-              </a:spcAft>
-              <a:buSzPts val="1400"/>
-              <a:buChar char="○"/>
-              <a:defRPr/>
-            </a:lvl2pPr>
-            <a:lvl3pPr marL="1371600" lvl="2" indent="-317500" algn="ctr">
-              <a:spcBef>
-                <a:spcPts val="0"/>
-              </a:spcBef>
-              <a:spcAft>
-                <a:spcPts val="0"/>
-              </a:spcAft>
-              <a:buSzPts val="1400"/>
-              <a:buChar char="■"/>
-              <a:defRPr/>
-            </a:lvl3pPr>
-            <a:lvl4pPr marL="1828800" lvl="3" indent="-317500" algn="ctr">
-              <a:spcBef>
-                <a:spcPts val="0"/>
-              </a:spcBef>
-              <a:spcAft>
-                <a:spcPts val="0"/>
-              </a:spcAft>
-              <a:buSzPts val="1400"/>
-              <a:buChar char="●"/>
-              <a:defRPr/>
-            </a:lvl4pPr>
-            <a:lvl5pPr marL="2286000" lvl="4" indent="-317500" algn="ctr">
-              <a:spcBef>
-                <a:spcPts val="0"/>
-              </a:spcBef>
-              <a:spcAft>
-                <a:spcPts val="0"/>
-              </a:spcAft>
-              <a:buSzPts val="1400"/>
-              <a:buChar char="○"/>
-              <a:defRPr/>
-            </a:lvl5pPr>
-            <a:lvl6pPr marL="2743200" lvl="5" indent="-317500" algn="ctr">
-              <a:spcBef>
-                <a:spcPts val="0"/>
-              </a:spcBef>
-              <a:spcAft>
-                <a:spcPts val="0"/>
-              </a:spcAft>
-              <a:buSzPts val="1400"/>
-              <a:buChar char="■"/>
-              <a:defRPr/>
-            </a:lvl6pPr>
-            <a:lvl7pPr marL="3200400" lvl="6" indent="-317500" algn="ctr">
-              <a:spcBef>
-                <a:spcPts val="0"/>
-              </a:spcBef>
-              <a:spcAft>
-                <a:spcPts val="0"/>
-              </a:spcAft>
-              <a:buSzPts val="1400"/>
-              <a:buChar char="●"/>
-              <a:defRPr/>
-            </a:lvl7pPr>
-            <a:lvl8pPr marL="3657600" lvl="7" indent="-317500" algn="ctr">
-              <a:spcBef>
-                <a:spcPts val="0"/>
-              </a:spcBef>
-              <a:spcAft>
-                <a:spcPts val="0"/>
-              </a:spcAft>
-              <a:buSzPts val="1400"/>
-              <a:buChar char="○"/>
-              <a:defRPr/>
-            </a:lvl8pPr>
-            <a:lvl9pPr marL="4114800" lvl="8" indent="-317500" algn="ctr">
-              <a:spcBef>
-                <a:spcPts val="0"/>
-              </a:spcBef>
-              <a:spcAft>
-                <a:spcPts val="0"/>
-              </a:spcAft>
-              <a:buSzPts val="1400"/>
-              <a:buChar char="■"/>
-              <a:defRPr/>
-            </a:lvl9pPr>
-          </a:lstStyle>
-          <a:p>
-            <a:endParaRPr/>
-          </a:p>
-        </p:txBody>
-      </p:sp>
-      <p:sp>
-        <p:nvSpPr>
-          <p:cNvPr id="47" name="Google Shape;47;p11"/>
-          <p:cNvSpPr txBox="1">
-            <a:spLocks noGrp="1"/>
-          </p:cNvSpPr>
-          <p:nvPr>
-            <p:ph type="sldNum" idx="12"/>
-          </p:nvPr>
-        </p:nvSpPr>
-        <p:spPr>
-          <a:xfrm>
-            <a:off x="8472458" y="4663217"/>
-            <a:ext cx="548700" cy="393600"/>
-          </a:xfrm>
-          <a:prstGeom prst="rect">
-            <a:avLst/>
-          </a:prstGeom>
-        </p:spPr>
-        <p:txBody>
-          <a:bodyPr spcFirstLastPara="1" wrap="square" lIns="91425" tIns="91425" rIns="91425" bIns="91425" anchor="ctr" anchorCtr="0">
-            <a:normAutofit/>
-          </a:bodyPr>
-          <a:lstStyle>
-            <a:lvl1pPr lvl="0">
-              <a:buNone/>
-              <a:defRPr/>
-            </a:lvl1pPr>
-            <a:lvl2pPr lvl="1">
-              <a:buNone/>
-              <a:defRPr/>
-            </a:lvl2pPr>
-            <a:lvl3pPr lvl="2">
-              <a:buNone/>
-              <a:defRPr/>
-            </a:lvl3pPr>
-            <a:lvl4pPr lvl="3">
-              <a:buNone/>
-              <a:defRPr/>
-            </a:lvl4pPr>
-            <a:lvl5pPr lvl="4">
-              <a:buNone/>
-              <a:defRPr/>
-            </a:lvl5pPr>
-            <a:lvl6pPr lvl="5">
-              <a:buNone/>
-              <a:defRPr/>
-            </a:lvl6pPr>
-            <a:lvl7pPr lvl="6">
-              <a:buNone/>
-              <a:defRPr/>
-            </a:lvl7pPr>
-            <a:lvl8pPr lvl="7">
-              <a:buNone/>
-              <a:defRPr/>
-            </a:lvl8pPr>
-            <a:lvl9pPr lvl="8">
-              <a:buNone/>
-              <a:defRPr/>
-            </a:lvl9pPr>
-          </a:lstStyle>
-          <a:p>
-            <a:pPr marL="0" lvl="0" indent="0" algn="r" rtl="0">
-              <a:spcBef>
-                <a:spcPts val="0"/>
-              </a:spcBef>
-              <a:spcAft>
-                <a:spcPts val="0"/>
-              </a:spcAft>
-              <a:buNone/>
-            </a:pPr>
-            <a:fld id="{00000000-1234-1234-1234-123412341234}" type="slidenum">
-              <a:rPr lang="nl"/>
-              <a:t>‹nr.›</a:t>
-            </a:fld>
-            <a:endParaRPr/>
-          </a:p>
-        </p:txBody>
-      </p:sp>
-    </p:spTree>
-  </p:cSld>
-  <p:clrMapOvr>
-    <a:masterClrMapping/>
-  </p:clrMapOvr>
-</p:sldLayout>
-</file>
-
-<file path=ppt/slideLayouts/slideLayout11.xml><?xml version="1.0" encoding="utf-8"?>
 <p:sldLayout xmlns:a="http://schemas.openxmlformats.org/drawingml/2006/main" xmlns:r="http://schemas.openxmlformats.org/officeDocument/2006/relationships" xmlns:p="http://schemas.openxmlformats.org/presentationml/2006/main" matchingName="Blank" type="blank">
   <p:cSld name="BLANK">
     <p:spTree>
@@ -3338,239 +3193,6 @@
 </file>
 
 <file path=ppt/slideLayouts/slideLayout2.xml><?xml version="1.0" encoding="utf-8"?>
-<p:sldLayout xmlns:a="http://schemas.openxmlformats.org/drawingml/2006/main" xmlns:r="http://schemas.openxmlformats.org/officeDocument/2006/relationships" xmlns:p="http://schemas.openxmlformats.org/presentationml/2006/main" matchingName="Section header" type="secHead">
-  <p:cSld name="SECTION_HEADER">
-    <p:spTree>
-      <p:nvGrpSpPr>
-        <p:cNvPr id="1" name="Shape 13"/>
-        <p:cNvGrpSpPr/>
-        <p:nvPr/>
-      </p:nvGrpSpPr>
-      <p:grpSpPr>
-        <a:xfrm>
-          <a:off x="0" y="0"/>
-          <a:ext cx="0" cy="0"/>
-          <a:chOff x="0" y="0"/>
-          <a:chExt cx="0" cy="0"/>
-        </a:xfrm>
-      </p:grpSpPr>
-      <p:sp>
-        <p:nvSpPr>
-          <p:cNvPr id="14" name="Google Shape;14;p3"/>
-          <p:cNvSpPr txBox="1">
-            <a:spLocks noGrp="1"/>
-          </p:cNvSpPr>
-          <p:nvPr>
-            <p:ph type="title"/>
-          </p:nvPr>
-        </p:nvSpPr>
-        <p:spPr>
-          <a:xfrm>
-            <a:off x="311700" y="2150850"/>
-            <a:ext cx="8520600" cy="841800"/>
-          </a:xfrm>
-          <a:prstGeom prst="rect">
-            <a:avLst/>
-          </a:prstGeom>
-        </p:spPr>
-        <p:txBody>
-          <a:bodyPr spcFirstLastPara="1" wrap="square" lIns="91425" tIns="91425" rIns="91425" bIns="91425" anchor="ctr" anchorCtr="0">
-            <a:normAutofit/>
-          </a:bodyPr>
-          <a:lstStyle>
-            <a:lvl1pPr lvl="0" algn="ctr">
-              <a:spcBef>
-                <a:spcPts val="0"/>
-              </a:spcBef>
-              <a:spcAft>
-                <a:spcPts val="0"/>
-              </a:spcAft>
-              <a:buSzPts val="3600"/>
-              <a:buNone/>
-              <a:defRPr sz="3600"/>
-            </a:lvl1pPr>
-            <a:lvl2pPr lvl="1" algn="ctr">
-              <a:spcBef>
-                <a:spcPts val="0"/>
-              </a:spcBef>
-              <a:spcAft>
-                <a:spcPts val="0"/>
-              </a:spcAft>
-              <a:buSzPts val="3600"/>
-              <a:buNone/>
-              <a:defRPr sz="3600"/>
-            </a:lvl2pPr>
-            <a:lvl3pPr lvl="2" algn="ctr">
-              <a:spcBef>
-                <a:spcPts val="0"/>
-              </a:spcBef>
-              <a:spcAft>
-                <a:spcPts val="0"/>
-              </a:spcAft>
-              <a:buSzPts val="3600"/>
-              <a:buNone/>
-              <a:defRPr sz="3600"/>
-            </a:lvl3pPr>
-            <a:lvl4pPr lvl="3" algn="ctr">
-              <a:spcBef>
-                <a:spcPts val="0"/>
-              </a:spcBef>
-              <a:spcAft>
-                <a:spcPts val="0"/>
-              </a:spcAft>
-              <a:buSzPts val="3600"/>
-              <a:buNone/>
-              <a:defRPr sz="3600"/>
-            </a:lvl4pPr>
-            <a:lvl5pPr lvl="4" algn="ctr">
-              <a:spcBef>
-                <a:spcPts val="0"/>
-              </a:spcBef>
-              <a:spcAft>
-                <a:spcPts val="0"/>
-              </a:spcAft>
-              <a:buSzPts val="3600"/>
-              <a:buNone/>
-              <a:defRPr sz="3600"/>
-            </a:lvl5pPr>
-            <a:lvl6pPr lvl="5" algn="ctr">
-              <a:spcBef>
-                <a:spcPts val="0"/>
-              </a:spcBef>
-              <a:spcAft>
-                <a:spcPts val="0"/>
-              </a:spcAft>
-              <a:buSzPts val="3600"/>
-              <a:buNone/>
-              <a:defRPr sz="3600"/>
-            </a:lvl6pPr>
-            <a:lvl7pPr lvl="6" algn="ctr">
-              <a:spcBef>
-                <a:spcPts val="0"/>
-              </a:spcBef>
-              <a:spcAft>
-                <a:spcPts val="0"/>
-              </a:spcAft>
-              <a:buSzPts val="3600"/>
-              <a:buNone/>
-              <a:defRPr sz="3600"/>
-            </a:lvl7pPr>
-            <a:lvl8pPr lvl="7" algn="ctr">
-              <a:spcBef>
-                <a:spcPts val="0"/>
-              </a:spcBef>
-              <a:spcAft>
-                <a:spcPts val="0"/>
-              </a:spcAft>
-              <a:buSzPts val="3600"/>
-              <a:buNone/>
-              <a:defRPr sz="3600"/>
-            </a:lvl8pPr>
-            <a:lvl9pPr lvl="8" algn="ctr">
-              <a:spcBef>
-                <a:spcPts val="0"/>
-              </a:spcBef>
-              <a:spcAft>
-                <a:spcPts val="0"/>
-              </a:spcAft>
-              <a:buSzPts val="3600"/>
-              <a:buNone/>
-              <a:defRPr sz="3600"/>
-            </a:lvl9pPr>
-          </a:lstStyle>
-          <a:p>
-            <a:endParaRPr/>
-          </a:p>
-        </p:txBody>
-      </p:sp>
-      <p:sp>
-        <p:nvSpPr>
-          <p:cNvPr id="15" name="Google Shape;15;p3"/>
-          <p:cNvSpPr txBox="1">
-            <a:spLocks noGrp="1"/>
-          </p:cNvSpPr>
-          <p:nvPr>
-            <p:ph type="sldNum" idx="12"/>
-          </p:nvPr>
-        </p:nvSpPr>
-        <p:spPr>
-          <a:xfrm>
-            <a:off x="8472458" y="4663217"/>
-            <a:ext cx="548700" cy="393600"/>
-          </a:xfrm>
-          <a:prstGeom prst="rect">
-            <a:avLst/>
-          </a:prstGeom>
-        </p:spPr>
-        <p:txBody>
-          <a:bodyPr spcFirstLastPara="1" wrap="square" lIns="91425" tIns="91425" rIns="91425" bIns="91425" anchor="ctr" anchorCtr="0">
-            <a:normAutofit/>
-          </a:bodyPr>
-          <a:lstStyle>
-            <a:lvl1pPr lvl="0">
-              <a:buNone/>
-              <a:defRPr/>
-            </a:lvl1pPr>
-            <a:lvl2pPr lvl="1">
-              <a:buNone/>
-              <a:defRPr/>
-            </a:lvl2pPr>
-            <a:lvl3pPr lvl="2">
-              <a:buNone/>
-              <a:defRPr/>
-            </a:lvl3pPr>
-            <a:lvl4pPr lvl="3">
-              <a:buNone/>
-              <a:defRPr/>
-            </a:lvl4pPr>
-            <a:lvl5pPr lvl="4">
-              <a:buNone/>
-              <a:defRPr/>
-            </a:lvl5pPr>
-            <a:lvl6pPr lvl="5">
-              <a:buNone/>
-              <a:defRPr/>
-            </a:lvl6pPr>
-            <a:lvl7pPr lvl="6">
-              <a:buNone/>
-              <a:defRPr/>
-            </a:lvl7pPr>
-            <a:lvl8pPr lvl="7">
-              <a:buNone/>
-              <a:defRPr/>
-            </a:lvl8pPr>
-            <a:lvl9pPr lvl="8">
-              <a:buNone/>
-              <a:defRPr/>
-            </a:lvl9pPr>
-          </a:lstStyle>
-          <a:p>
-            <a:pPr marL="0" lvl="0" indent="0" algn="r" rtl="0">
-              <a:spcBef>
-                <a:spcPts val="0"/>
-              </a:spcBef>
-              <a:spcAft>
-                <a:spcPts val="0"/>
-              </a:spcAft>
-              <a:buNone/>
-            </a:pPr>
-            <a:fld id="{00000000-1234-1234-1234-123412341234}" type="slidenum">
-              <a:rPr lang="nl"/>
-              <a:t>‹nr.›</a:t>
-            </a:fld>
-            <a:endParaRPr/>
-          </a:p>
-        </p:txBody>
-      </p:sp>
-    </p:spTree>
-  </p:cSld>
-  <p:clrMapOvr>
-    <a:masterClrMapping/>
-  </p:clrMapOvr>
-</p:sldLayout>
-</file>
-
-<file path=ppt/slideLayouts/slideLayout3.xml><?xml version="1.0" encoding="utf-8"?>
 <p:sldLayout xmlns:a="http://schemas.openxmlformats.org/drawingml/2006/main" xmlns:r="http://schemas.openxmlformats.org/officeDocument/2006/relationships" xmlns:p="http://schemas.openxmlformats.org/presentationml/2006/main" matchingName="Title and body" type="tx">
   <p:cSld name="TITLE_AND_BODY">
     <p:spTree>
@@ -3932,7 +3554,7 @@
 </p:sldLayout>
 </file>
 
-<file path=ppt/slideLayouts/slideLayout4.xml><?xml version="1.0" encoding="utf-8"?>
+<file path=ppt/slideLayouts/slideLayout3.xml><?xml version="1.0" encoding="utf-8"?>
 <p:sldLayout xmlns:a="http://schemas.openxmlformats.org/drawingml/2006/main" xmlns:r="http://schemas.openxmlformats.org/officeDocument/2006/relationships" xmlns:p="http://schemas.openxmlformats.org/presentationml/2006/main" matchingName="Title and two columns" type="twoColTx">
   <p:cSld name="TITLE_AND_TWO_COLUMNS">
     <p:spTree>
@@ -4423,7 +4045,7 @@
 </p:sldLayout>
 </file>
 
-<file path=ppt/slideLayouts/slideLayout5.xml><?xml version="1.0" encoding="utf-8"?>
+<file path=ppt/slideLayouts/slideLayout4.xml><?xml version="1.0" encoding="utf-8"?>
 <p:sldLayout xmlns:a="http://schemas.openxmlformats.org/drawingml/2006/main" xmlns:r="http://schemas.openxmlformats.org/officeDocument/2006/relationships" xmlns:p="http://schemas.openxmlformats.org/presentationml/2006/main" matchingName="Title only" type="titleOnly">
   <p:cSld name="TITLE_ONLY">
     <p:spTree>
@@ -4656,7 +4278,7 @@
 </p:sldLayout>
 </file>
 
-<file path=ppt/slideLayouts/slideLayout6.xml><?xml version="1.0" encoding="utf-8"?>
+<file path=ppt/slideLayouts/slideLayout5.xml><?xml version="1.0" encoding="utf-8"?>
 <p:sldLayout xmlns:a="http://schemas.openxmlformats.org/drawingml/2006/main" xmlns:r="http://schemas.openxmlformats.org/officeDocument/2006/relationships" xmlns:p="http://schemas.openxmlformats.org/presentationml/2006/main" matchingName="One column text">
   <p:cSld name="ONE_COLUMN_TEXT">
     <p:spTree>
@@ -5018,7 +4640,7 @@
 </p:sldLayout>
 </file>
 
-<file path=ppt/slideLayouts/slideLayout7.xml><?xml version="1.0" encoding="utf-8"?>
+<file path=ppt/slideLayouts/slideLayout6.xml><?xml version="1.0" encoding="utf-8"?>
 <p:sldLayout xmlns:a="http://schemas.openxmlformats.org/drawingml/2006/main" xmlns:r="http://schemas.openxmlformats.org/officeDocument/2006/relationships" xmlns:p="http://schemas.openxmlformats.org/presentationml/2006/main" matchingName="Main point">
   <p:cSld name="MAIN_POINT">
     <p:spTree>
@@ -5251,7 +4873,7 @@
 </p:sldLayout>
 </file>
 
-<file path=ppt/slideLayouts/slideLayout8.xml><?xml version="1.0" encoding="utf-8"?>
+<file path=ppt/slideLayouts/slideLayout7.xml><?xml version="1.0" encoding="utf-8"?>
 <p:sldLayout xmlns:a="http://schemas.openxmlformats.org/drawingml/2006/main" xmlns:r="http://schemas.openxmlformats.org/officeDocument/2006/relationships" xmlns:p="http://schemas.openxmlformats.org/presentationml/2006/main" matchingName="Section title and description">
   <p:cSld name="SECTION_TITLE_AND_DESCRIPTION">
     <p:spTree>
@@ -5872,7 +5494,7 @@
 </p:sldLayout>
 </file>
 
-<file path=ppt/slideLayouts/slideLayout9.xml><?xml version="1.0" encoding="utf-8"?>
+<file path=ppt/slideLayouts/slideLayout8.xml><?xml version="1.0" encoding="utf-8"?>
 <p:sldLayout xmlns:a="http://schemas.openxmlformats.org/drawingml/2006/main" xmlns:r="http://schemas.openxmlformats.org/officeDocument/2006/relationships" xmlns:p="http://schemas.openxmlformats.org/presentationml/2006/main" matchingName="Caption">
   <p:cSld name="CAPTION_ONLY">
     <p:spTree>
@@ -5936,6 +5558,370 @@
       <p:sp>
         <p:nvSpPr>
           <p:cNvPr id="43" name="Google Shape;43;p10"/>
+          <p:cNvSpPr txBox="1">
+            <a:spLocks noGrp="1"/>
+          </p:cNvSpPr>
+          <p:nvPr>
+            <p:ph type="sldNum" idx="12"/>
+          </p:nvPr>
+        </p:nvSpPr>
+        <p:spPr>
+          <a:xfrm>
+            <a:off x="8472458" y="4663217"/>
+            <a:ext cx="548700" cy="393600"/>
+          </a:xfrm>
+          <a:prstGeom prst="rect">
+            <a:avLst/>
+          </a:prstGeom>
+        </p:spPr>
+        <p:txBody>
+          <a:bodyPr spcFirstLastPara="1" wrap="square" lIns="91425" tIns="91425" rIns="91425" bIns="91425" anchor="ctr" anchorCtr="0">
+            <a:normAutofit/>
+          </a:bodyPr>
+          <a:lstStyle>
+            <a:lvl1pPr lvl="0">
+              <a:buNone/>
+              <a:defRPr/>
+            </a:lvl1pPr>
+            <a:lvl2pPr lvl="1">
+              <a:buNone/>
+              <a:defRPr/>
+            </a:lvl2pPr>
+            <a:lvl3pPr lvl="2">
+              <a:buNone/>
+              <a:defRPr/>
+            </a:lvl3pPr>
+            <a:lvl4pPr lvl="3">
+              <a:buNone/>
+              <a:defRPr/>
+            </a:lvl4pPr>
+            <a:lvl5pPr lvl="4">
+              <a:buNone/>
+              <a:defRPr/>
+            </a:lvl5pPr>
+            <a:lvl6pPr lvl="5">
+              <a:buNone/>
+              <a:defRPr/>
+            </a:lvl6pPr>
+            <a:lvl7pPr lvl="6">
+              <a:buNone/>
+              <a:defRPr/>
+            </a:lvl7pPr>
+            <a:lvl8pPr lvl="7">
+              <a:buNone/>
+              <a:defRPr/>
+            </a:lvl8pPr>
+            <a:lvl9pPr lvl="8">
+              <a:buNone/>
+              <a:defRPr/>
+            </a:lvl9pPr>
+          </a:lstStyle>
+          <a:p>
+            <a:pPr marL="0" lvl="0" indent="0" algn="r" rtl="0">
+              <a:spcBef>
+                <a:spcPts val="0"/>
+              </a:spcBef>
+              <a:spcAft>
+                <a:spcPts val="0"/>
+              </a:spcAft>
+              <a:buNone/>
+            </a:pPr>
+            <a:fld id="{00000000-1234-1234-1234-123412341234}" type="slidenum">
+              <a:rPr lang="nl"/>
+              <a:t>‹nr.›</a:t>
+            </a:fld>
+            <a:endParaRPr/>
+          </a:p>
+        </p:txBody>
+      </p:sp>
+    </p:spTree>
+  </p:cSld>
+  <p:clrMapOvr>
+    <a:masterClrMapping/>
+  </p:clrMapOvr>
+</p:sldLayout>
+</file>
+
+<file path=ppt/slideLayouts/slideLayout9.xml><?xml version="1.0" encoding="utf-8"?>
+<p:sldLayout xmlns:a="http://schemas.openxmlformats.org/drawingml/2006/main" xmlns:r="http://schemas.openxmlformats.org/officeDocument/2006/relationships" xmlns:p="http://schemas.openxmlformats.org/presentationml/2006/main" matchingName="Big number">
+  <p:cSld name="BIG_NUMBER">
+    <p:spTree>
+      <p:nvGrpSpPr>
+        <p:cNvPr id="1" name="Shape 44"/>
+        <p:cNvGrpSpPr/>
+        <p:nvPr/>
+      </p:nvGrpSpPr>
+      <p:grpSpPr>
+        <a:xfrm>
+          <a:off x="0" y="0"/>
+          <a:ext cx="0" cy="0"/>
+          <a:chOff x="0" y="0"/>
+          <a:chExt cx="0" cy="0"/>
+        </a:xfrm>
+      </p:grpSpPr>
+      <p:sp>
+        <p:nvSpPr>
+          <p:cNvPr id="45" name="Google Shape;45;p11"/>
+          <p:cNvSpPr txBox="1">
+            <a:spLocks noGrp="1"/>
+          </p:cNvSpPr>
+          <p:nvPr>
+            <p:ph type="title" hasCustomPrompt="1"/>
+          </p:nvPr>
+        </p:nvSpPr>
+        <p:spPr>
+          <a:xfrm>
+            <a:off x="311700" y="1106125"/>
+            <a:ext cx="8520600" cy="1963500"/>
+          </a:xfrm>
+          <a:prstGeom prst="rect">
+            <a:avLst/>
+          </a:prstGeom>
+        </p:spPr>
+        <p:txBody>
+          <a:bodyPr spcFirstLastPara="1" wrap="square" lIns="91425" tIns="91425" rIns="91425" bIns="91425" anchor="b" anchorCtr="0">
+            <a:normAutofit/>
+          </a:bodyPr>
+          <a:lstStyle>
+            <a:lvl1pPr lvl="0" algn="ctr">
+              <a:spcBef>
+                <a:spcPts val="0"/>
+              </a:spcBef>
+              <a:spcAft>
+                <a:spcPts val="0"/>
+              </a:spcAft>
+              <a:buSzPts val="12000"/>
+              <a:buNone/>
+              <a:defRPr sz="12000"/>
+            </a:lvl1pPr>
+            <a:lvl2pPr lvl="1" algn="ctr">
+              <a:spcBef>
+                <a:spcPts val="0"/>
+              </a:spcBef>
+              <a:spcAft>
+                <a:spcPts val="0"/>
+              </a:spcAft>
+              <a:buSzPts val="12000"/>
+              <a:buNone/>
+              <a:defRPr sz="12000"/>
+            </a:lvl2pPr>
+            <a:lvl3pPr lvl="2" algn="ctr">
+              <a:spcBef>
+                <a:spcPts val="0"/>
+              </a:spcBef>
+              <a:spcAft>
+                <a:spcPts val="0"/>
+              </a:spcAft>
+              <a:buSzPts val="12000"/>
+              <a:buNone/>
+              <a:defRPr sz="12000"/>
+            </a:lvl3pPr>
+            <a:lvl4pPr lvl="3" algn="ctr">
+              <a:spcBef>
+                <a:spcPts val="0"/>
+              </a:spcBef>
+              <a:spcAft>
+                <a:spcPts val="0"/>
+              </a:spcAft>
+              <a:buSzPts val="12000"/>
+              <a:buNone/>
+              <a:defRPr sz="12000"/>
+            </a:lvl4pPr>
+            <a:lvl5pPr lvl="4" algn="ctr">
+              <a:spcBef>
+                <a:spcPts val="0"/>
+              </a:spcBef>
+              <a:spcAft>
+                <a:spcPts val="0"/>
+              </a:spcAft>
+              <a:buSzPts val="12000"/>
+              <a:buNone/>
+              <a:defRPr sz="12000"/>
+            </a:lvl5pPr>
+            <a:lvl6pPr lvl="5" algn="ctr">
+              <a:spcBef>
+                <a:spcPts val="0"/>
+              </a:spcBef>
+              <a:spcAft>
+                <a:spcPts val="0"/>
+              </a:spcAft>
+              <a:buSzPts val="12000"/>
+              <a:buNone/>
+              <a:defRPr sz="12000"/>
+            </a:lvl6pPr>
+            <a:lvl7pPr lvl="6" algn="ctr">
+              <a:spcBef>
+                <a:spcPts val="0"/>
+              </a:spcBef>
+              <a:spcAft>
+                <a:spcPts val="0"/>
+              </a:spcAft>
+              <a:buSzPts val="12000"/>
+              <a:buNone/>
+              <a:defRPr sz="12000"/>
+            </a:lvl7pPr>
+            <a:lvl8pPr lvl="7" algn="ctr">
+              <a:spcBef>
+                <a:spcPts val="0"/>
+              </a:spcBef>
+              <a:spcAft>
+                <a:spcPts val="0"/>
+              </a:spcAft>
+              <a:buSzPts val="12000"/>
+              <a:buNone/>
+              <a:defRPr sz="12000"/>
+            </a:lvl8pPr>
+            <a:lvl9pPr lvl="8" algn="ctr">
+              <a:spcBef>
+                <a:spcPts val="0"/>
+              </a:spcBef>
+              <a:spcAft>
+                <a:spcPts val="0"/>
+              </a:spcAft>
+              <a:buSzPts val="12000"/>
+              <a:buNone/>
+              <a:defRPr sz="12000"/>
+            </a:lvl9pPr>
+          </a:lstStyle>
+          <a:p>
+            <a:r>
+              <a:t>xx%</a:t>
+            </a:r>
+          </a:p>
+        </p:txBody>
+      </p:sp>
+      <p:sp>
+        <p:nvSpPr>
+          <p:cNvPr id="46" name="Google Shape;46;p11"/>
+          <p:cNvSpPr txBox="1">
+            <a:spLocks noGrp="1"/>
+          </p:cNvSpPr>
+          <p:nvPr>
+            <p:ph type="body" idx="1"/>
+          </p:nvPr>
+        </p:nvSpPr>
+        <p:spPr>
+          <a:xfrm>
+            <a:off x="311700" y="3152225"/>
+            <a:ext cx="8520600" cy="1300800"/>
+          </a:xfrm>
+          <a:prstGeom prst="rect">
+            <a:avLst/>
+          </a:prstGeom>
+        </p:spPr>
+        <p:txBody>
+          <a:bodyPr spcFirstLastPara="1" wrap="square" lIns="91425" tIns="91425" rIns="91425" bIns="91425" anchor="t" anchorCtr="0">
+            <a:normAutofit/>
+          </a:bodyPr>
+          <a:lstStyle>
+            <a:lvl1pPr marL="457200" lvl="0" indent="-342900" algn="ctr">
+              <a:spcBef>
+                <a:spcPts val="0"/>
+              </a:spcBef>
+              <a:spcAft>
+                <a:spcPts val="0"/>
+              </a:spcAft>
+              <a:buSzPts val="1800"/>
+              <a:buChar char="●"/>
+              <a:defRPr/>
+            </a:lvl1pPr>
+            <a:lvl2pPr marL="914400" lvl="1" indent="-317500" algn="ctr">
+              <a:spcBef>
+                <a:spcPts val="0"/>
+              </a:spcBef>
+              <a:spcAft>
+                <a:spcPts val="0"/>
+              </a:spcAft>
+              <a:buSzPts val="1400"/>
+              <a:buChar char="○"/>
+              <a:defRPr/>
+            </a:lvl2pPr>
+            <a:lvl3pPr marL="1371600" lvl="2" indent="-317500" algn="ctr">
+              <a:spcBef>
+                <a:spcPts val="0"/>
+              </a:spcBef>
+              <a:spcAft>
+                <a:spcPts val="0"/>
+              </a:spcAft>
+              <a:buSzPts val="1400"/>
+              <a:buChar char="■"/>
+              <a:defRPr/>
+            </a:lvl3pPr>
+            <a:lvl4pPr marL="1828800" lvl="3" indent="-317500" algn="ctr">
+              <a:spcBef>
+                <a:spcPts val="0"/>
+              </a:spcBef>
+              <a:spcAft>
+                <a:spcPts val="0"/>
+              </a:spcAft>
+              <a:buSzPts val="1400"/>
+              <a:buChar char="●"/>
+              <a:defRPr/>
+            </a:lvl4pPr>
+            <a:lvl5pPr marL="2286000" lvl="4" indent="-317500" algn="ctr">
+              <a:spcBef>
+                <a:spcPts val="0"/>
+              </a:spcBef>
+              <a:spcAft>
+                <a:spcPts val="0"/>
+              </a:spcAft>
+              <a:buSzPts val="1400"/>
+              <a:buChar char="○"/>
+              <a:defRPr/>
+            </a:lvl5pPr>
+            <a:lvl6pPr marL="2743200" lvl="5" indent="-317500" algn="ctr">
+              <a:spcBef>
+                <a:spcPts val="0"/>
+              </a:spcBef>
+              <a:spcAft>
+                <a:spcPts val="0"/>
+              </a:spcAft>
+              <a:buSzPts val="1400"/>
+              <a:buChar char="■"/>
+              <a:defRPr/>
+            </a:lvl6pPr>
+            <a:lvl7pPr marL="3200400" lvl="6" indent="-317500" algn="ctr">
+              <a:spcBef>
+                <a:spcPts val="0"/>
+              </a:spcBef>
+              <a:spcAft>
+                <a:spcPts val="0"/>
+              </a:spcAft>
+              <a:buSzPts val="1400"/>
+              <a:buChar char="●"/>
+              <a:defRPr/>
+            </a:lvl7pPr>
+            <a:lvl8pPr marL="3657600" lvl="7" indent="-317500" algn="ctr">
+              <a:spcBef>
+                <a:spcPts val="0"/>
+              </a:spcBef>
+              <a:spcAft>
+                <a:spcPts val="0"/>
+              </a:spcAft>
+              <a:buSzPts val="1400"/>
+              <a:buChar char="○"/>
+              <a:defRPr/>
+            </a:lvl8pPr>
+            <a:lvl9pPr marL="4114800" lvl="8" indent="-317500" algn="ctr">
+              <a:spcBef>
+                <a:spcPts val="0"/>
+              </a:spcBef>
+              <a:spcAft>
+                <a:spcPts val="0"/>
+              </a:spcAft>
+              <a:buSzPts val="1400"/>
+              <a:buChar char="■"/>
+              <a:defRPr/>
+            </a:lvl9pPr>
+          </a:lstStyle>
+          <a:p>
+            <a:endParaRPr/>
+          </a:p>
+        </p:txBody>
+      </p:sp>
+      <p:sp>
+        <p:nvSpPr>
+          <p:cNvPr id="47" name="Google Shape;47;p11"/>
           <p:cNvSpPr txBox="1">
             <a:spLocks noGrp="1"/>
           </p:cNvSpPr>
@@ -6588,16 +6574,15 @@
   <p:clrMap bg1="lt1" tx1="dk1" bg2="dk2" tx2="lt2" accent1="accent1" accent2="accent2" accent3="accent3" accent4="accent4" accent5="accent5" accent6="accent6" hlink="hlink" folHlink="folHlink"/>
   <p:sldLayoutIdLst>
     <p:sldLayoutId id="2147483648" r:id="rId1"/>
-    <p:sldLayoutId id="2147483649" r:id="rId2"/>
-    <p:sldLayoutId id="2147483650" r:id="rId3"/>
-    <p:sldLayoutId id="2147483651" r:id="rId4"/>
-    <p:sldLayoutId id="2147483652" r:id="rId5"/>
-    <p:sldLayoutId id="2147483653" r:id="rId6"/>
-    <p:sldLayoutId id="2147483654" r:id="rId7"/>
-    <p:sldLayoutId id="2147483655" r:id="rId8"/>
-    <p:sldLayoutId id="2147483656" r:id="rId9"/>
-    <p:sldLayoutId id="2147483657" r:id="rId10"/>
-    <p:sldLayoutId id="2147483658" r:id="rId11"/>
+    <p:sldLayoutId id="2147483650" r:id="rId2"/>
+    <p:sldLayoutId id="2147483651" r:id="rId3"/>
+    <p:sldLayoutId id="2147483652" r:id="rId4"/>
+    <p:sldLayoutId id="2147483653" r:id="rId5"/>
+    <p:sldLayoutId id="2147483654" r:id="rId6"/>
+    <p:sldLayoutId id="2147483655" r:id="rId7"/>
+    <p:sldLayoutId id="2147483656" r:id="rId8"/>
+    <p:sldLayoutId id="2147483657" r:id="rId9"/>
+    <p:sldLayoutId id="2147483658" r:id="rId10"/>
   </p:sldLayoutIdLst>
   <p:hf sldNum="0" hdr="0" ftr="0" dt="0"/>
   <p:txStyles>
@@ -7448,3234 +7433,6 @@
 <file path=ppt/slides/slide10.xml><?xml version="1.0" encoding="utf-8"?>
 <p:sld xmlns:a="http://schemas.openxmlformats.org/drawingml/2006/main" xmlns:r="http://schemas.openxmlformats.org/officeDocument/2006/relationships" xmlns:p="http://schemas.openxmlformats.org/presentationml/2006/main">
   <p:cSld>
-    <p:bg>
-      <p:bgPr>
-        <a:solidFill>
-          <a:schemeClr val="dk1"/>
-        </a:solidFill>
-        <a:effectLst/>
-      </p:bgPr>
-    </p:bg>
-    <p:spTree>
-      <p:nvGrpSpPr>
-        <p:cNvPr id="1" name="Shape 133"/>
-        <p:cNvGrpSpPr/>
-        <p:nvPr/>
-      </p:nvGrpSpPr>
-      <p:grpSpPr>
-        <a:xfrm>
-          <a:off x="0" y="0"/>
-          <a:ext cx="0" cy="0"/>
-          <a:chOff x="0" y="0"/>
-          <a:chExt cx="0" cy="0"/>
-        </a:xfrm>
-      </p:grpSpPr>
-      <p:sp>
-        <p:nvSpPr>
-          <p:cNvPr id="134" name="Google Shape;134;p24"/>
-          <p:cNvSpPr txBox="1">
-            <a:spLocks noGrp="1"/>
-          </p:cNvSpPr>
-          <p:nvPr>
-            <p:ph type="title"/>
-          </p:nvPr>
-        </p:nvSpPr>
-        <p:spPr>
-          <a:xfrm>
-            <a:off x="311700" y="445025"/>
-            <a:ext cx="8520600" cy="572700"/>
-          </a:xfrm>
-          <a:prstGeom prst="rect">
-            <a:avLst/>
-          </a:prstGeom>
-        </p:spPr>
-        <p:txBody>
-          <a:bodyPr spcFirstLastPara="1" wrap="square" lIns="91425" tIns="91425" rIns="91425" bIns="91425" anchor="t" anchorCtr="0">
-            <a:normAutofit fontScale="90000"/>
-          </a:bodyPr>
-          <a:lstStyle/>
-          <a:p>
-            <a:pPr marL="0" lvl="0" indent="0" algn="l" rtl="0">
-              <a:spcBef>
-                <a:spcPts val="0"/>
-              </a:spcBef>
-              <a:spcAft>
-                <a:spcPts val="0"/>
-              </a:spcAft>
-              <a:buNone/>
-            </a:pPr>
-            <a:r>
-              <a:rPr lang="nl">
-                <a:solidFill>
-                  <a:schemeClr val="lt1"/>
-                </a:solidFill>
-              </a:rPr>
-              <a:t>Genetisch algoritme: methode</a:t>
-            </a:r>
-            <a:endParaRPr>
-              <a:solidFill>
-                <a:schemeClr val="lt1"/>
-              </a:solidFill>
-            </a:endParaRPr>
-          </a:p>
-        </p:txBody>
-      </p:sp>
-      <p:sp>
-        <p:nvSpPr>
-          <p:cNvPr id="135" name="Google Shape;135;p24"/>
-          <p:cNvSpPr txBox="1">
-            <a:spLocks noGrp="1"/>
-          </p:cNvSpPr>
-          <p:nvPr>
-            <p:ph type="body" idx="1"/>
-          </p:nvPr>
-        </p:nvSpPr>
-        <p:spPr>
-          <a:xfrm>
-            <a:off x="311700" y="1152475"/>
-            <a:ext cx="8520600" cy="3416400"/>
-          </a:xfrm>
-          <a:prstGeom prst="rect">
-            <a:avLst/>
-          </a:prstGeom>
-        </p:spPr>
-        <p:txBody>
-          <a:bodyPr spcFirstLastPara="1" wrap="square" lIns="91425" tIns="91425" rIns="91425" bIns="91425" anchor="t" anchorCtr="0">
-            <a:normAutofit/>
-          </a:bodyPr>
-          <a:lstStyle/>
-          <a:p>
-            <a:pPr marL="0" lvl="0" indent="0" algn="l" rtl="0">
-              <a:spcBef>
-                <a:spcPts val="1200"/>
-              </a:spcBef>
-              <a:spcAft>
-                <a:spcPts val="0"/>
-              </a:spcAft>
-              <a:buNone/>
-            </a:pPr>
-            <a:endParaRPr>
-              <a:solidFill>
-                <a:schemeClr val="lt1"/>
-              </a:solidFill>
-            </a:endParaRPr>
-          </a:p>
-          <a:p>
-            <a:pPr marL="0" lvl="0" indent="0" algn="l" rtl="0">
-              <a:spcBef>
-                <a:spcPts val="1200"/>
-              </a:spcBef>
-              <a:spcAft>
-                <a:spcPts val="0"/>
-              </a:spcAft>
-              <a:buNone/>
-            </a:pPr>
-            <a:endParaRPr>
-              <a:solidFill>
-                <a:schemeClr val="lt1"/>
-              </a:solidFill>
-            </a:endParaRPr>
-          </a:p>
-        </p:txBody>
-      </p:sp>
-      <p:pic>
-        <p:nvPicPr>
-          <p:cNvPr id="136" name="Google Shape;136;p24"/>
-          <p:cNvPicPr preferRelativeResize="0"/>
-          <p:nvPr/>
-        </p:nvPicPr>
-        <p:blipFill>
-          <a:blip r:embed="rId3">
-            <a:alphaModFix/>
-          </a:blip>
-          <a:stretch>
-            <a:fillRect/>
-          </a:stretch>
-        </p:blipFill>
-        <p:spPr>
-          <a:xfrm>
-            <a:off x="1612823" y="1270027"/>
-            <a:ext cx="5589419" cy="3346975"/>
-          </a:xfrm>
-          <a:prstGeom prst="rect">
-            <a:avLst/>
-          </a:prstGeom>
-          <a:noFill/>
-          <a:ln>
-            <a:noFill/>
-          </a:ln>
-        </p:spPr>
-      </p:pic>
-    </p:spTree>
-  </p:cSld>
-  <p:clrMapOvr>
-    <a:masterClrMapping/>
-  </p:clrMapOvr>
-</p:sld>
-</file>
-
-<file path=ppt/slides/slide11.xml><?xml version="1.0" encoding="utf-8"?>
-<p:sld xmlns:a="http://schemas.openxmlformats.org/drawingml/2006/main" xmlns:r="http://schemas.openxmlformats.org/officeDocument/2006/relationships" xmlns:p="http://schemas.openxmlformats.org/presentationml/2006/main">
-  <p:cSld>
-    <p:spTree>
-      <p:nvGrpSpPr>
-        <p:cNvPr id="1" name=""/>
-        <p:cNvGrpSpPr/>
-        <p:nvPr/>
-      </p:nvGrpSpPr>
-      <p:grpSpPr>
-        <a:xfrm>
-          <a:off x="0" y="0"/>
-          <a:ext cx="0" cy="0"/>
-          <a:chOff x="0" y="0"/>
-          <a:chExt cx="0" cy="0"/>
-        </a:xfrm>
-      </p:grpSpPr>
-      <p:sp>
-        <p:nvSpPr>
-          <p:cNvPr id="2" name="Titel 1">
-            <a:extLst>
-              <a:ext uri="{FF2B5EF4-FFF2-40B4-BE49-F238E27FC236}">
-                <a16:creationId xmlns:a16="http://schemas.microsoft.com/office/drawing/2014/main" id="{573D2B2B-77FF-4617-BABA-EEFAEEDCBB93}"/>
-              </a:ext>
-            </a:extLst>
-          </p:cNvPr>
-          <p:cNvSpPr>
-            <a:spLocks noGrp="1"/>
-          </p:cNvSpPr>
-          <p:nvPr>
-            <p:ph type="title"/>
-          </p:nvPr>
-        </p:nvSpPr>
-        <p:spPr/>
-        <p:txBody>
-          <a:bodyPr>
-            <a:normAutofit fontScale="90000"/>
-          </a:bodyPr>
-          <a:lstStyle/>
-          <a:p>
-            <a:r>
-              <a:rPr lang="nl-NL"/>
-              <a:t>Genetisch algoritme: resultaten</a:t>
-            </a:r>
-          </a:p>
-        </p:txBody>
-      </p:sp>
-      <p:sp>
-        <p:nvSpPr>
-          <p:cNvPr id="3" name="Tijdelijke aanduiding voor tekst 2">
-            <a:extLst>
-              <a:ext uri="{FF2B5EF4-FFF2-40B4-BE49-F238E27FC236}">
-                <a16:creationId xmlns:a16="http://schemas.microsoft.com/office/drawing/2014/main" id="{CC7DF5B2-B4A5-4665-95FE-2837C41E9637}"/>
-              </a:ext>
-            </a:extLst>
-          </p:cNvPr>
-          <p:cNvSpPr>
-            <a:spLocks noGrp="1"/>
-          </p:cNvSpPr>
-          <p:nvPr>
-            <p:ph type="body" idx="1"/>
-          </p:nvPr>
-        </p:nvSpPr>
-        <p:spPr/>
-        <p:txBody>
-          <a:bodyPr/>
-          <a:lstStyle/>
-          <a:p>
-            <a:r>
-              <a:rPr lang="nl-NL"/>
-              <a:t>324 verschillende configuraties</a:t>
-            </a:r>
-          </a:p>
-          <a:p>
-            <a:pPr lvl="1"/>
-            <a:r>
-              <a:rPr lang="nl-NL"/>
-              <a:t>Selectie, </a:t>
-            </a:r>
-            <a:r>
-              <a:rPr lang="nl-NL" err="1"/>
-              <a:t>crossover</a:t>
-            </a:r>
-            <a:r>
-              <a:rPr lang="nl-NL"/>
-              <a:t>, populatiegrootte, mutatiekans, aantal generaties</a:t>
-            </a:r>
-          </a:p>
-          <a:p>
-            <a:r>
-              <a:rPr lang="nl-NL"/>
-              <a:t>91k runs in totaal (rijen aan resultaten)</a:t>
-            </a:r>
-          </a:p>
-        </p:txBody>
-      </p:sp>
-      <p:pic>
-        <p:nvPicPr>
-          <p:cNvPr id="5" name="Afbeelding 4">
-            <a:extLst>
-              <a:ext uri="{FF2B5EF4-FFF2-40B4-BE49-F238E27FC236}">
-                <a16:creationId xmlns:a16="http://schemas.microsoft.com/office/drawing/2014/main" id="{53AD5EA1-16A9-49E7-9073-712B33D118F0}"/>
-              </a:ext>
-            </a:extLst>
-          </p:cNvPr>
-          <p:cNvPicPr>
-            <a:picLocks noChangeAspect="1"/>
-          </p:cNvPicPr>
-          <p:nvPr/>
-        </p:nvPicPr>
-        <p:blipFill>
-          <a:blip r:embed="rId2"/>
-          <a:stretch>
-            <a:fillRect/>
-          </a:stretch>
-        </p:blipFill>
-        <p:spPr>
-          <a:xfrm>
-            <a:off x="716737" y="2165684"/>
-            <a:ext cx="3467507" cy="2600630"/>
-          </a:xfrm>
-          <a:prstGeom prst="rect">
-            <a:avLst/>
-          </a:prstGeom>
-        </p:spPr>
-      </p:pic>
-      <p:pic>
-        <p:nvPicPr>
-          <p:cNvPr id="7" name="Afbeelding 6">
-            <a:extLst>
-              <a:ext uri="{FF2B5EF4-FFF2-40B4-BE49-F238E27FC236}">
-                <a16:creationId xmlns:a16="http://schemas.microsoft.com/office/drawing/2014/main" id="{6B9584EA-D8A7-4288-AB59-3691AF104B08}"/>
-              </a:ext>
-            </a:extLst>
-          </p:cNvPr>
-          <p:cNvPicPr>
-            <a:picLocks noChangeAspect="1"/>
-          </p:cNvPicPr>
-          <p:nvPr/>
-        </p:nvPicPr>
-        <p:blipFill>
-          <a:blip r:embed="rId3"/>
-          <a:stretch>
-            <a:fillRect/>
-          </a:stretch>
-        </p:blipFill>
-        <p:spPr>
-          <a:xfrm>
-            <a:off x="4883102" y="2165684"/>
-            <a:ext cx="3467507" cy="2600630"/>
-          </a:xfrm>
-          <a:prstGeom prst="rect">
-            <a:avLst/>
-          </a:prstGeom>
-        </p:spPr>
-      </p:pic>
-    </p:spTree>
-    <p:extLst>
-      <p:ext uri="{BB962C8B-B14F-4D97-AF65-F5344CB8AC3E}">
-        <p14:creationId xmlns:p14="http://schemas.microsoft.com/office/powerpoint/2010/main" val="1871102804"/>
-      </p:ext>
-    </p:extLst>
-  </p:cSld>
-  <p:clrMapOvr>
-    <a:masterClrMapping/>
-  </p:clrMapOvr>
-</p:sld>
-</file>
-
-<file path=ppt/slides/slide12.xml><?xml version="1.0" encoding="utf-8"?>
-<p:sld xmlns:a="http://schemas.openxmlformats.org/drawingml/2006/main" xmlns:r="http://schemas.openxmlformats.org/officeDocument/2006/relationships" xmlns:p="http://schemas.openxmlformats.org/presentationml/2006/main">
-  <p:cSld>
-    <p:spTree>
-      <p:nvGrpSpPr>
-        <p:cNvPr id="1" name=""/>
-        <p:cNvGrpSpPr/>
-        <p:nvPr/>
-      </p:nvGrpSpPr>
-      <p:grpSpPr>
-        <a:xfrm>
-          <a:off x="0" y="0"/>
-          <a:ext cx="0" cy="0"/>
-          <a:chOff x="0" y="0"/>
-          <a:chExt cx="0" cy="0"/>
-        </a:xfrm>
-      </p:grpSpPr>
-      <p:sp>
-        <p:nvSpPr>
-          <p:cNvPr id="2" name="Titel 1">
-            <a:extLst>
-              <a:ext uri="{FF2B5EF4-FFF2-40B4-BE49-F238E27FC236}">
-                <a16:creationId xmlns:a16="http://schemas.microsoft.com/office/drawing/2014/main" id="{534BD26F-8C57-4004-BE03-76324A923689}"/>
-              </a:ext>
-            </a:extLst>
-          </p:cNvPr>
-          <p:cNvSpPr>
-            <a:spLocks noGrp="1"/>
-          </p:cNvSpPr>
-          <p:nvPr>
-            <p:ph type="title"/>
-          </p:nvPr>
-        </p:nvSpPr>
-        <p:spPr/>
-        <p:txBody>
-          <a:bodyPr>
-            <a:normAutofit fontScale="90000"/>
-          </a:bodyPr>
-          <a:lstStyle/>
-          <a:p>
-            <a:r>
-              <a:rPr lang="nl-NL"/>
-              <a:t>Genetisch algoritme: resultaten</a:t>
-            </a:r>
-          </a:p>
-        </p:txBody>
-      </p:sp>
-      <p:sp>
-        <p:nvSpPr>
-          <p:cNvPr id="3" name="Tijdelijke aanduiding voor tekst 2">
-            <a:extLst>
-              <a:ext uri="{FF2B5EF4-FFF2-40B4-BE49-F238E27FC236}">
-                <a16:creationId xmlns:a16="http://schemas.microsoft.com/office/drawing/2014/main" id="{E84067D7-CF5C-44CD-BA07-4EA7B62AA714}"/>
-              </a:ext>
-            </a:extLst>
-          </p:cNvPr>
-          <p:cNvSpPr>
-            <a:spLocks noGrp="1"/>
-          </p:cNvSpPr>
-          <p:nvPr>
-            <p:ph type="body" idx="1"/>
-          </p:nvPr>
-        </p:nvSpPr>
-        <p:spPr/>
-        <p:txBody>
-          <a:bodyPr/>
-          <a:lstStyle/>
-          <a:p>
-            <a:r>
-              <a:rPr lang="nl-NL" dirty="0"/>
-              <a:t>Hoe hoger de populatiegrootte en generaties, hoe beter het resultaat</a:t>
-            </a:r>
-          </a:p>
-          <a:p>
-            <a:pPr lvl="1"/>
-            <a:r>
-              <a:rPr lang="nl-NL" dirty="0"/>
-              <a:t>Tijdsafweging. </a:t>
-            </a:r>
-            <a:r>
-              <a:rPr lang="nl-NL" dirty="0" err="1"/>
-              <a:t>Sweet</a:t>
-            </a:r>
-            <a:r>
-              <a:rPr lang="nl-NL" dirty="0"/>
-              <a:t> spot: populatie van 10.000 met 200 generaties.</a:t>
-            </a:r>
-          </a:p>
-          <a:p>
-            <a:r>
-              <a:rPr lang="nl-NL" dirty="0"/>
-              <a:t>Beste configuraties: </a:t>
-            </a:r>
-          </a:p>
-          <a:p>
-            <a:endParaRPr lang="nl-NL" dirty="0"/>
-          </a:p>
-          <a:p>
-            <a:endParaRPr lang="nl-NL" dirty="0"/>
-          </a:p>
-          <a:p>
-            <a:endParaRPr lang="nl-NL" dirty="0"/>
-          </a:p>
-          <a:p>
-            <a:endParaRPr lang="nl-NL" dirty="0"/>
-          </a:p>
-          <a:p>
-            <a:endParaRPr lang="nl-NL" dirty="0"/>
-          </a:p>
-          <a:p>
-            <a:endParaRPr lang="nl-NL" dirty="0"/>
-          </a:p>
-          <a:p>
-            <a:r>
-              <a:rPr lang="nl-NL" dirty="0"/>
-              <a:t>Conclusie: scoort constant, maar </a:t>
-            </a:r>
-            <a:r>
-              <a:rPr lang="nl-NL" dirty="0" err="1"/>
-              <a:t>hillclimber</a:t>
-            </a:r>
-            <a:r>
-              <a:rPr lang="nl-NL" dirty="0"/>
-              <a:t> scoort soms hoger </a:t>
-            </a:r>
-            <a:r>
-              <a:rPr lang="nl-NL" dirty="0">
-                <a:sym typeface="Wingdings" panose="05000000000000000000" pitchFamily="2" charset="2"/>
-              </a:rPr>
-              <a:t></a:t>
-            </a:r>
-            <a:endParaRPr lang="nl-NL" dirty="0"/>
-          </a:p>
-        </p:txBody>
-      </p:sp>
-      <p:pic>
-        <p:nvPicPr>
-          <p:cNvPr id="5" name="Afbeelding 4">
-            <a:extLst>
-              <a:ext uri="{FF2B5EF4-FFF2-40B4-BE49-F238E27FC236}">
-                <a16:creationId xmlns:a16="http://schemas.microsoft.com/office/drawing/2014/main" id="{4DB59278-DDA5-4388-B812-F50A0FDBDFBA}"/>
-              </a:ext>
-            </a:extLst>
-          </p:cNvPr>
-          <p:cNvPicPr>
-            <a:picLocks noChangeAspect="1"/>
-          </p:cNvPicPr>
-          <p:nvPr/>
-        </p:nvPicPr>
-        <p:blipFill>
-          <a:blip r:embed="rId2"/>
-          <a:stretch>
-            <a:fillRect/>
-          </a:stretch>
-        </p:blipFill>
-        <p:spPr>
-          <a:xfrm>
-            <a:off x="983152" y="2496123"/>
-            <a:ext cx="6641432" cy="1090796"/>
-          </a:xfrm>
-          <a:prstGeom prst="rect">
-            <a:avLst/>
-          </a:prstGeom>
-        </p:spPr>
-      </p:pic>
-    </p:spTree>
-    <p:extLst>
-      <p:ext uri="{BB962C8B-B14F-4D97-AF65-F5344CB8AC3E}">
-        <p14:creationId xmlns:p14="http://schemas.microsoft.com/office/powerpoint/2010/main" val="1415137384"/>
-      </p:ext>
-    </p:extLst>
-  </p:cSld>
-  <p:clrMapOvr>
-    <a:masterClrMapping/>
-  </p:clrMapOvr>
-</p:sld>
-</file>
-
-<file path=ppt/slides/slide13.xml><?xml version="1.0" encoding="utf-8"?>
-<p:sld xmlns:a="http://schemas.openxmlformats.org/drawingml/2006/main" xmlns:r="http://schemas.openxmlformats.org/officeDocument/2006/relationships" xmlns:p="http://schemas.openxmlformats.org/presentationml/2006/main">
-  <p:cSld>
-    <p:spTree>
-      <p:nvGrpSpPr>
-        <p:cNvPr id="1" name=""/>
-        <p:cNvGrpSpPr/>
-        <p:nvPr/>
-      </p:nvGrpSpPr>
-      <p:grpSpPr>
-        <a:xfrm>
-          <a:off x="0" y="0"/>
-          <a:ext cx="0" cy="0"/>
-          <a:chOff x="0" y="0"/>
-          <a:chExt cx="0" cy="0"/>
-        </a:xfrm>
-      </p:grpSpPr>
-      <p:sp>
-        <p:nvSpPr>
-          <p:cNvPr id="2" name="Titel 1">
-            <a:extLst>
-              <a:ext uri="{FF2B5EF4-FFF2-40B4-BE49-F238E27FC236}">
-                <a16:creationId xmlns:a16="http://schemas.microsoft.com/office/drawing/2014/main" id="{DF440304-03D7-4D76-9C2F-5F4183D5EBEC}"/>
-              </a:ext>
-            </a:extLst>
-          </p:cNvPr>
-          <p:cNvSpPr>
-            <a:spLocks noGrp="1"/>
-          </p:cNvSpPr>
-          <p:nvPr>
-            <p:ph type="title"/>
-          </p:nvPr>
-        </p:nvSpPr>
-        <p:spPr/>
-        <p:txBody>
-          <a:bodyPr>
-            <a:normAutofit fontScale="90000"/>
-          </a:bodyPr>
-          <a:lstStyle/>
-          <a:p>
-            <a:r>
-              <a:rPr lang="nl-NL" err="1"/>
-              <a:t>Hillclimber</a:t>
-            </a:r>
-            <a:r>
-              <a:rPr lang="nl-NL"/>
-              <a:t>: methode en resultaten</a:t>
-            </a:r>
-          </a:p>
-        </p:txBody>
-      </p:sp>
-      <p:sp>
-        <p:nvSpPr>
-          <p:cNvPr id="3" name="Tijdelijke aanduiding voor tekst 2">
-            <a:extLst>
-              <a:ext uri="{FF2B5EF4-FFF2-40B4-BE49-F238E27FC236}">
-                <a16:creationId xmlns:a16="http://schemas.microsoft.com/office/drawing/2014/main" id="{68451018-F675-4C2B-9FDC-3507F95B0C87}"/>
-              </a:ext>
-            </a:extLst>
-          </p:cNvPr>
-          <p:cNvSpPr>
-            <a:spLocks noGrp="1"/>
-          </p:cNvSpPr>
-          <p:nvPr>
-            <p:ph type="body" idx="1"/>
-          </p:nvPr>
-        </p:nvSpPr>
-        <p:spPr/>
-        <p:txBody>
-          <a:bodyPr/>
-          <a:lstStyle/>
-          <a:p>
-            <a:r>
-              <a:rPr lang="nl-NL"/>
-              <a:t>Iteratief algoritme</a:t>
-            </a:r>
-          </a:p>
-          <a:p>
-            <a:pPr>
-              <a:lnSpc>
-                <a:spcPct val="114999"/>
-              </a:lnSpc>
-            </a:pPr>
-            <a:r>
-              <a:rPr lang="nl-NL"/>
-              <a:t>Genereert R aantal random routes</a:t>
-            </a:r>
-          </a:p>
-          <a:p>
-            <a:pPr>
-              <a:lnSpc>
-                <a:spcPct val="114999"/>
-              </a:lnSpc>
-            </a:pPr>
-            <a:r>
-              <a:rPr lang="nl-NL"/>
-              <a:t>Kiest route die resulteert in hoogste score</a:t>
-            </a:r>
-          </a:p>
-          <a:p>
-            <a:pPr>
-              <a:lnSpc>
-                <a:spcPct val="114999"/>
-              </a:lnSpc>
-            </a:pPr>
-            <a:r>
-              <a:rPr lang="nl-NL"/>
-              <a:t>Erg afhankelijk van input oplossing</a:t>
-            </a:r>
-          </a:p>
-          <a:p>
-            <a:pPr>
-              <a:lnSpc>
-                <a:spcPct val="114999"/>
-              </a:lnSpc>
-            </a:pPr>
-            <a:endParaRPr lang="nl-NL"/>
-          </a:p>
-          <a:p>
-            <a:pPr>
-              <a:lnSpc>
-                <a:spcPct val="114999"/>
-              </a:lnSpc>
-            </a:pPr>
-            <a:endParaRPr lang="nl-NL"/>
-          </a:p>
-          <a:p>
-            <a:pPr>
-              <a:lnSpc>
-                <a:spcPct val="114999"/>
-              </a:lnSpc>
-            </a:pPr>
-            <a:endParaRPr lang="nl-NL"/>
-          </a:p>
-          <a:p>
-            <a:pPr>
-              <a:lnSpc>
-                <a:spcPct val="114999"/>
-              </a:lnSpc>
-            </a:pPr>
-            <a:endParaRPr lang="nl-NL"/>
-          </a:p>
-          <a:p>
-            <a:pPr>
-              <a:lnSpc>
-                <a:spcPct val="114999"/>
-              </a:lnSpc>
-            </a:pPr>
-            <a:endParaRPr lang="nl-NL"/>
-          </a:p>
-          <a:p>
-            <a:pPr>
-              <a:lnSpc>
-                <a:spcPct val="114999"/>
-              </a:lnSpc>
-            </a:pPr>
-            <a:r>
-              <a:rPr lang="nl-NL"/>
-              <a:t>Conclusie: hoge scores, redelijk snel, maar wat  </a:t>
-            </a:r>
-          </a:p>
-          <a:p>
-            <a:pPr>
-              <a:lnSpc>
-                <a:spcPct val="114999"/>
-              </a:lnSpc>
-            </a:pPr>
-            <a:endParaRPr lang="nl-NL"/>
-          </a:p>
-          <a:p>
-            <a:pPr>
-              <a:lnSpc>
-                <a:spcPct val="114999"/>
-              </a:lnSpc>
-            </a:pPr>
-            <a:endParaRPr lang="nl-NL"/>
-          </a:p>
-        </p:txBody>
-      </p:sp>
-      <p:pic>
-        <p:nvPicPr>
-          <p:cNvPr id="7" name="Afbeelding 6">
-            <a:extLst>
-              <a:ext uri="{FF2B5EF4-FFF2-40B4-BE49-F238E27FC236}">
-                <a16:creationId xmlns:a16="http://schemas.microsoft.com/office/drawing/2014/main" id="{1F7602D7-5221-4A91-851F-A81F8F39333E}"/>
-              </a:ext>
-            </a:extLst>
-          </p:cNvPr>
-          <p:cNvPicPr>
-            <a:picLocks noChangeAspect="1"/>
-          </p:cNvPicPr>
-          <p:nvPr/>
-        </p:nvPicPr>
-        <p:blipFill>
-          <a:blip r:embed="rId2"/>
-          <a:stretch>
-            <a:fillRect/>
-          </a:stretch>
-        </p:blipFill>
-        <p:spPr>
-          <a:xfrm>
-            <a:off x="5380837" y="1425106"/>
-            <a:ext cx="3348336" cy="2511252"/>
-          </a:xfrm>
-          <a:prstGeom prst="rect">
-            <a:avLst/>
-          </a:prstGeom>
-        </p:spPr>
-      </p:pic>
-    </p:spTree>
-    <p:extLst>
-      <p:ext uri="{BB962C8B-B14F-4D97-AF65-F5344CB8AC3E}">
-        <p14:creationId xmlns:p14="http://schemas.microsoft.com/office/powerpoint/2010/main" val="4291659974"/>
-      </p:ext>
-    </p:extLst>
-  </p:cSld>
-  <p:clrMapOvr>
-    <a:masterClrMapping/>
-  </p:clrMapOvr>
-</p:sld>
-</file>
-
-<file path=ppt/slides/slide14.xml><?xml version="1.0" encoding="utf-8"?>
-<p:sld xmlns:a="http://schemas.openxmlformats.org/drawingml/2006/main" xmlns:r="http://schemas.openxmlformats.org/officeDocument/2006/relationships" xmlns:p="http://schemas.openxmlformats.org/presentationml/2006/main">
-  <p:cSld>
-    <p:spTree>
-      <p:nvGrpSpPr>
-        <p:cNvPr id="1" name=""/>
-        <p:cNvGrpSpPr/>
-        <p:nvPr/>
-      </p:nvGrpSpPr>
-      <p:grpSpPr>
-        <a:xfrm>
-          <a:off x="0" y="0"/>
-          <a:ext cx="0" cy="0"/>
-          <a:chOff x="0" y="0"/>
-          <a:chExt cx="0" cy="0"/>
-        </a:xfrm>
-      </p:grpSpPr>
-      <p:sp>
-        <p:nvSpPr>
-          <p:cNvPr id="2" name="Titel 1">
-            <a:extLst>
-              <a:ext uri="{FF2B5EF4-FFF2-40B4-BE49-F238E27FC236}">
-                <a16:creationId xmlns:a16="http://schemas.microsoft.com/office/drawing/2014/main" id="{7DCFC508-892B-429E-9EF3-3320C5F6636D}"/>
-              </a:ext>
-            </a:extLst>
-          </p:cNvPr>
-          <p:cNvSpPr>
-            <a:spLocks noGrp="1"/>
-          </p:cNvSpPr>
-          <p:nvPr>
-            <p:ph type="title"/>
-          </p:nvPr>
-        </p:nvSpPr>
-        <p:spPr/>
-        <p:txBody>
-          <a:bodyPr>
-            <a:normAutofit fontScale="90000"/>
-          </a:bodyPr>
-          <a:lstStyle/>
-          <a:p>
-            <a:r>
-              <a:rPr lang="nl-NL"/>
-              <a:t>Genetisch algoritme met </a:t>
-            </a:r>
-            <a:r>
-              <a:rPr lang="nl-NL" err="1"/>
-              <a:t>hillclimber</a:t>
-            </a:r>
-            <a:endParaRPr lang="nl-NL"/>
-          </a:p>
-        </p:txBody>
-      </p:sp>
-      <p:sp>
-        <p:nvSpPr>
-          <p:cNvPr id="3" name="Tijdelijke aanduiding voor tekst 2">
-            <a:extLst>
-              <a:ext uri="{FF2B5EF4-FFF2-40B4-BE49-F238E27FC236}">
-                <a16:creationId xmlns:a16="http://schemas.microsoft.com/office/drawing/2014/main" id="{7A774F9C-808A-476B-9019-BE2A12D015C0}"/>
-              </a:ext>
-            </a:extLst>
-          </p:cNvPr>
-          <p:cNvSpPr>
-            <a:spLocks noGrp="1"/>
-          </p:cNvSpPr>
-          <p:nvPr>
-            <p:ph type="body" idx="1"/>
-          </p:nvPr>
-        </p:nvSpPr>
-        <p:spPr/>
-        <p:txBody>
-          <a:bodyPr>
-            <a:normAutofit fontScale="85000" lnSpcReduction="20000"/>
-          </a:bodyPr>
-          <a:lstStyle/>
-          <a:p>
-            <a:r>
-              <a:rPr lang="nl-NL" dirty="0"/>
-              <a:t>Elke 10% van de generaties: </a:t>
-            </a:r>
-            <a:r>
-              <a:rPr lang="nl-NL" dirty="0" err="1"/>
-              <a:t>hillclimben</a:t>
-            </a:r>
-            <a:r>
-              <a:rPr lang="nl-NL" dirty="0"/>
-              <a:t>!</a:t>
-            </a:r>
-          </a:p>
-          <a:p>
-            <a:endParaRPr lang="nl-NL" dirty="0"/>
-          </a:p>
-          <a:p>
-            <a:r>
-              <a:rPr lang="nl-NL" dirty="0"/>
-              <a:t>Na 8 runs:</a:t>
-            </a:r>
-          </a:p>
-          <a:p>
-            <a:pPr lvl="1"/>
-            <a:r>
-              <a:rPr lang="nl-NL" dirty="0"/>
-              <a:t>Gemiddelde: 7023</a:t>
-            </a:r>
-          </a:p>
-          <a:p>
-            <a:pPr lvl="1"/>
-            <a:r>
-              <a:rPr lang="nl-NL" dirty="0"/>
-              <a:t>Hoogste: 7070</a:t>
-            </a:r>
-          </a:p>
-          <a:p>
-            <a:endParaRPr lang="nl-NL" dirty="0"/>
-          </a:p>
-          <a:p>
-            <a:endParaRPr lang="nl-NL" dirty="0"/>
-          </a:p>
-          <a:p>
-            <a:endParaRPr lang="nl-NL" dirty="0"/>
-          </a:p>
-          <a:p>
-            <a:endParaRPr lang="nl-NL" dirty="0"/>
-          </a:p>
-          <a:p>
-            <a:endParaRPr lang="nl-NL" dirty="0"/>
-          </a:p>
-          <a:p>
-            <a:endParaRPr lang="nl-NL" dirty="0"/>
-          </a:p>
-          <a:p>
-            <a:endParaRPr lang="nl-NL" dirty="0"/>
-          </a:p>
-          <a:p>
-            <a:endParaRPr lang="nl-NL" dirty="0"/>
-          </a:p>
-          <a:p>
-            <a:r>
-              <a:rPr lang="nl-NL" dirty="0"/>
-              <a:t>Conclusie: goede, constante score, maar tijdsintensief (+- 30 min per run)</a:t>
-            </a:r>
-          </a:p>
-          <a:p>
-            <a:pPr marL="114300" indent="0">
-              <a:buNone/>
-            </a:pPr>
-            <a:endParaRPr lang="nl-NL" dirty="0"/>
-          </a:p>
-        </p:txBody>
-      </p:sp>
-      <p:pic>
-        <p:nvPicPr>
-          <p:cNvPr id="5" name="Afbeelding 4">
-            <a:extLst>
-              <a:ext uri="{FF2B5EF4-FFF2-40B4-BE49-F238E27FC236}">
-                <a16:creationId xmlns:a16="http://schemas.microsoft.com/office/drawing/2014/main" id="{9EE3FED6-EC35-47E7-9B35-1217940D701B}"/>
-              </a:ext>
-            </a:extLst>
-          </p:cNvPr>
-          <p:cNvPicPr>
-            <a:picLocks noChangeAspect="1"/>
-          </p:cNvPicPr>
-          <p:nvPr/>
-        </p:nvPicPr>
-        <p:blipFill>
-          <a:blip r:embed="rId2"/>
-          <a:stretch>
-            <a:fillRect/>
-          </a:stretch>
-        </p:blipFill>
-        <p:spPr>
-          <a:xfrm>
-            <a:off x="5048106" y="1152475"/>
-            <a:ext cx="3632511" cy="2724383"/>
-          </a:xfrm>
-          <a:prstGeom prst="rect">
-            <a:avLst/>
-          </a:prstGeom>
-        </p:spPr>
-      </p:pic>
-    </p:spTree>
-    <p:extLst>
-      <p:ext uri="{BB962C8B-B14F-4D97-AF65-F5344CB8AC3E}">
-        <p14:creationId xmlns:p14="http://schemas.microsoft.com/office/powerpoint/2010/main" val="3413809530"/>
-      </p:ext>
-    </p:extLst>
-  </p:cSld>
-  <p:clrMapOvr>
-    <a:masterClrMapping/>
-  </p:clrMapOvr>
-</p:sld>
-</file>
-
-<file path=ppt/slides/slide15.xml><?xml version="1.0" encoding="utf-8"?>
-<p:sld xmlns:a="http://schemas.openxmlformats.org/drawingml/2006/main" xmlns:r="http://schemas.openxmlformats.org/officeDocument/2006/relationships" xmlns:p="http://schemas.openxmlformats.org/presentationml/2006/main">
-  <p:cSld>
-    <p:spTree>
-      <p:nvGrpSpPr>
-        <p:cNvPr id="1" name=""/>
-        <p:cNvGrpSpPr/>
-        <p:nvPr/>
-      </p:nvGrpSpPr>
-      <p:grpSpPr>
-        <a:xfrm>
-          <a:off x="0" y="0"/>
-          <a:ext cx="0" cy="0"/>
-          <a:chOff x="0" y="0"/>
-          <a:chExt cx="0" cy="0"/>
-        </a:xfrm>
-      </p:grpSpPr>
-      <p:sp>
-        <p:nvSpPr>
-          <p:cNvPr id="2" name="Titel 1">
-            <a:extLst>
-              <a:ext uri="{FF2B5EF4-FFF2-40B4-BE49-F238E27FC236}">
-                <a16:creationId xmlns:a16="http://schemas.microsoft.com/office/drawing/2014/main" id="{1A6F02C9-8823-4F85-ACF6-F1209A79E0F6}"/>
-              </a:ext>
-            </a:extLst>
-          </p:cNvPr>
-          <p:cNvSpPr>
-            <a:spLocks noGrp="1"/>
-          </p:cNvSpPr>
-          <p:nvPr>
-            <p:ph type="title"/>
-          </p:nvPr>
-        </p:nvSpPr>
-        <p:spPr/>
-        <p:txBody>
-          <a:bodyPr>
-            <a:normAutofit fontScale="90000"/>
-          </a:bodyPr>
-          <a:lstStyle/>
-          <a:p>
-            <a:r>
-              <a:rPr lang="nl-NL"/>
-              <a:t>Conclusie</a:t>
-            </a:r>
-          </a:p>
-        </p:txBody>
-      </p:sp>
-      <p:sp>
-        <p:nvSpPr>
-          <p:cNvPr id="3" name="Tijdelijke aanduiding voor tekst 2">
-            <a:extLst>
-              <a:ext uri="{FF2B5EF4-FFF2-40B4-BE49-F238E27FC236}">
-                <a16:creationId xmlns:a16="http://schemas.microsoft.com/office/drawing/2014/main" id="{B04070B2-78F2-4B0E-964E-5A00E939F2A3}"/>
-              </a:ext>
-            </a:extLst>
-          </p:cNvPr>
-          <p:cNvSpPr>
-            <a:spLocks noGrp="1"/>
-          </p:cNvSpPr>
-          <p:nvPr>
-            <p:ph type="body" idx="1"/>
-          </p:nvPr>
-        </p:nvSpPr>
-        <p:spPr/>
-        <p:txBody>
-          <a:bodyPr/>
-          <a:lstStyle/>
-          <a:p>
-            <a:r>
-              <a:rPr lang="nl-NL"/>
-              <a:t>Gemaakte algoritmen scoren beter dan random baseline</a:t>
-            </a:r>
-          </a:p>
-          <a:p>
-            <a:r>
-              <a:rPr lang="nl-NL"/>
-              <a:t>Iteratieve algoritmen lijken beter te werken</a:t>
-            </a:r>
-          </a:p>
-          <a:p>
-            <a:r>
-              <a:rPr lang="nl-NL" err="1"/>
-              <a:t>Hillclimber</a:t>
-            </a:r>
-            <a:r>
-              <a:rPr lang="nl-NL"/>
-              <a:t> scoort snel hoog, maar heeft bij pech ook potentie tot hele lage scores</a:t>
-            </a:r>
-          </a:p>
-          <a:p>
-            <a:r>
-              <a:rPr lang="nl-NL"/>
-              <a:t>Genetisch is betrouwbaar, maar ietsje lager</a:t>
-            </a:r>
-          </a:p>
-          <a:p>
-            <a:r>
-              <a:rPr lang="nl-NL"/>
-              <a:t>Voor de hoogste score: genetisch + </a:t>
-            </a:r>
-            <a:r>
-              <a:rPr lang="nl-NL" err="1"/>
-              <a:t>hillclimber</a:t>
-            </a:r>
-            <a:endParaRPr lang="nl-NL"/>
-          </a:p>
-        </p:txBody>
-      </p:sp>
-      <p:pic>
-        <p:nvPicPr>
-          <p:cNvPr id="5" name="Afbeelding 4">
-            <a:extLst>
-              <a:ext uri="{FF2B5EF4-FFF2-40B4-BE49-F238E27FC236}">
-                <a16:creationId xmlns:a16="http://schemas.microsoft.com/office/drawing/2014/main" id="{C07E2F43-E706-4D7F-8C85-58A11A764C31}"/>
-              </a:ext>
-            </a:extLst>
-          </p:cNvPr>
-          <p:cNvPicPr>
-            <a:picLocks noChangeAspect="1"/>
-          </p:cNvPicPr>
-          <p:nvPr/>
-        </p:nvPicPr>
-        <p:blipFill>
-          <a:blip r:embed="rId2"/>
-          <a:stretch>
-            <a:fillRect/>
-          </a:stretch>
-        </p:blipFill>
-        <p:spPr>
-          <a:xfrm>
-            <a:off x="5630778" y="2434246"/>
-            <a:ext cx="3407777" cy="1863845"/>
-          </a:xfrm>
-          <a:prstGeom prst="rect">
-            <a:avLst/>
-          </a:prstGeom>
-        </p:spPr>
-      </p:pic>
-    </p:spTree>
-    <p:extLst>
-      <p:ext uri="{BB962C8B-B14F-4D97-AF65-F5344CB8AC3E}">
-        <p14:creationId xmlns:p14="http://schemas.microsoft.com/office/powerpoint/2010/main" val="851988608"/>
-      </p:ext>
-    </p:extLst>
-  </p:cSld>
-  <p:clrMapOvr>
-    <a:masterClrMapping/>
-  </p:clrMapOvr>
-</p:sld>
-</file>
-
-<file path=ppt/slides/slide16.xml><?xml version="1.0" encoding="utf-8"?>
-<p:sld xmlns:a="http://schemas.openxmlformats.org/drawingml/2006/main" xmlns:r="http://schemas.openxmlformats.org/officeDocument/2006/relationships" xmlns:p="http://schemas.openxmlformats.org/presentationml/2006/main">
-  <p:cSld>
-    <p:spTree>
-      <p:nvGrpSpPr>
-        <p:cNvPr id="1" name=""/>
-        <p:cNvGrpSpPr/>
-        <p:nvPr/>
-      </p:nvGrpSpPr>
-      <p:grpSpPr>
-        <a:xfrm>
-          <a:off x="0" y="0"/>
-          <a:ext cx="0" cy="0"/>
-          <a:chOff x="0" y="0"/>
-          <a:chExt cx="0" cy="0"/>
-        </a:xfrm>
-      </p:grpSpPr>
-      <p:sp>
-        <p:nvSpPr>
-          <p:cNvPr id="2" name="Titel 1">
-            <a:extLst>
-              <a:ext uri="{FF2B5EF4-FFF2-40B4-BE49-F238E27FC236}">
-                <a16:creationId xmlns:a16="http://schemas.microsoft.com/office/drawing/2014/main" id="{D250743C-AB38-4169-9E16-EA08B9540262}"/>
-              </a:ext>
-            </a:extLst>
-          </p:cNvPr>
-          <p:cNvSpPr>
-            <a:spLocks noGrp="1"/>
-          </p:cNvSpPr>
-          <p:nvPr>
-            <p:ph type="title"/>
-          </p:nvPr>
-        </p:nvSpPr>
-        <p:spPr/>
-        <p:txBody>
-          <a:bodyPr>
-            <a:normAutofit fontScale="90000"/>
-          </a:bodyPr>
-          <a:lstStyle/>
-          <a:p>
-            <a:r>
-              <a:rPr lang="nl-NL" dirty="0" err="1"/>
-              <a:t>Future</a:t>
-            </a:r>
-            <a:r>
-              <a:rPr lang="nl-NL" dirty="0"/>
-              <a:t> </a:t>
-            </a:r>
-            <a:r>
-              <a:rPr lang="nl-NL" dirty="0" err="1"/>
-              <a:t>work</a:t>
-            </a:r>
-            <a:endParaRPr lang="nl-NL" dirty="0"/>
-          </a:p>
-        </p:txBody>
-      </p:sp>
-      <p:sp>
-        <p:nvSpPr>
-          <p:cNvPr id="3" name="Tijdelijke aanduiding voor tekst 2">
-            <a:extLst>
-              <a:ext uri="{FF2B5EF4-FFF2-40B4-BE49-F238E27FC236}">
-                <a16:creationId xmlns:a16="http://schemas.microsoft.com/office/drawing/2014/main" id="{ED06BAD3-D7DB-4C22-A964-6C7B781057EF}"/>
-              </a:ext>
-            </a:extLst>
-          </p:cNvPr>
-          <p:cNvSpPr>
-            <a:spLocks noGrp="1"/>
-          </p:cNvSpPr>
-          <p:nvPr>
-            <p:ph type="body" idx="1"/>
-          </p:nvPr>
-        </p:nvSpPr>
-        <p:spPr/>
-        <p:txBody>
-          <a:bodyPr/>
-          <a:lstStyle/>
-          <a:p>
-            <a:r>
-              <a:rPr lang="nl-NL" dirty="0" err="1"/>
-              <a:t>Hillclimber</a:t>
-            </a:r>
-            <a:r>
-              <a:rPr lang="nl-NL" dirty="0"/>
-              <a:t> zoekt nu d.m.v. </a:t>
-            </a:r>
-            <a:r>
-              <a:rPr lang="nl-NL" i="1" dirty="0"/>
-              <a:t>Brute Force</a:t>
-            </a:r>
-            <a:r>
-              <a:rPr lang="nl-NL" dirty="0"/>
-              <a:t> een oplossing. Hoe kunnen we slimmer routes genereren die het algoritme kan proberen?</a:t>
-            </a:r>
-          </a:p>
-          <a:p>
-            <a:r>
-              <a:rPr lang="nl-NL" dirty="0"/>
-              <a:t>Interessant onderzoek: waarom scoort de simpelste configuratie van het genetisch algoritme het best?</a:t>
-            </a:r>
-          </a:p>
-          <a:p>
-            <a:r>
-              <a:rPr lang="nl-NL" dirty="0"/>
-              <a:t>Kunnen we </a:t>
-            </a:r>
-            <a:r>
-              <a:rPr lang="nl-NL" dirty="0" err="1"/>
-              <a:t>hillclimber</a:t>
-            </a:r>
-            <a:r>
-              <a:rPr lang="nl-NL" dirty="0"/>
-              <a:t> simpeler maken (heuristieken?) zodat genetisch + </a:t>
-            </a:r>
-            <a:r>
-              <a:rPr lang="nl-NL" dirty="0" err="1"/>
-              <a:t>hillclimber</a:t>
-            </a:r>
-            <a:r>
-              <a:rPr lang="nl-NL" dirty="0"/>
-              <a:t> sneller wordt, zonder kwaliteitsverlies?</a:t>
-            </a:r>
-          </a:p>
-          <a:p>
-            <a:pPr lvl="1"/>
-            <a:r>
-              <a:rPr lang="nl-NL" dirty="0"/>
-              <a:t>Bijvoorbeeld: telkens één route checken (route die het minst </a:t>
-            </a:r>
-            <a:r>
-              <a:rPr lang="nl-NL"/>
-              <a:t>bijdraagt aan score?) </a:t>
-            </a:r>
-            <a:r>
-              <a:rPr lang="nl-NL" dirty="0"/>
-              <a:t>in plaats van alle routes</a:t>
-            </a:r>
-          </a:p>
-          <a:p>
-            <a:endParaRPr lang="nl-NL" dirty="0"/>
-          </a:p>
-          <a:p>
-            <a:endParaRPr lang="nl-NL" dirty="0"/>
-          </a:p>
-          <a:p>
-            <a:endParaRPr lang="nl-NL" dirty="0"/>
-          </a:p>
-          <a:p>
-            <a:endParaRPr lang="nl-NL" dirty="0"/>
-          </a:p>
-          <a:p>
-            <a:endParaRPr lang="nl-NL" dirty="0"/>
-          </a:p>
-          <a:p>
-            <a:pPr>
-              <a:lnSpc>
-                <a:spcPct val="114999"/>
-              </a:lnSpc>
-            </a:pPr>
-            <a:endParaRPr lang="nl-NL" dirty="0"/>
-          </a:p>
-        </p:txBody>
-      </p:sp>
-    </p:spTree>
-    <p:extLst>
-      <p:ext uri="{BB962C8B-B14F-4D97-AF65-F5344CB8AC3E}">
-        <p14:creationId xmlns:p14="http://schemas.microsoft.com/office/powerpoint/2010/main" val="1716108415"/>
-      </p:ext>
-    </p:extLst>
-  </p:cSld>
-  <p:clrMapOvr>
-    <a:masterClrMapping/>
-  </p:clrMapOvr>
-</p:sld>
-</file>
-
-<file path=ppt/slides/slide2.xml><?xml version="1.0" encoding="utf-8"?>
-<p:sld xmlns:a="http://schemas.openxmlformats.org/drawingml/2006/main" xmlns:r="http://schemas.openxmlformats.org/officeDocument/2006/relationships" xmlns:p="http://schemas.openxmlformats.org/presentationml/2006/main">
-  <p:cSld>
-    <p:spTree>
-      <p:nvGrpSpPr>
-        <p:cNvPr id="1" name="Shape 60"/>
-        <p:cNvGrpSpPr/>
-        <p:nvPr/>
-      </p:nvGrpSpPr>
-      <p:grpSpPr>
-        <a:xfrm>
-          <a:off x="0" y="0"/>
-          <a:ext cx="0" cy="0"/>
-          <a:chOff x="0" y="0"/>
-          <a:chExt cx="0" cy="0"/>
-        </a:xfrm>
-      </p:grpSpPr>
-      <p:sp>
-        <p:nvSpPr>
-          <p:cNvPr id="61" name="Google Shape;61;p14"/>
-          <p:cNvSpPr txBox="1">
-            <a:spLocks noGrp="1"/>
-          </p:cNvSpPr>
-          <p:nvPr>
-            <p:ph type="title"/>
-          </p:nvPr>
-        </p:nvSpPr>
-        <p:spPr>
-          <a:xfrm>
-            <a:off x="311700" y="445025"/>
-            <a:ext cx="8520600" cy="572700"/>
-          </a:xfrm>
-          <a:prstGeom prst="rect">
-            <a:avLst/>
-          </a:prstGeom>
-        </p:spPr>
-        <p:txBody>
-          <a:bodyPr spcFirstLastPara="1" wrap="square" lIns="91425" tIns="91425" rIns="91425" bIns="91425" anchor="t" anchorCtr="0">
-            <a:normAutofit fontScale="90000"/>
-          </a:bodyPr>
-          <a:lstStyle/>
-          <a:p>
-            <a:pPr marL="0" lvl="0" indent="0" algn="l" rtl="0">
-              <a:spcBef>
-                <a:spcPts val="0"/>
-              </a:spcBef>
-              <a:spcAft>
-                <a:spcPts val="0"/>
-              </a:spcAft>
-              <a:buNone/>
-            </a:pPr>
-            <a:r>
-              <a:rPr lang="nl"/>
-              <a:t>De case</a:t>
-            </a:r>
-            <a:endParaRPr/>
-          </a:p>
-        </p:txBody>
-      </p:sp>
-      <p:sp>
-        <p:nvSpPr>
-          <p:cNvPr id="62" name="Google Shape;62;p14"/>
-          <p:cNvSpPr txBox="1">
-            <a:spLocks noGrp="1"/>
-          </p:cNvSpPr>
-          <p:nvPr>
-            <p:ph type="body" idx="1"/>
-          </p:nvPr>
-        </p:nvSpPr>
-        <p:spPr>
-          <a:xfrm>
-            <a:off x="311700" y="1152475"/>
-            <a:ext cx="8520600" cy="3416400"/>
-          </a:xfrm>
-          <a:prstGeom prst="rect">
-            <a:avLst/>
-          </a:prstGeom>
-        </p:spPr>
-        <p:txBody>
-          <a:bodyPr spcFirstLastPara="1" wrap="square" lIns="91425" tIns="91425" rIns="91425" bIns="91425" anchor="t" anchorCtr="0">
-            <a:normAutofit/>
-          </a:bodyPr>
-          <a:lstStyle/>
-          <a:p>
-            <a:pPr marL="0" lvl="0" indent="0" algn="l" rtl="0">
-              <a:spcBef>
-                <a:spcPts val="0"/>
-              </a:spcBef>
-              <a:spcAft>
-                <a:spcPts val="0"/>
-              </a:spcAft>
-              <a:buNone/>
-            </a:pPr>
-            <a:r>
-              <a:rPr lang="nl"/>
-              <a:t>Uitdaging:</a:t>
-            </a:r>
-            <a:endParaRPr/>
-          </a:p>
-          <a:p>
-            <a:pPr marL="0" lvl="0" indent="0" algn="l" rtl="0">
-              <a:spcBef>
-                <a:spcPts val="1200"/>
-              </a:spcBef>
-              <a:spcAft>
-                <a:spcPts val="0"/>
-              </a:spcAft>
-              <a:buNone/>
-            </a:pPr>
-            <a:r>
-              <a:rPr lang="nl"/>
-              <a:t>“Maak een lijnvoering voor Nederland met maximaal 20 trajecten binnen een tijdsframe van 3 uur”</a:t>
-            </a:r>
-            <a:endParaRPr/>
-          </a:p>
-          <a:p>
-            <a:pPr marL="0" lvl="0" indent="0" algn="l" rtl="0">
-              <a:spcBef>
-                <a:spcPts val="1200"/>
-              </a:spcBef>
-              <a:spcAft>
-                <a:spcPts val="0"/>
-              </a:spcAft>
-              <a:buNone/>
-            </a:pPr>
-            <a:endParaRPr/>
-          </a:p>
-          <a:p>
-            <a:pPr marL="0" lvl="0" indent="0" algn="l" rtl="0">
-              <a:spcBef>
-                <a:spcPts val="1200"/>
-              </a:spcBef>
-              <a:spcAft>
-                <a:spcPts val="0"/>
-              </a:spcAft>
-              <a:buNone/>
-            </a:pPr>
-            <a:r>
-              <a:rPr lang="nl"/>
-              <a:t>Hoe ziet het treinnetwerk in Nederland eruit?</a:t>
-            </a:r>
-            <a:endParaRPr/>
-          </a:p>
-          <a:p>
-            <a:pPr marL="0" lvl="0" indent="0" algn="l" rtl="0">
-              <a:spcBef>
-                <a:spcPts val="1200"/>
-              </a:spcBef>
-              <a:spcAft>
-                <a:spcPts val="0"/>
-              </a:spcAft>
-              <a:buNone/>
-            </a:pPr>
-            <a:endParaRPr/>
-          </a:p>
-          <a:p>
-            <a:pPr marL="0" lvl="0" indent="0" algn="l" rtl="0">
-              <a:spcBef>
-                <a:spcPts val="1200"/>
-              </a:spcBef>
-              <a:spcAft>
-                <a:spcPts val="1200"/>
-              </a:spcAft>
-              <a:buNone/>
-            </a:pPr>
-            <a:endParaRPr/>
-          </a:p>
-        </p:txBody>
-      </p:sp>
-      <p:pic>
-        <p:nvPicPr>
-          <p:cNvPr id="3" name="Afbeelding 2">
-            <a:hlinkClick r:id="rId3"/>
-            <a:extLst>
-              <a:ext uri="{FF2B5EF4-FFF2-40B4-BE49-F238E27FC236}">
-                <a16:creationId xmlns:a16="http://schemas.microsoft.com/office/drawing/2014/main" id="{62B88326-80B6-447F-8708-31AD8F172524}"/>
-              </a:ext>
-            </a:extLst>
-          </p:cNvPr>
-          <p:cNvPicPr>
-            <a:picLocks noChangeAspect="1"/>
-          </p:cNvPicPr>
-          <p:nvPr/>
-        </p:nvPicPr>
-        <p:blipFill>
-          <a:blip r:embed="rId4"/>
-          <a:stretch>
-            <a:fillRect/>
-          </a:stretch>
-        </p:blipFill>
-        <p:spPr>
-          <a:xfrm>
-            <a:off x="5542616" y="2250908"/>
-            <a:ext cx="2400947" cy="2447567"/>
-          </a:xfrm>
-          <a:prstGeom prst="rect">
-            <a:avLst/>
-          </a:prstGeom>
-        </p:spPr>
-      </p:pic>
-    </p:spTree>
-  </p:cSld>
-  <p:clrMapOvr>
-    <a:masterClrMapping/>
-  </p:clrMapOvr>
-</p:sld>
-</file>
-
-<file path=ppt/slides/slide3.xml><?xml version="1.0" encoding="utf-8"?>
-<p:sld xmlns:a="http://schemas.openxmlformats.org/drawingml/2006/main" xmlns:r="http://schemas.openxmlformats.org/officeDocument/2006/relationships" xmlns:p="http://schemas.openxmlformats.org/presentationml/2006/main">
-  <p:cSld>
-    <p:bg>
-      <p:bgPr>
-        <a:solidFill>
-          <a:schemeClr val="dk1"/>
-        </a:solidFill>
-        <a:effectLst/>
-      </p:bgPr>
-    </p:bg>
-    <p:spTree>
-      <p:nvGrpSpPr>
-        <p:cNvPr id="1" name="Shape 66"/>
-        <p:cNvGrpSpPr/>
-        <p:nvPr/>
-      </p:nvGrpSpPr>
-      <p:grpSpPr>
-        <a:xfrm>
-          <a:off x="0" y="0"/>
-          <a:ext cx="0" cy="0"/>
-          <a:chOff x="0" y="0"/>
-          <a:chExt cx="0" cy="0"/>
-        </a:xfrm>
-      </p:grpSpPr>
-      <p:sp>
-        <p:nvSpPr>
-          <p:cNvPr id="67" name="Google Shape;67;p15"/>
-          <p:cNvSpPr txBox="1">
-            <a:spLocks noGrp="1"/>
-          </p:cNvSpPr>
-          <p:nvPr>
-            <p:ph type="title"/>
-          </p:nvPr>
-        </p:nvSpPr>
-        <p:spPr>
-          <a:xfrm>
-            <a:off x="311700" y="445025"/>
-            <a:ext cx="8520600" cy="572700"/>
-          </a:xfrm>
-          <a:prstGeom prst="rect">
-            <a:avLst/>
-          </a:prstGeom>
-        </p:spPr>
-        <p:txBody>
-          <a:bodyPr spcFirstLastPara="1" wrap="square" lIns="91425" tIns="91425" rIns="91425" bIns="91425" anchor="t" anchorCtr="0">
-            <a:normAutofit fontScale="90000"/>
-          </a:bodyPr>
-          <a:lstStyle/>
-          <a:p>
-            <a:pPr marL="0" lvl="0" indent="0" algn="l" rtl="0">
-              <a:spcBef>
-                <a:spcPts val="0"/>
-              </a:spcBef>
-              <a:spcAft>
-                <a:spcPts val="0"/>
-              </a:spcAft>
-              <a:buNone/>
-            </a:pPr>
-            <a:r>
-              <a:rPr lang="nl" dirty="0">
-                <a:solidFill>
-                  <a:schemeClr val="lt1"/>
-                </a:solidFill>
-              </a:rPr>
-              <a:t>Een lijnvoering</a:t>
-            </a:r>
-            <a:endParaRPr dirty="0">
-              <a:solidFill>
-                <a:schemeClr val="lt1"/>
-              </a:solidFill>
-            </a:endParaRPr>
-          </a:p>
-        </p:txBody>
-      </p:sp>
-      <p:sp>
-        <p:nvSpPr>
-          <p:cNvPr id="68" name="Google Shape;68;p15"/>
-          <p:cNvSpPr txBox="1">
-            <a:spLocks noGrp="1"/>
-          </p:cNvSpPr>
-          <p:nvPr>
-            <p:ph type="body" idx="1"/>
-          </p:nvPr>
-        </p:nvSpPr>
-        <p:spPr>
-          <a:xfrm>
-            <a:off x="311700" y="1152475"/>
-            <a:ext cx="8520600" cy="3416400"/>
-          </a:xfrm>
-          <a:prstGeom prst="rect">
-            <a:avLst/>
-          </a:prstGeom>
-        </p:spPr>
-        <p:txBody>
-          <a:bodyPr spcFirstLastPara="1" wrap="square" lIns="91425" tIns="91425" rIns="91425" bIns="91425" anchor="t" anchorCtr="0">
-            <a:normAutofit/>
-          </a:bodyPr>
-          <a:lstStyle/>
-          <a:p>
-            <a:pPr marL="0" lvl="0" indent="0" algn="l" rtl="0">
-              <a:spcBef>
-                <a:spcPts val="0"/>
-              </a:spcBef>
-              <a:spcAft>
-                <a:spcPts val="1200"/>
-              </a:spcAft>
-              <a:buNone/>
-            </a:pPr>
-            <a:r>
-              <a:rPr lang="nl" dirty="0">
-                <a:solidFill>
-                  <a:srgbClr val="000000"/>
-                </a:solidFill>
-              </a:rPr>
-              <a:t>Een lijnvoering bestaat uit een aantal verschillende trajecten</a:t>
-            </a:r>
-          </a:p>
-          <a:p>
-            <a:pPr marL="0" lvl="0" indent="0" algn="l" rtl="0">
-              <a:spcBef>
-                <a:spcPts val="0"/>
-              </a:spcBef>
-              <a:spcAft>
-                <a:spcPts val="1200"/>
-              </a:spcAft>
-              <a:buNone/>
-            </a:pPr>
-            <a:r>
-              <a:rPr lang="nl" dirty="0">
-                <a:solidFill>
-                  <a:srgbClr val="000000"/>
-                </a:solidFill>
-              </a:rPr>
-              <a:t>Een traject bestaat uit stations en connecties tussen de stations</a:t>
-            </a:r>
-            <a:endParaRPr dirty="0">
-              <a:solidFill>
-                <a:srgbClr val="000000"/>
-              </a:solidFill>
-            </a:endParaRPr>
-          </a:p>
-        </p:txBody>
-      </p:sp>
-      <p:pic>
-        <p:nvPicPr>
-          <p:cNvPr id="69" name="Google Shape;69;p15"/>
-          <p:cNvPicPr preferRelativeResize="0"/>
-          <p:nvPr/>
-        </p:nvPicPr>
-        <p:blipFill>
-          <a:blip r:embed="rId3">
-            <a:alphaModFix/>
-          </a:blip>
-          <a:stretch>
-            <a:fillRect/>
-          </a:stretch>
-        </p:blipFill>
-        <p:spPr>
-          <a:xfrm>
-            <a:off x="1895591" y="2245257"/>
-            <a:ext cx="4928925" cy="2679325"/>
-          </a:xfrm>
-          <a:prstGeom prst="rect">
-            <a:avLst/>
-          </a:prstGeom>
-          <a:noFill/>
-          <a:ln>
-            <a:noFill/>
-          </a:ln>
-        </p:spPr>
-      </p:pic>
-    </p:spTree>
-  </p:cSld>
-  <p:clrMapOvr>
-    <a:masterClrMapping/>
-  </p:clrMapOvr>
-</p:sld>
-</file>
-
-<file path=ppt/slides/slide4.xml><?xml version="1.0" encoding="utf-8"?>
-<p:sld xmlns:a="http://schemas.openxmlformats.org/drawingml/2006/main" xmlns:r="http://schemas.openxmlformats.org/officeDocument/2006/relationships" xmlns:p="http://schemas.openxmlformats.org/presentationml/2006/main">
-  <p:cSld>
-    <p:spTree>
-      <p:nvGrpSpPr>
-        <p:cNvPr id="1" name="Shape 79"/>
-        <p:cNvGrpSpPr/>
-        <p:nvPr/>
-      </p:nvGrpSpPr>
-      <p:grpSpPr>
-        <a:xfrm>
-          <a:off x="0" y="0"/>
-          <a:ext cx="0" cy="0"/>
-          <a:chOff x="0" y="0"/>
-          <a:chExt cx="0" cy="0"/>
-        </a:xfrm>
-      </p:grpSpPr>
-      <p:sp>
-        <p:nvSpPr>
-          <p:cNvPr id="80" name="Google Shape;80;p17"/>
-          <p:cNvSpPr txBox="1">
-            <a:spLocks noGrp="1"/>
-          </p:cNvSpPr>
-          <p:nvPr>
-            <p:ph type="title"/>
-          </p:nvPr>
-        </p:nvSpPr>
-        <p:spPr>
-          <a:xfrm>
-            <a:off x="311700" y="445025"/>
-            <a:ext cx="8520600" cy="572700"/>
-          </a:xfrm>
-          <a:prstGeom prst="rect">
-            <a:avLst/>
-          </a:prstGeom>
-        </p:spPr>
-        <p:txBody>
-          <a:bodyPr spcFirstLastPara="1" wrap="square" lIns="91425" tIns="91425" rIns="91425" bIns="91425" anchor="t" anchorCtr="0">
-            <a:normAutofit fontScale="90000"/>
-          </a:bodyPr>
-          <a:lstStyle/>
-          <a:p>
-            <a:pPr marL="0" lvl="0" indent="0" algn="l" rtl="0">
-              <a:spcBef>
-                <a:spcPts val="0"/>
-              </a:spcBef>
-              <a:spcAft>
-                <a:spcPts val="0"/>
-              </a:spcAft>
-              <a:buNone/>
-            </a:pPr>
-            <a:r>
-              <a:rPr lang="nl"/>
-              <a:t>De formule</a:t>
-            </a:r>
-            <a:endParaRPr/>
-          </a:p>
-        </p:txBody>
-      </p:sp>
-      <p:sp>
-        <p:nvSpPr>
-          <p:cNvPr id="81" name="Google Shape;81;p17"/>
-          <p:cNvSpPr txBox="1">
-            <a:spLocks noGrp="1"/>
-          </p:cNvSpPr>
-          <p:nvPr>
-            <p:ph type="body" idx="1"/>
-          </p:nvPr>
-        </p:nvSpPr>
-        <p:spPr>
-          <a:xfrm>
-            <a:off x="342550" y="1152475"/>
-            <a:ext cx="8520600" cy="3416400"/>
-          </a:xfrm>
-          <a:prstGeom prst="rect">
-            <a:avLst/>
-          </a:prstGeom>
-        </p:spPr>
-        <p:txBody>
-          <a:bodyPr spcFirstLastPara="1" wrap="square" lIns="91425" tIns="91425" rIns="91425" bIns="91425" anchor="t" anchorCtr="0">
-            <a:normAutofit fontScale="85000" lnSpcReduction="10000"/>
-          </a:bodyPr>
-          <a:lstStyle/>
-          <a:p>
-            <a:pPr marL="0" lvl="0" indent="0" algn="l" rtl="0">
-              <a:spcBef>
-                <a:spcPts val="0"/>
-              </a:spcBef>
-              <a:spcAft>
-                <a:spcPts val="0"/>
-              </a:spcAft>
-              <a:buNone/>
-            </a:pPr>
-            <a:r>
-              <a:rPr lang="nl" sz="2400"/>
-              <a:t>K = p*10000 - (T*100 + Min)</a:t>
-            </a:r>
-            <a:endParaRPr sz="2400"/>
-          </a:p>
-          <a:p>
-            <a:pPr marL="0" lvl="0" indent="0" algn="l" rtl="0">
-              <a:spcBef>
-                <a:spcPts val="1200"/>
-              </a:spcBef>
-              <a:spcAft>
-                <a:spcPts val="0"/>
-              </a:spcAft>
-              <a:buNone/>
-            </a:pPr>
-            <a:r>
-              <a:rPr lang="nl"/>
-              <a:t>K = Kwaliteit</a:t>
-            </a:r>
-            <a:endParaRPr/>
-          </a:p>
-          <a:p>
-            <a:pPr marL="0" lvl="0" indent="0" algn="l" rtl="0">
-              <a:spcBef>
-                <a:spcPts val="1200"/>
-              </a:spcBef>
-              <a:spcAft>
-                <a:spcPts val="0"/>
-              </a:spcAft>
-              <a:buNone/>
-            </a:pPr>
-            <a:r>
-              <a:rPr lang="nl"/>
-              <a:t>p = Fractie bereden verbindingen</a:t>
-            </a:r>
-            <a:endParaRPr/>
-          </a:p>
-          <a:p>
-            <a:pPr marL="0" lvl="0" indent="0" algn="l" rtl="0">
-              <a:spcBef>
-                <a:spcPts val="1200"/>
-              </a:spcBef>
-              <a:spcAft>
-                <a:spcPts val="0"/>
-              </a:spcAft>
-              <a:buNone/>
-            </a:pPr>
-            <a:r>
-              <a:rPr lang="nl"/>
-              <a:t>T = Aantal gebruikte trajecten</a:t>
-            </a:r>
-            <a:endParaRPr/>
-          </a:p>
-          <a:p>
-            <a:pPr marL="0" lvl="0" indent="0" algn="l" rtl="0">
-              <a:spcBef>
-                <a:spcPts val="1200"/>
-              </a:spcBef>
-              <a:spcAft>
-                <a:spcPts val="1200"/>
-              </a:spcAft>
-              <a:buNone/>
-            </a:pPr>
-            <a:r>
-              <a:rPr lang="nl"/>
-              <a:t>Min = Totaal aantal minuten</a:t>
-            </a:r>
-          </a:p>
-          <a:p>
-            <a:pPr marL="0" lvl="0" indent="0" algn="l" rtl="0">
-              <a:spcBef>
-                <a:spcPts val="1200"/>
-              </a:spcBef>
-              <a:spcAft>
-                <a:spcPts val="1200"/>
-              </a:spcAft>
-              <a:buNone/>
-            </a:pPr>
-            <a:endParaRPr lang="nl"/>
-          </a:p>
-          <a:p>
-            <a:pPr marL="0" lvl="0" indent="0" algn="l" rtl="0">
-              <a:spcBef>
-                <a:spcPts val="1200"/>
-              </a:spcBef>
-              <a:spcAft>
-                <a:spcPts val="1200"/>
-              </a:spcAft>
-              <a:buNone/>
-            </a:pPr>
-            <a:r>
-              <a:rPr lang="nl" sz="2400"/>
-              <a:t>Constraint optimization problem!</a:t>
-            </a:r>
-            <a:endParaRPr sz="2400"/>
-          </a:p>
-        </p:txBody>
-      </p:sp>
-      <p:pic>
-        <p:nvPicPr>
-          <p:cNvPr id="82" name="Google Shape;82;p17"/>
-          <p:cNvPicPr preferRelativeResize="0"/>
-          <p:nvPr/>
-        </p:nvPicPr>
-        <p:blipFill>
-          <a:blip r:embed="rId3">
-            <a:alphaModFix/>
-          </a:blip>
-          <a:stretch>
-            <a:fillRect/>
-          </a:stretch>
-        </p:blipFill>
-        <p:spPr>
-          <a:xfrm>
-            <a:off x="4949875" y="1611700"/>
-            <a:ext cx="3464400" cy="2598300"/>
-          </a:xfrm>
-          <a:prstGeom prst="rect">
-            <a:avLst/>
-          </a:prstGeom>
-          <a:noFill/>
-          <a:ln>
-            <a:noFill/>
-          </a:ln>
-        </p:spPr>
-      </p:pic>
-    </p:spTree>
-  </p:cSld>
-  <p:clrMapOvr>
-    <a:masterClrMapping/>
-  </p:clrMapOvr>
-</p:sld>
-</file>
-
-<file path=ppt/slides/slide5.xml><?xml version="1.0" encoding="utf-8"?>
-<p:sld xmlns:a="http://schemas.openxmlformats.org/drawingml/2006/main" xmlns:r="http://schemas.openxmlformats.org/officeDocument/2006/relationships" xmlns:p="http://schemas.openxmlformats.org/presentationml/2006/main">
-  <p:cSld>
-    <p:spTree>
-      <p:nvGrpSpPr>
-        <p:cNvPr id="1" name="Shape 86"/>
-        <p:cNvGrpSpPr/>
-        <p:nvPr/>
-      </p:nvGrpSpPr>
-      <p:grpSpPr>
-        <a:xfrm>
-          <a:off x="0" y="0"/>
-          <a:ext cx="0" cy="0"/>
-          <a:chOff x="0" y="0"/>
-          <a:chExt cx="0" cy="0"/>
-        </a:xfrm>
-      </p:grpSpPr>
-      <p:sp>
-        <p:nvSpPr>
-          <p:cNvPr id="87" name="Google Shape;87;p18"/>
-          <p:cNvSpPr txBox="1">
-            <a:spLocks noGrp="1"/>
-          </p:cNvSpPr>
-          <p:nvPr>
-            <p:ph type="title"/>
-          </p:nvPr>
-        </p:nvSpPr>
-        <p:spPr>
-          <a:xfrm>
-            <a:off x="311700" y="445025"/>
-            <a:ext cx="8520600" cy="572700"/>
-          </a:xfrm>
-          <a:prstGeom prst="rect">
-            <a:avLst/>
-          </a:prstGeom>
-        </p:spPr>
-        <p:txBody>
-          <a:bodyPr spcFirstLastPara="1" wrap="square" lIns="91425" tIns="91425" rIns="91425" bIns="91425" anchor="t" anchorCtr="0">
-            <a:normAutofit fontScale="90000"/>
-          </a:bodyPr>
-          <a:lstStyle/>
-          <a:p>
-            <a:pPr marL="0" lvl="0" indent="0" algn="l" rtl="0">
-              <a:spcBef>
-                <a:spcPts val="0"/>
-              </a:spcBef>
-              <a:spcAft>
-                <a:spcPts val="0"/>
-              </a:spcAft>
-              <a:buNone/>
-            </a:pPr>
-            <a:r>
-              <a:rPr lang="nl"/>
-              <a:t>State space (Nederland)</a:t>
-            </a:r>
-            <a:endParaRPr/>
-          </a:p>
-          <a:p>
-            <a:pPr marL="0" lvl="0" indent="0" algn="l" rtl="0">
-              <a:spcBef>
-                <a:spcPts val="0"/>
-              </a:spcBef>
-              <a:spcAft>
-                <a:spcPts val="0"/>
-              </a:spcAft>
-              <a:buNone/>
-            </a:pPr>
-            <a:endParaRPr/>
-          </a:p>
-        </p:txBody>
-      </p:sp>
-      <p:sp>
-        <p:nvSpPr>
-          <p:cNvPr id="88" name="Google Shape;88;p18"/>
-          <p:cNvSpPr txBox="1">
-            <a:spLocks noGrp="1"/>
-          </p:cNvSpPr>
-          <p:nvPr>
-            <p:ph type="body" idx="1"/>
-          </p:nvPr>
-        </p:nvSpPr>
-        <p:spPr>
-          <a:xfrm>
-            <a:off x="311700" y="1152475"/>
-            <a:ext cx="8520600" cy="3416400"/>
-          </a:xfrm>
-          <a:prstGeom prst="rect">
-            <a:avLst/>
-          </a:prstGeom>
-        </p:spPr>
-        <p:txBody>
-          <a:bodyPr spcFirstLastPara="1" wrap="square" lIns="91425" tIns="91425" rIns="91425" bIns="91425" anchor="t" anchorCtr="0">
-            <a:normAutofit fontScale="85000" lnSpcReduction="20000"/>
-          </a:bodyPr>
-          <a:lstStyle/>
-          <a:p>
-            <a:pPr marL="457200" lvl="0" indent="-342900" algn="l" rtl="0">
-              <a:spcBef>
-                <a:spcPts val="0"/>
-              </a:spcBef>
-              <a:spcAft>
-                <a:spcPts val="0"/>
-              </a:spcAft>
-              <a:buSzPts val="1800"/>
-              <a:buChar char="●"/>
-            </a:pPr>
-            <a:r>
-              <a:rPr lang="nl"/>
-              <a:t>Er zijn 61 stations</a:t>
-            </a:r>
-            <a:endParaRPr/>
-          </a:p>
-          <a:p>
-            <a:pPr marL="457200" lvl="0" indent="-342900" algn="l" rtl="0">
-              <a:spcBef>
-                <a:spcPts val="0"/>
-              </a:spcBef>
-              <a:spcAft>
-                <a:spcPts val="0"/>
-              </a:spcAft>
-              <a:buSzPts val="1800"/>
-              <a:buChar char="●"/>
-            </a:pPr>
-            <a:r>
-              <a:rPr lang="nl"/>
-              <a:t>Er zijn 89 connecties</a:t>
-            </a:r>
-            <a:endParaRPr/>
-          </a:p>
-          <a:p>
-            <a:pPr marL="457200" lvl="0" indent="-342900" algn="l" rtl="0">
-              <a:spcBef>
-                <a:spcPts val="0"/>
-              </a:spcBef>
-              <a:spcAft>
-                <a:spcPts val="0"/>
-              </a:spcAft>
-              <a:buSzPts val="1800"/>
-              <a:buChar char="●"/>
-            </a:pPr>
-            <a:r>
-              <a:rPr lang="nl"/>
-              <a:t>Er mogen maximaal 20 trajecten gevormd worden</a:t>
-            </a:r>
-            <a:endParaRPr/>
-          </a:p>
-          <a:p>
-            <a:pPr marL="457200" lvl="0" indent="-342900" algn="l" rtl="0">
-              <a:spcBef>
-                <a:spcPts val="0"/>
-              </a:spcBef>
-              <a:spcAft>
-                <a:spcPts val="0"/>
-              </a:spcAft>
-              <a:buSzPts val="1800"/>
-              <a:buChar char="●"/>
-            </a:pPr>
-            <a:r>
-              <a:rPr lang="nl"/>
-              <a:t>De trajecten mogen niet langer duren dan 3 uur</a:t>
-            </a:r>
-          </a:p>
-          <a:p>
-            <a:pPr marL="457200" lvl="0" indent="-342900" algn="l" rtl="0">
-              <a:spcBef>
-                <a:spcPts val="0"/>
-              </a:spcBef>
-              <a:spcAft>
-                <a:spcPts val="0"/>
-              </a:spcAft>
-              <a:buSzPts val="1800"/>
-              <a:buChar char="●"/>
-            </a:pPr>
-            <a:endParaRPr lang="nl"/>
-          </a:p>
-          <a:p>
-            <a:pPr marL="457200" lvl="0" indent="-342900" algn="l" rtl="0">
-              <a:spcBef>
-                <a:spcPts val="0"/>
-              </a:spcBef>
-              <a:spcAft>
-                <a:spcPts val="0"/>
-              </a:spcAft>
-              <a:buSzPts val="1800"/>
-              <a:buChar char="●"/>
-            </a:pPr>
-            <a:r>
-              <a:rPr lang="nl"/>
-              <a:t>Berekend: maximaal aantal connecties binnen een traject (22) voordat trajecten 3 uur overschrijden </a:t>
-            </a:r>
-            <a:endParaRPr/>
-          </a:p>
-          <a:p>
-            <a:pPr marL="0" lvl="0" indent="0" algn="l" rtl="0">
-              <a:spcBef>
-                <a:spcPts val="1200"/>
-              </a:spcBef>
-              <a:spcAft>
-                <a:spcPts val="0"/>
-              </a:spcAft>
-              <a:buNone/>
-            </a:pPr>
-            <a:endParaRPr/>
-          </a:p>
-          <a:p>
-            <a:pPr marL="0" lvl="0" indent="0" algn="l" rtl="0">
-              <a:spcBef>
-                <a:spcPts val="1200"/>
-              </a:spcBef>
-              <a:spcAft>
-                <a:spcPts val="0"/>
-              </a:spcAft>
-              <a:buNone/>
-            </a:pPr>
-            <a:r>
-              <a:rPr lang="nl"/>
-              <a:t>In onze berekening:</a:t>
-            </a:r>
-            <a:endParaRPr/>
-          </a:p>
-          <a:p>
-            <a:pPr marL="457200" lvl="0" indent="-342900" algn="l" rtl="0">
-              <a:spcBef>
-                <a:spcPts val="1200"/>
-              </a:spcBef>
-              <a:spcAft>
-                <a:spcPts val="0"/>
-              </a:spcAft>
-              <a:buSzPts val="1800"/>
-              <a:buChar char="-"/>
-            </a:pPr>
-            <a:r>
-              <a:rPr lang="nl"/>
-              <a:t>Teleporterende treinen</a:t>
-            </a:r>
-          </a:p>
-          <a:p>
-            <a:pPr marL="457200" lvl="0" indent="-342900" algn="l" rtl="0">
-              <a:spcBef>
-                <a:spcPts val="1200"/>
-              </a:spcBef>
-              <a:spcAft>
-                <a:spcPts val="0"/>
-              </a:spcAft>
-              <a:buSzPts val="1800"/>
-              <a:buChar char="-"/>
-            </a:pPr>
-            <a:r>
-              <a:rPr lang="nl"/>
-              <a:t>Alle 20 trajecten worden benut</a:t>
-            </a:r>
-            <a:endParaRPr/>
-          </a:p>
-        </p:txBody>
-      </p:sp>
-    </p:spTree>
-  </p:cSld>
-  <p:clrMapOvr>
-    <a:masterClrMapping/>
-  </p:clrMapOvr>
-</p:sld>
-</file>
-
-<file path=ppt/slides/slide6.xml><?xml version="1.0" encoding="utf-8"?>
-<p:sld xmlns:a="http://schemas.openxmlformats.org/drawingml/2006/main" xmlns:r="http://schemas.openxmlformats.org/officeDocument/2006/relationships" xmlns:p="http://schemas.openxmlformats.org/presentationml/2006/main">
-  <p:cSld>
-    <p:spTree>
-      <p:nvGrpSpPr>
-        <p:cNvPr id="1" name="Shape 92"/>
-        <p:cNvGrpSpPr/>
-        <p:nvPr/>
-      </p:nvGrpSpPr>
-      <p:grpSpPr>
-        <a:xfrm>
-          <a:off x="0" y="0"/>
-          <a:ext cx="0" cy="0"/>
-          <a:chOff x="0" y="0"/>
-          <a:chExt cx="0" cy="0"/>
-        </a:xfrm>
-      </p:grpSpPr>
-      <p:sp>
-        <p:nvSpPr>
-          <p:cNvPr id="93" name="Google Shape;93;p19"/>
-          <p:cNvSpPr txBox="1">
-            <a:spLocks noGrp="1"/>
-          </p:cNvSpPr>
-          <p:nvPr>
-            <p:ph type="title"/>
-          </p:nvPr>
-        </p:nvSpPr>
-        <p:spPr>
-          <a:xfrm>
-            <a:off x="311700" y="445025"/>
-            <a:ext cx="8520600" cy="572700"/>
-          </a:xfrm>
-          <a:prstGeom prst="rect">
-            <a:avLst/>
-          </a:prstGeom>
-        </p:spPr>
-        <p:txBody>
-          <a:bodyPr spcFirstLastPara="1" wrap="square" lIns="91425" tIns="91425" rIns="91425" bIns="91425" anchor="t" anchorCtr="0">
-            <a:normAutofit fontScale="90000"/>
-          </a:bodyPr>
-          <a:lstStyle/>
-          <a:p>
-            <a:pPr marL="0" lvl="0" indent="0" algn="l" rtl="0">
-              <a:spcBef>
-                <a:spcPts val="0"/>
-              </a:spcBef>
-              <a:spcAft>
-                <a:spcPts val="0"/>
-              </a:spcAft>
-              <a:buNone/>
-            </a:pPr>
-            <a:r>
-              <a:rPr lang="nl"/>
-              <a:t>State space (Nederland)</a:t>
-            </a:r>
-            <a:endParaRPr/>
-          </a:p>
-        </p:txBody>
-      </p:sp>
-      <p:sp>
-        <p:nvSpPr>
-          <p:cNvPr id="94" name="Google Shape;94;p19"/>
-          <p:cNvSpPr txBox="1">
-            <a:spLocks noGrp="1"/>
-          </p:cNvSpPr>
-          <p:nvPr>
-            <p:ph type="body" idx="1"/>
-          </p:nvPr>
-        </p:nvSpPr>
-        <p:spPr>
-          <a:xfrm>
-            <a:off x="311700" y="1152475"/>
-            <a:ext cx="8520600" cy="3416400"/>
-          </a:xfrm>
-          <a:prstGeom prst="rect">
-            <a:avLst/>
-          </a:prstGeom>
-        </p:spPr>
-        <p:txBody>
-          <a:bodyPr spcFirstLastPara="1" wrap="square" lIns="91425" tIns="91425" rIns="91425" bIns="91425" anchor="t" anchorCtr="0">
-            <a:normAutofit/>
-          </a:bodyPr>
-          <a:lstStyle/>
-          <a:p>
-            <a:pPr marL="0" lvl="0" indent="0" algn="l" rtl="0">
-              <a:spcBef>
-                <a:spcPts val="0"/>
-              </a:spcBef>
-              <a:spcAft>
-                <a:spcPts val="0"/>
-              </a:spcAft>
-              <a:buNone/>
-            </a:pPr>
-            <a:r>
-              <a:rPr lang="nl"/>
-              <a:t>Binnen een traject:</a:t>
-            </a:r>
-            <a:endParaRPr/>
-          </a:p>
-          <a:p>
-            <a:pPr marL="0" lvl="0" indent="0" algn="l" rtl="0">
-              <a:spcBef>
-                <a:spcPts val="1200"/>
-              </a:spcBef>
-              <a:spcAft>
-                <a:spcPts val="0"/>
-              </a:spcAft>
-              <a:buNone/>
-            </a:pPr>
-            <a:endParaRPr/>
-          </a:p>
-          <a:p>
-            <a:pPr marL="0" lvl="0" indent="0" algn="l" rtl="0">
-              <a:spcBef>
-                <a:spcPts val="1200"/>
-              </a:spcBef>
-              <a:spcAft>
-                <a:spcPts val="0"/>
-              </a:spcAft>
-              <a:buNone/>
-            </a:pPr>
-            <a:endParaRPr/>
-          </a:p>
-          <a:p>
-            <a:pPr marL="0" lvl="0" indent="0" algn="l" rtl="0">
-              <a:spcBef>
-                <a:spcPts val="1200"/>
-              </a:spcBef>
-              <a:spcAft>
-                <a:spcPts val="0"/>
-              </a:spcAft>
-              <a:buNone/>
-            </a:pPr>
-            <a:r>
-              <a:rPr lang="nl-NL"/>
-              <a:t>Bij M = 22: 4.194.303 combinaties aan connecties</a:t>
-            </a:r>
-            <a:endParaRPr/>
-          </a:p>
-          <a:p>
-            <a:pPr marL="0" lvl="0" indent="0" algn="l" rtl="0">
-              <a:spcBef>
-                <a:spcPts val="1200"/>
-              </a:spcBef>
-              <a:spcAft>
-                <a:spcPts val="0"/>
-              </a:spcAft>
-              <a:buNone/>
-            </a:pPr>
-            <a:endParaRPr/>
-          </a:p>
-          <a:p>
-            <a:pPr marL="0" lvl="0" indent="0" algn="l" rtl="0">
-              <a:spcBef>
-                <a:spcPts val="1200"/>
-              </a:spcBef>
-              <a:spcAft>
-                <a:spcPts val="1200"/>
-              </a:spcAft>
-              <a:buNone/>
-            </a:pPr>
-            <a:r>
-              <a:rPr lang="nl"/>
-              <a:t>Alle trajecten samen (C = </a:t>
-            </a:r>
-            <a:r>
-              <a:rPr lang="nl-NL"/>
-              <a:t>4.194.303, t = 20</a:t>
-            </a:r>
-            <a:r>
-              <a:rPr lang="nl"/>
-              <a:t>):</a:t>
-            </a:r>
-            <a:endParaRPr/>
-          </a:p>
-        </p:txBody>
-      </p:sp>
-      <p:pic>
-        <p:nvPicPr>
-          <p:cNvPr id="3" name="Afbeelding 2">
-            <a:extLst>
-              <a:ext uri="{FF2B5EF4-FFF2-40B4-BE49-F238E27FC236}">
-                <a16:creationId xmlns:a16="http://schemas.microsoft.com/office/drawing/2014/main" id="{EB9F24B8-037F-40EF-BE40-B7D496EB1B6D}"/>
-              </a:ext>
-            </a:extLst>
-          </p:cNvPr>
-          <p:cNvPicPr>
-            <a:picLocks noChangeAspect="1"/>
-          </p:cNvPicPr>
-          <p:nvPr/>
-        </p:nvPicPr>
-        <p:blipFill>
-          <a:blip r:embed="rId3"/>
-          <a:stretch>
-            <a:fillRect/>
-          </a:stretch>
-        </p:blipFill>
-        <p:spPr>
-          <a:xfrm>
-            <a:off x="420996" y="1637297"/>
-            <a:ext cx="1743075" cy="838200"/>
-          </a:xfrm>
-          <a:prstGeom prst="rect">
-            <a:avLst/>
-          </a:prstGeom>
-        </p:spPr>
-      </p:pic>
-      <p:pic>
-        <p:nvPicPr>
-          <p:cNvPr id="5" name="Afbeelding 4">
-            <a:extLst>
-              <a:ext uri="{FF2B5EF4-FFF2-40B4-BE49-F238E27FC236}">
-                <a16:creationId xmlns:a16="http://schemas.microsoft.com/office/drawing/2014/main" id="{DFA9EE2C-FDF3-425D-A429-B292FE7BDC42}"/>
-              </a:ext>
-            </a:extLst>
-          </p:cNvPr>
-          <p:cNvPicPr>
-            <a:picLocks noChangeAspect="1"/>
-          </p:cNvPicPr>
-          <p:nvPr/>
-        </p:nvPicPr>
-        <p:blipFill>
-          <a:blip r:embed="rId4"/>
-          <a:stretch>
-            <a:fillRect/>
-          </a:stretch>
-        </p:blipFill>
-        <p:spPr>
-          <a:xfrm>
-            <a:off x="500850" y="3993625"/>
-            <a:ext cx="1762125" cy="704850"/>
-          </a:xfrm>
-          <a:prstGeom prst="rect">
-            <a:avLst/>
-          </a:prstGeom>
-        </p:spPr>
-      </p:pic>
-    </p:spTree>
-  </p:cSld>
-  <p:clrMapOvr>
-    <a:masterClrMapping/>
-  </p:clrMapOvr>
-</p:sld>
-</file>
-
-<file path=ppt/slides/slide7.xml><?xml version="1.0" encoding="utf-8"?>
-<p:sld xmlns:a="http://schemas.openxmlformats.org/drawingml/2006/main" xmlns:r="http://schemas.openxmlformats.org/officeDocument/2006/relationships" xmlns:p="http://schemas.openxmlformats.org/presentationml/2006/main">
-  <p:cSld>
-    <p:spTree>
-      <p:nvGrpSpPr>
-        <p:cNvPr id="1" name="Shape 107"/>
-        <p:cNvGrpSpPr/>
-        <p:nvPr/>
-      </p:nvGrpSpPr>
-      <p:grpSpPr>
-        <a:xfrm>
-          <a:off x="0" y="0"/>
-          <a:ext cx="0" cy="0"/>
-          <a:chOff x="0" y="0"/>
-          <a:chExt cx="0" cy="0"/>
-        </a:xfrm>
-      </p:grpSpPr>
-      <p:sp>
-        <p:nvSpPr>
-          <p:cNvPr id="108" name="Google Shape;108;p21"/>
-          <p:cNvSpPr txBox="1">
-            <a:spLocks noGrp="1"/>
-          </p:cNvSpPr>
-          <p:nvPr>
-            <p:ph type="title"/>
-          </p:nvPr>
-        </p:nvSpPr>
-        <p:spPr>
-          <a:xfrm>
-            <a:off x="311700" y="445025"/>
-            <a:ext cx="8520600" cy="572700"/>
-          </a:xfrm>
-          <a:prstGeom prst="rect">
-            <a:avLst/>
-          </a:prstGeom>
-        </p:spPr>
-        <p:txBody>
-          <a:bodyPr spcFirstLastPara="1" wrap="square" lIns="91425" tIns="91425" rIns="91425" bIns="91425" anchor="t" anchorCtr="0">
-            <a:normAutofit fontScale="90000"/>
-          </a:bodyPr>
-          <a:lstStyle/>
-          <a:p>
-            <a:pPr marL="0" lvl="0" indent="0" algn="l" rtl="0">
-              <a:spcBef>
-                <a:spcPts val="0"/>
-              </a:spcBef>
-              <a:spcAft>
-                <a:spcPts val="0"/>
-              </a:spcAft>
-              <a:buNone/>
-            </a:pPr>
-            <a:r>
-              <a:rPr lang="nl"/>
-              <a:t>Baseline</a:t>
-            </a:r>
-            <a:endParaRPr/>
-          </a:p>
-        </p:txBody>
-      </p:sp>
-      <p:sp>
-        <p:nvSpPr>
-          <p:cNvPr id="109" name="Google Shape;109;p21"/>
-          <p:cNvSpPr txBox="1">
-            <a:spLocks noGrp="1"/>
-          </p:cNvSpPr>
-          <p:nvPr>
-            <p:ph type="body" idx="1"/>
-          </p:nvPr>
-        </p:nvSpPr>
-        <p:spPr>
-          <a:xfrm>
-            <a:off x="311700" y="1152475"/>
-            <a:ext cx="8520600" cy="3416400"/>
-          </a:xfrm>
-          <a:prstGeom prst="rect">
-            <a:avLst/>
-          </a:prstGeom>
-        </p:spPr>
-        <p:txBody>
-          <a:bodyPr spcFirstLastPara="1" wrap="square" lIns="91425" tIns="91425" rIns="91425" bIns="91425" anchor="t" anchorCtr="0">
-            <a:normAutofit/>
-          </a:bodyPr>
-          <a:lstStyle/>
-          <a:p>
-            <a:pPr marL="457200" lvl="0" indent="-342900" algn="l" rtl="0">
-              <a:spcBef>
-                <a:spcPts val="0"/>
-              </a:spcBef>
-              <a:spcAft>
-                <a:spcPts val="0"/>
-              </a:spcAft>
-              <a:buSzPts val="1800"/>
-              <a:buChar char="●"/>
-            </a:pPr>
-            <a:r>
-              <a:rPr lang="nl"/>
-              <a:t>Kies een random aantal trajecten (max = 20)</a:t>
-            </a:r>
-            <a:endParaRPr/>
-          </a:p>
-          <a:p>
-            <a:pPr marL="457200" lvl="0" indent="0" algn="l" rtl="0">
-              <a:spcBef>
-                <a:spcPts val="1200"/>
-              </a:spcBef>
-              <a:spcAft>
-                <a:spcPts val="0"/>
-              </a:spcAft>
-              <a:buNone/>
-            </a:pPr>
-            <a:endParaRPr/>
-          </a:p>
-          <a:p>
-            <a:pPr marL="457200" lvl="0" indent="-342900" algn="l" rtl="0">
-              <a:spcBef>
-                <a:spcPts val="1200"/>
-              </a:spcBef>
-              <a:spcAft>
-                <a:spcPts val="0"/>
-              </a:spcAft>
-              <a:buSzPts val="1800"/>
-              <a:buChar char="●"/>
-            </a:pPr>
-            <a:r>
-              <a:rPr lang="nl"/>
-              <a:t>Voor elk traject:</a:t>
-            </a:r>
-            <a:endParaRPr/>
-          </a:p>
-          <a:p>
-            <a:pPr marL="457200" lvl="0" indent="-342900" algn="l" rtl="0">
-              <a:spcBef>
-                <a:spcPts val="0"/>
-              </a:spcBef>
-              <a:spcAft>
-                <a:spcPts val="0"/>
-              </a:spcAft>
-              <a:buSzPts val="1800"/>
-              <a:buChar char="●"/>
-            </a:pPr>
-            <a:r>
-              <a:rPr lang="nl"/>
-              <a:t>Kies een random start station</a:t>
-            </a:r>
-            <a:endParaRPr/>
-          </a:p>
-          <a:p>
-            <a:pPr marL="457200" lvl="0" indent="-342900" algn="l" rtl="0">
-              <a:spcBef>
-                <a:spcPts val="0"/>
-              </a:spcBef>
-              <a:spcAft>
-                <a:spcPts val="0"/>
-              </a:spcAft>
-              <a:buSzPts val="1800"/>
-              <a:buChar char="●"/>
-            </a:pPr>
-            <a:r>
-              <a:rPr lang="nl"/>
-              <a:t>Genereer mogelijke volgende stations</a:t>
-            </a:r>
-            <a:endParaRPr/>
-          </a:p>
-          <a:p>
-            <a:pPr marL="457200" lvl="0" indent="-342900" algn="l" rtl="0">
-              <a:spcBef>
-                <a:spcPts val="0"/>
-              </a:spcBef>
-              <a:spcAft>
-                <a:spcPts val="0"/>
-              </a:spcAft>
-              <a:buSzPts val="1800"/>
-              <a:buChar char="●"/>
-            </a:pPr>
-            <a:r>
-              <a:rPr lang="nl"/>
-              <a:t>Kies een random mogelijk station en voeg deze toe aan traject</a:t>
-            </a:r>
-            <a:endParaRPr/>
-          </a:p>
-          <a:p>
-            <a:pPr marL="457200" lvl="0" indent="-342900" algn="l" rtl="0">
-              <a:spcBef>
-                <a:spcPts val="0"/>
-              </a:spcBef>
-              <a:spcAft>
-                <a:spcPts val="0"/>
-              </a:spcAft>
-              <a:buSzPts val="1800"/>
-              <a:buChar char="●"/>
-            </a:pPr>
-            <a:r>
-              <a:rPr lang="nl"/>
-              <a:t>Herhaal dit zolang de 180 minuten van een traject niet zijn behaald</a:t>
-            </a:r>
-            <a:endParaRPr/>
-          </a:p>
-        </p:txBody>
-      </p:sp>
-      <p:pic>
-        <p:nvPicPr>
-          <p:cNvPr id="110" name="Google Shape;110;p21"/>
-          <p:cNvPicPr preferRelativeResize="0"/>
-          <p:nvPr/>
-        </p:nvPicPr>
-        <p:blipFill>
-          <a:blip r:embed="rId3">
-            <a:alphaModFix/>
-          </a:blip>
-          <a:stretch>
-            <a:fillRect/>
-          </a:stretch>
-        </p:blipFill>
-        <p:spPr>
-          <a:xfrm>
-            <a:off x="5658575" y="497450"/>
-            <a:ext cx="3245550" cy="2434150"/>
-          </a:xfrm>
-          <a:prstGeom prst="rect">
-            <a:avLst/>
-          </a:prstGeom>
-          <a:noFill/>
-          <a:ln>
-            <a:noFill/>
-          </a:ln>
-        </p:spPr>
-      </p:pic>
-    </p:spTree>
-  </p:cSld>
-  <p:clrMapOvr>
-    <a:masterClrMapping/>
-  </p:clrMapOvr>
-  <p:timing>
-    <p:tnLst>
-      <p:par>
-        <p:cTn id="1" dur="indefinite" restart="never" nodeType="tmRoot">
-          <p:childTnLst>
-            <p:seq concurrent="1" nextAc="seek">
-              <p:cTn id="2" dur="indefinite" nodeType="mainSeq">
-                <p:childTnLst>
-                  <p:par>
-                    <p:cTn id="3" fill="hold">
-                      <p:stCondLst>
-                        <p:cond delay="indefinite"/>
-                      </p:stCondLst>
-                      <p:childTnLst>
-                        <p:par>
-                          <p:cTn id="4" fill="hold">
-                            <p:stCondLst>
-                              <p:cond delay="0"/>
-                            </p:stCondLst>
-                            <p:childTnLst>
-                              <p:par>
-                                <p:cTn id="5" presetID="1" presetClass="entr" presetSubtype="0" fill="hold" nodeType="clickEffect">
-                                  <p:stCondLst>
-                                    <p:cond delay="0"/>
-                                  </p:stCondLst>
-                                  <p:childTnLst>
-                                    <p:set>
-                                      <p:cBhvr>
-                                        <p:cTn id="6" dur="1" fill="hold">
-                                          <p:stCondLst>
-                                            <p:cond delay="0"/>
-                                          </p:stCondLst>
-                                        </p:cTn>
-                                        <p:tgtEl>
-                                          <p:spTgt spid="110"/>
-                                        </p:tgtEl>
-                                        <p:attrNameLst>
-                                          <p:attrName>style.visibility</p:attrName>
-                                        </p:attrNameLst>
-                                      </p:cBhvr>
-                                      <p:to>
-                                        <p:strVal val="visible"/>
-                                      </p:to>
-                                    </p:set>
-                                  </p:childTnLst>
-                                </p:cTn>
-                              </p:par>
-                            </p:childTnLst>
-                          </p:cTn>
-                        </p:par>
-                      </p:childTnLst>
-                    </p:cTn>
-                  </p:par>
-                </p:childTnLst>
-              </p:cTn>
-              <p:prevCondLst>
-                <p:cond evt="onPrev" delay="0">
-                  <p:tgtEl>
-                    <p:sldTgt/>
-                  </p:tgtEl>
-                </p:cond>
-              </p:prevCondLst>
-              <p:nextCondLst>
-                <p:cond evt="onNext" delay="0">
-                  <p:tgtEl>
-                    <p:sldTgt/>
-                  </p:tgtEl>
-                </p:cond>
-              </p:nextCondLst>
-            </p:seq>
-          </p:childTnLst>
-        </p:cTn>
-      </p:par>
-    </p:tnLst>
-  </p:timing>
-</p:sld>
-</file>
-
-<file path=ppt/slides/slide8.xml><?xml version="1.0" encoding="utf-8"?>
-<p:sld xmlns:a="http://schemas.openxmlformats.org/drawingml/2006/main" xmlns:r="http://schemas.openxmlformats.org/officeDocument/2006/relationships" xmlns:p="http://schemas.openxmlformats.org/presentationml/2006/main">
-  <p:cSld>
-    <p:spTree>
-      <p:nvGrpSpPr>
-        <p:cNvPr id="1" name="Shape 114"/>
-        <p:cNvGrpSpPr/>
-        <p:nvPr/>
-      </p:nvGrpSpPr>
-      <p:grpSpPr>
-        <a:xfrm>
-          <a:off x="0" y="0"/>
-          <a:ext cx="0" cy="0"/>
-          <a:chOff x="0" y="0"/>
-          <a:chExt cx="0" cy="0"/>
-        </a:xfrm>
-      </p:grpSpPr>
-      <p:sp>
-        <p:nvSpPr>
-          <p:cNvPr id="115" name="Google Shape;115;p22"/>
-          <p:cNvSpPr txBox="1">
-            <a:spLocks noGrp="1"/>
-          </p:cNvSpPr>
-          <p:nvPr>
-            <p:ph type="title"/>
-          </p:nvPr>
-        </p:nvSpPr>
-        <p:spPr>
-          <a:xfrm>
-            <a:off x="311700" y="445025"/>
-            <a:ext cx="8520600" cy="572700"/>
-          </a:xfrm>
-          <a:prstGeom prst="rect">
-            <a:avLst/>
-          </a:prstGeom>
-        </p:spPr>
-        <p:txBody>
-          <a:bodyPr spcFirstLastPara="1" wrap="square" lIns="91425" tIns="91425" rIns="91425" bIns="91425" anchor="t" anchorCtr="0">
-            <a:normAutofit fontScale="90000"/>
-          </a:bodyPr>
-          <a:lstStyle/>
-          <a:p>
-            <a:pPr marL="0" lvl="0" indent="0" algn="l" rtl="0">
-              <a:spcBef>
-                <a:spcPts val="0"/>
-              </a:spcBef>
-              <a:spcAft>
-                <a:spcPts val="0"/>
-              </a:spcAft>
-              <a:buNone/>
-            </a:pPr>
-            <a:r>
-              <a:rPr lang="nl"/>
-              <a:t>Breadth-first algoritme: methode</a:t>
-            </a:r>
-            <a:endParaRPr/>
-          </a:p>
-        </p:txBody>
-      </p:sp>
-      <p:sp>
-        <p:nvSpPr>
-          <p:cNvPr id="116" name="Google Shape;116;p22"/>
-          <p:cNvSpPr txBox="1">
-            <a:spLocks noGrp="1"/>
-          </p:cNvSpPr>
-          <p:nvPr>
-            <p:ph type="body" idx="1"/>
-          </p:nvPr>
-        </p:nvSpPr>
-        <p:spPr>
-          <a:xfrm>
-            <a:off x="311700" y="1152475"/>
-            <a:ext cx="8520600" cy="3416400"/>
-          </a:xfrm>
-          <a:prstGeom prst="rect">
-            <a:avLst/>
-          </a:prstGeom>
-        </p:spPr>
-        <p:txBody>
-          <a:bodyPr spcFirstLastPara="1" wrap="square" lIns="91425" tIns="91425" rIns="91425" bIns="91425" anchor="t" anchorCtr="0">
-            <a:normAutofit/>
-          </a:bodyPr>
-          <a:lstStyle/>
-          <a:p>
-            <a:pPr marL="457200" lvl="0" indent="-342900" algn="l" rtl="0">
-              <a:spcBef>
-                <a:spcPts val="0"/>
-              </a:spcBef>
-              <a:spcAft>
-                <a:spcPts val="0"/>
-              </a:spcAft>
-              <a:buSzPts val="1800"/>
-              <a:buChar char="●"/>
-            </a:pPr>
-            <a:r>
-              <a:rPr lang="nl"/>
-              <a:t>Breadth-first search met pruning in de vorm van beam search</a:t>
-            </a:r>
-          </a:p>
-          <a:p>
-            <a:pPr marL="457200" lvl="0" indent="-342900" algn="l" rtl="0">
-              <a:spcBef>
-                <a:spcPts val="0"/>
-              </a:spcBef>
-              <a:spcAft>
-                <a:spcPts val="0"/>
-              </a:spcAft>
-              <a:buSzPts val="1800"/>
-              <a:buChar char="●"/>
-            </a:pPr>
-            <a:r>
-              <a:rPr lang="nl"/>
-              <a:t>Constructief, deterministisch algoritme</a:t>
-            </a:r>
-            <a:endParaRPr/>
-          </a:p>
-          <a:p>
-            <a:pPr marL="457200" lvl="0" indent="-342900" algn="l" rtl="0">
-              <a:spcBef>
-                <a:spcPts val="0"/>
-              </a:spcBef>
-              <a:spcAft>
-                <a:spcPts val="0"/>
-              </a:spcAft>
-              <a:buSzPts val="1800"/>
-              <a:buChar char="●"/>
-            </a:pPr>
-            <a:r>
-              <a:rPr lang="nl"/>
-              <a:t>Bereken “increase” of “decrease” als mogelijkheid wordt toegevoegd, behoud alleen de x beste scores</a:t>
-            </a:r>
-          </a:p>
-        </p:txBody>
-      </p:sp>
-      <p:pic>
-        <p:nvPicPr>
-          <p:cNvPr id="117" name="Google Shape;117;p22"/>
-          <p:cNvPicPr preferRelativeResize="0"/>
-          <p:nvPr/>
-        </p:nvPicPr>
-        <p:blipFill>
-          <a:blip r:embed="rId3">
-            <a:alphaModFix/>
-          </a:blip>
-          <a:stretch>
-            <a:fillRect/>
-          </a:stretch>
-        </p:blipFill>
-        <p:spPr>
-          <a:xfrm>
-            <a:off x="1615725" y="2716728"/>
-            <a:ext cx="6074825" cy="1852150"/>
-          </a:xfrm>
-          <a:prstGeom prst="rect">
-            <a:avLst/>
-          </a:prstGeom>
-          <a:noFill/>
-          <a:ln>
-            <a:noFill/>
-          </a:ln>
-        </p:spPr>
-      </p:pic>
-      <p:sp>
-        <p:nvSpPr>
-          <p:cNvPr id="118" name="Google Shape;118;p22"/>
-          <p:cNvSpPr txBox="1"/>
-          <p:nvPr/>
-        </p:nvSpPr>
-        <p:spPr>
-          <a:xfrm>
-            <a:off x="1594550" y="4508500"/>
-            <a:ext cx="6307800" cy="400200"/>
-          </a:xfrm>
-          <a:prstGeom prst="rect">
-            <a:avLst/>
-          </a:prstGeom>
-          <a:noFill/>
-          <a:ln>
-            <a:noFill/>
-          </a:ln>
-        </p:spPr>
-        <p:txBody>
-          <a:bodyPr spcFirstLastPara="1" wrap="square" lIns="91425" tIns="91425" rIns="91425" bIns="91425" anchor="t" anchorCtr="0">
-            <a:spAutoFit/>
-          </a:bodyPr>
-          <a:lstStyle/>
-          <a:p>
-            <a:pPr marL="0" lvl="0" indent="0" algn="l" rtl="0">
-              <a:spcBef>
-                <a:spcPts val="0"/>
-              </a:spcBef>
-              <a:spcAft>
-                <a:spcPts val="0"/>
-              </a:spcAft>
-              <a:buNone/>
-            </a:pPr>
-            <a:r>
-              <a:rPr lang="nl">
-                <a:solidFill>
-                  <a:srgbClr val="FFFFFF"/>
-                </a:solidFill>
-              </a:rPr>
-              <a:t>+150               +248                +50             +324                -105           +121</a:t>
-            </a:r>
-            <a:endParaRPr>
-              <a:solidFill>
-                <a:srgbClr val="FFFFFF"/>
-              </a:solidFill>
-            </a:endParaRPr>
-          </a:p>
-        </p:txBody>
-      </p:sp>
-      <p:sp>
-        <p:nvSpPr>
-          <p:cNvPr id="119" name="Google Shape;119;p22"/>
-          <p:cNvSpPr/>
-          <p:nvPr/>
-        </p:nvSpPr>
-        <p:spPr>
-          <a:xfrm>
-            <a:off x="3781775" y="3922875"/>
-            <a:ext cx="846600" cy="776100"/>
-          </a:xfrm>
-          <a:prstGeom prst="mathMultiply">
-            <a:avLst>
-              <a:gd name="adj1" fmla="val 23520"/>
-            </a:avLst>
-          </a:prstGeom>
-          <a:solidFill>
-            <a:srgbClr val="FF0000"/>
-          </a:solidFill>
-          <a:ln w="9525" cap="flat" cmpd="sng">
-            <a:solidFill>
-              <a:schemeClr val="dk2"/>
-            </a:solidFill>
-            <a:prstDash val="solid"/>
-            <a:round/>
-            <a:headEnd type="none" w="sm" len="sm"/>
-            <a:tailEnd type="none" w="sm" len="sm"/>
-          </a:ln>
-        </p:spPr>
-        <p:txBody>
-          <a:bodyPr spcFirstLastPara="1" wrap="square" lIns="91425" tIns="91425" rIns="91425" bIns="91425" anchor="ctr" anchorCtr="0">
-            <a:noAutofit/>
-          </a:bodyPr>
-          <a:lstStyle/>
-          <a:p>
-            <a:pPr marL="0" lvl="0" indent="0" algn="l" rtl="0">
-              <a:spcBef>
-                <a:spcPts val="0"/>
-              </a:spcBef>
-              <a:spcAft>
-                <a:spcPts val="0"/>
-              </a:spcAft>
-              <a:buNone/>
-            </a:pPr>
-            <a:endParaRPr/>
-          </a:p>
-        </p:txBody>
-      </p:sp>
-      <p:sp>
-        <p:nvSpPr>
-          <p:cNvPr id="120" name="Google Shape;120;p22"/>
-          <p:cNvSpPr/>
-          <p:nvPr/>
-        </p:nvSpPr>
-        <p:spPr>
-          <a:xfrm>
-            <a:off x="5973225" y="3922875"/>
-            <a:ext cx="846600" cy="776100"/>
-          </a:xfrm>
-          <a:prstGeom prst="mathMultiply">
-            <a:avLst>
-              <a:gd name="adj1" fmla="val 23520"/>
-            </a:avLst>
-          </a:prstGeom>
-          <a:solidFill>
-            <a:srgbClr val="FF0000"/>
-          </a:solidFill>
-          <a:ln w="9525" cap="flat" cmpd="sng">
-            <a:solidFill>
-              <a:schemeClr val="dk2"/>
-            </a:solidFill>
-            <a:prstDash val="solid"/>
-            <a:round/>
-            <a:headEnd type="none" w="sm" len="sm"/>
-            <a:tailEnd type="none" w="sm" len="sm"/>
-          </a:ln>
-        </p:spPr>
-        <p:txBody>
-          <a:bodyPr spcFirstLastPara="1" wrap="square" lIns="91425" tIns="91425" rIns="91425" bIns="91425" anchor="ctr" anchorCtr="0">
-            <a:noAutofit/>
-          </a:bodyPr>
-          <a:lstStyle/>
-          <a:p>
-            <a:pPr marL="0" lvl="0" indent="0" algn="l" rtl="0">
-              <a:spcBef>
-                <a:spcPts val="0"/>
-              </a:spcBef>
-              <a:spcAft>
-                <a:spcPts val="0"/>
-              </a:spcAft>
-              <a:buNone/>
-            </a:pPr>
-            <a:endParaRPr/>
-          </a:p>
-        </p:txBody>
-      </p:sp>
-      <p:sp>
-        <p:nvSpPr>
-          <p:cNvPr id="121" name="Google Shape;121;p22"/>
-          <p:cNvSpPr/>
-          <p:nvPr/>
-        </p:nvSpPr>
-        <p:spPr>
-          <a:xfrm>
-            <a:off x="6901750" y="3922875"/>
-            <a:ext cx="846600" cy="776100"/>
-          </a:xfrm>
-          <a:prstGeom prst="mathMultiply">
-            <a:avLst>
-              <a:gd name="adj1" fmla="val 23520"/>
-            </a:avLst>
-          </a:prstGeom>
-          <a:solidFill>
-            <a:srgbClr val="FF0000"/>
-          </a:solidFill>
-          <a:ln w="9525" cap="flat" cmpd="sng">
-            <a:solidFill>
-              <a:schemeClr val="dk2"/>
-            </a:solidFill>
-            <a:prstDash val="solid"/>
-            <a:round/>
-            <a:headEnd type="none" w="sm" len="sm"/>
-            <a:tailEnd type="none" w="sm" len="sm"/>
-          </a:ln>
-        </p:spPr>
-        <p:txBody>
-          <a:bodyPr spcFirstLastPara="1" wrap="square" lIns="91425" tIns="91425" rIns="91425" bIns="91425" anchor="ctr" anchorCtr="0">
-            <a:noAutofit/>
-          </a:bodyPr>
-          <a:lstStyle/>
-          <a:p>
-            <a:pPr marL="0" lvl="0" indent="0" algn="l" rtl="0">
-              <a:spcBef>
-                <a:spcPts val="0"/>
-              </a:spcBef>
-              <a:spcAft>
-                <a:spcPts val="0"/>
-              </a:spcAft>
-              <a:buNone/>
-            </a:pPr>
-            <a:endParaRPr/>
-          </a:p>
-        </p:txBody>
-      </p:sp>
-    </p:spTree>
-  </p:cSld>
-  <p:clrMapOvr>
-    <a:masterClrMapping/>
-  </p:clrMapOvr>
-  <p:timing>
-    <p:tnLst>
-      <p:par>
-        <p:cTn id="1" dur="indefinite" restart="never" nodeType="tmRoot">
-          <p:childTnLst>
-            <p:seq concurrent="1" nextAc="seek">
-              <p:cTn id="2" dur="indefinite" nodeType="mainSeq">
-                <p:childTnLst>
-                  <p:par>
-                    <p:cTn id="3" fill="hold">
-                      <p:stCondLst>
-                        <p:cond delay="indefinite"/>
-                      </p:stCondLst>
-                      <p:childTnLst>
-                        <p:par>
-                          <p:cTn id="4" fill="hold">
-                            <p:stCondLst>
-                              <p:cond delay="0"/>
-                            </p:stCondLst>
-                            <p:childTnLst>
-                              <p:par>
-                                <p:cTn id="5" presetID="1" presetClass="entr" presetSubtype="0" fill="hold" nodeType="clickEffect">
-                                  <p:stCondLst>
-                                    <p:cond delay="0"/>
-                                  </p:stCondLst>
-                                  <p:childTnLst>
-                                    <p:set>
-                                      <p:cBhvr>
-                                        <p:cTn id="6" dur="1" fill="hold">
-                                          <p:stCondLst>
-                                            <p:cond delay="0"/>
-                                          </p:stCondLst>
-                                        </p:cTn>
-                                        <p:tgtEl>
-                                          <p:spTgt spid="118"/>
-                                        </p:tgtEl>
-                                        <p:attrNameLst>
-                                          <p:attrName>style.visibility</p:attrName>
-                                        </p:attrNameLst>
-                                      </p:cBhvr>
-                                      <p:to>
-                                        <p:strVal val="visible"/>
-                                      </p:to>
-                                    </p:set>
-                                  </p:childTnLst>
-                                </p:cTn>
-                              </p:par>
-                            </p:childTnLst>
-                          </p:cTn>
-                        </p:par>
-                      </p:childTnLst>
-                    </p:cTn>
-                  </p:par>
-                  <p:par>
-                    <p:cTn id="7" fill="hold">
-                      <p:stCondLst>
-                        <p:cond delay="indefinite"/>
-                      </p:stCondLst>
-                      <p:childTnLst>
-                        <p:par>
-                          <p:cTn id="8" fill="hold">
-                            <p:stCondLst>
-                              <p:cond delay="0"/>
-                            </p:stCondLst>
-                            <p:childTnLst>
-                              <p:par>
-                                <p:cTn id="9" presetID="1" presetClass="entr" presetSubtype="0" fill="hold" nodeType="clickEffect">
-                                  <p:stCondLst>
-                                    <p:cond delay="0"/>
-                                  </p:stCondLst>
-                                  <p:childTnLst>
-                                    <p:set>
-                                      <p:cBhvr>
-                                        <p:cTn id="10" dur="1" fill="hold">
-                                          <p:stCondLst>
-                                            <p:cond delay="0"/>
-                                          </p:stCondLst>
-                                        </p:cTn>
-                                        <p:tgtEl>
-                                          <p:spTgt spid="119"/>
-                                        </p:tgtEl>
-                                        <p:attrNameLst>
-                                          <p:attrName>style.visibility</p:attrName>
-                                        </p:attrNameLst>
-                                      </p:cBhvr>
-                                      <p:to>
-                                        <p:strVal val="visible"/>
-                                      </p:to>
-                                    </p:set>
-                                  </p:childTnLst>
-                                </p:cTn>
-                              </p:par>
-                              <p:par>
-                                <p:cTn id="11" presetID="1" presetClass="entr" presetSubtype="0" fill="hold" nodeType="withEffect">
-                                  <p:stCondLst>
-                                    <p:cond delay="0"/>
-                                  </p:stCondLst>
-                                  <p:childTnLst>
-                                    <p:set>
-                                      <p:cBhvr>
-                                        <p:cTn id="12" dur="1" fill="hold">
-                                          <p:stCondLst>
-                                            <p:cond delay="0"/>
-                                          </p:stCondLst>
-                                        </p:cTn>
-                                        <p:tgtEl>
-                                          <p:spTgt spid="120"/>
-                                        </p:tgtEl>
-                                        <p:attrNameLst>
-                                          <p:attrName>style.visibility</p:attrName>
-                                        </p:attrNameLst>
-                                      </p:cBhvr>
-                                      <p:to>
-                                        <p:strVal val="visible"/>
-                                      </p:to>
-                                    </p:set>
-                                  </p:childTnLst>
-                                </p:cTn>
-                              </p:par>
-                              <p:par>
-                                <p:cTn id="13" presetID="1" presetClass="entr" presetSubtype="0" fill="hold" nodeType="withEffect">
-                                  <p:stCondLst>
-                                    <p:cond delay="0"/>
-                                  </p:stCondLst>
-                                  <p:childTnLst>
-                                    <p:set>
-                                      <p:cBhvr>
-                                        <p:cTn id="14" dur="1" fill="hold">
-                                          <p:stCondLst>
-                                            <p:cond delay="0"/>
-                                          </p:stCondLst>
-                                        </p:cTn>
-                                        <p:tgtEl>
-                                          <p:spTgt spid="121"/>
-                                        </p:tgtEl>
-                                        <p:attrNameLst>
-                                          <p:attrName>style.visibility</p:attrName>
-                                        </p:attrNameLst>
-                                      </p:cBhvr>
-                                      <p:to>
-                                        <p:strVal val="visible"/>
-                                      </p:to>
-                                    </p:set>
-                                  </p:childTnLst>
-                                </p:cTn>
-                              </p:par>
-                            </p:childTnLst>
-                          </p:cTn>
-                        </p:par>
-                      </p:childTnLst>
-                    </p:cTn>
-                  </p:par>
-                </p:childTnLst>
-              </p:cTn>
-              <p:prevCondLst>
-                <p:cond evt="onPrev" delay="0">
-                  <p:tgtEl>
-                    <p:sldTgt/>
-                  </p:tgtEl>
-                </p:cond>
-              </p:prevCondLst>
-              <p:nextCondLst>
-                <p:cond evt="onNext" delay="0">
-                  <p:tgtEl>
-                    <p:sldTgt/>
-                  </p:tgtEl>
-                </p:cond>
-              </p:nextCondLst>
-            </p:seq>
-          </p:childTnLst>
-        </p:cTn>
-      </p:par>
-    </p:tnLst>
-  </p:timing>
-</p:sld>
-</file>
-
-<file path=ppt/slides/slide9.xml><?xml version="1.0" encoding="utf-8"?>
-<p:sld xmlns:a="http://schemas.openxmlformats.org/drawingml/2006/main" xmlns:r="http://schemas.openxmlformats.org/officeDocument/2006/relationships" xmlns:p="http://schemas.openxmlformats.org/presentationml/2006/main">
-  <p:cSld>
     <p:spTree>
       <p:nvGrpSpPr>
         <p:cNvPr id="1" name="Shape 125"/>
@@ -11302,37 +8059,6 @@
           </a:graphicData>
         </a:graphic>
       </p:graphicFrame>
-      <p:pic>
-        <p:nvPicPr>
-          <p:cNvPr id="3" name="Afbeelding 2">
-            <a:hlinkClick r:id="rId4"/>
-            <a:extLst>
-              <a:ext uri="{FF2B5EF4-FFF2-40B4-BE49-F238E27FC236}">
-                <a16:creationId xmlns:a16="http://schemas.microsoft.com/office/drawing/2014/main" id="{4D47EB41-8B90-46FA-9C88-0E2C7D040EB1}"/>
-              </a:ext>
-            </a:extLst>
-          </p:cNvPr>
-          <p:cNvPicPr>
-            <a:picLocks noChangeAspect="1"/>
-          </p:cNvPicPr>
-          <p:nvPr/>
-        </p:nvPicPr>
-        <p:blipFill>
-          <a:blip r:embed="rId5"/>
-          <a:stretch>
-            <a:fillRect/>
-          </a:stretch>
-        </p:blipFill>
-        <p:spPr>
-          <a:xfrm>
-            <a:off x="7762872" y="227601"/>
-            <a:ext cx="954950" cy="997762"/>
-          </a:xfrm>
-          <a:prstGeom prst="rect">
-            <a:avLst/>
-          </a:prstGeom>
-        </p:spPr>
-      </p:pic>
       <p:sp>
         <p:nvSpPr>
           <p:cNvPr id="2" name="Pijl: rechts 1">
@@ -11461,6 +8187,4080 @@
   <p:clrMapOvr>
     <a:masterClrMapping/>
   </p:clrMapOvr>
+  <p:timing>
+    <p:tnLst>
+      <p:par>
+        <p:cTn id="1" dur="indefinite" restart="never" nodeType="tmRoot">
+          <p:childTnLst>
+            <p:seq concurrent="1" nextAc="seek">
+              <p:cTn id="2" dur="indefinite" nodeType="mainSeq">
+                <p:childTnLst>
+                  <p:par>
+                    <p:cTn id="3" fill="hold">
+                      <p:stCondLst>
+                        <p:cond delay="indefinite"/>
+                      </p:stCondLst>
+                      <p:childTnLst>
+                        <p:par>
+                          <p:cTn id="4" fill="hold">
+                            <p:stCondLst>
+                              <p:cond delay="0"/>
+                            </p:stCondLst>
+                            <p:childTnLst>
+                              <p:par>
+                                <p:cTn id="5" presetID="1" presetClass="entr" presetSubtype="0" fill="hold" grpId="0" nodeType="clickEffect">
+                                  <p:stCondLst>
+                                    <p:cond delay="0"/>
+                                  </p:stCondLst>
+                                  <p:childTnLst>
+                                    <p:set>
+                                      <p:cBhvr>
+                                        <p:cTn id="6" dur="1" fill="hold">
+                                          <p:stCondLst>
+                                            <p:cond delay="0"/>
+                                          </p:stCondLst>
+                                        </p:cTn>
+                                        <p:tgtEl>
+                                          <p:spTgt spid="2"/>
+                                        </p:tgtEl>
+                                        <p:attrNameLst>
+                                          <p:attrName>style.visibility</p:attrName>
+                                        </p:attrNameLst>
+                                      </p:cBhvr>
+                                      <p:to>
+                                        <p:strVal val="visible"/>
+                                      </p:to>
+                                    </p:set>
+                                  </p:childTnLst>
+                                </p:cTn>
+                              </p:par>
+                              <p:par>
+                                <p:cTn id="7" presetID="1" presetClass="entr" presetSubtype="0" fill="hold" grpId="0" nodeType="withEffect">
+                                  <p:stCondLst>
+                                    <p:cond delay="0"/>
+                                  </p:stCondLst>
+                                  <p:childTnLst>
+                                    <p:set>
+                                      <p:cBhvr>
+                                        <p:cTn id="8" dur="1" fill="hold">
+                                          <p:stCondLst>
+                                            <p:cond delay="0"/>
+                                          </p:stCondLst>
+                                        </p:cTn>
+                                        <p:tgtEl>
+                                          <p:spTgt spid="4"/>
+                                        </p:tgtEl>
+                                        <p:attrNameLst>
+                                          <p:attrName>style.visibility</p:attrName>
+                                        </p:attrNameLst>
+                                      </p:cBhvr>
+                                      <p:to>
+                                        <p:strVal val="visible"/>
+                                      </p:to>
+                                    </p:set>
+                                  </p:childTnLst>
+                                </p:cTn>
+                              </p:par>
+                            </p:childTnLst>
+                          </p:cTn>
+                        </p:par>
+                      </p:childTnLst>
+                    </p:cTn>
+                  </p:par>
+                </p:childTnLst>
+              </p:cTn>
+              <p:prevCondLst>
+                <p:cond evt="onPrev" delay="0">
+                  <p:tgtEl>
+                    <p:sldTgt/>
+                  </p:tgtEl>
+                </p:cond>
+              </p:prevCondLst>
+              <p:nextCondLst>
+                <p:cond evt="onNext" delay="0">
+                  <p:tgtEl>
+                    <p:sldTgt/>
+                  </p:tgtEl>
+                </p:cond>
+              </p:nextCondLst>
+            </p:seq>
+          </p:childTnLst>
+        </p:cTn>
+      </p:par>
+    </p:tnLst>
+    <p:bldLst>
+      <p:bldP spid="2" grpId="0" animBg="1"/>
+      <p:bldP spid="4" grpId="0"/>
+    </p:bldLst>
+  </p:timing>
+</p:sld>
+</file>
+
+<file path=ppt/slides/slide11.xml><?xml version="1.0" encoding="utf-8"?>
+<p:sld xmlns:a="http://schemas.openxmlformats.org/drawingml/2006/main" xmlns:r="http://schemas.openxmlformats.org/officeDocument/2006/relationships" xmlns:p="http://schemas.openxmlformats.org/presentationml/2006/main">
+  <p:cSld>
+    <p:bg>
+      <p:bgPr>
+        <a:solidFill>
+          <a:schemeClr val="dk1"/>
+        </a:solidFill>
+        <a:effectLst/>
+      </p:bgPr>
+    </p:bg>
+    <p:spTree>
+      <p:nvGrpSpPr>
+        <p:cNvPr id="1" name="Shape 133"/>
+        <p:cNvGrpSpPr/>
+        <p:nvPr/>
+      </p:nvGrpSpPr>
+      <p:grpSpPr>
+        <a:xfrm>
+          <a:off x="0" y="0"/>
+          <a:ext cx="0" cy="0"/>
+          <a:chOff x="0" y="0"/>
+          <a:chExt cx="0" cy="0"/>
+        </a:xfrm>
+      </p:grpSpPr>
+      <p:sp>
+        <p:nvSpPr>
+          <p:cNvPr id="134" name="Google Shape;134;p24"/>
+          <p:cNvSpPr txBox="1">
+            <a:spLocks noGrp="1"/>
+          </p:cNvSpPr>
+          <p:nvPr>
+            <p:ph type="title"/>
+          </p:nvPr>
+        </p:nvSpPr>
+        <p:spPr>
+          <a:xfrm>
+            <a:off x="311700" y="445025"/>
+            <a:ext cx="8520600" cy="572700"/>
+          </a:xfrm>
+          <a:prstGeom prst="rect">
+            <a:avLst/>
+          </a:prstGeom>
+        </p:spPr>
+        <p:txBody>
+          <a:bodyPr spcFirstLastPara="1" wrap="square" lIns="91425" tIns="91425" rIns="91425" bIns="91425" anchor="t" anchorCtr="0">
+            <a:normAutofit fontScale="90000"/>
+          </a:bodyPr>
+          <a:lstStyle/>
+          <a:p>
+            <a:pPr marL="0" lvl="0" indent="0" algn="l" rtl="0">
+              <a:spcBef>
+                <a:spcPts val="0"/>
+              </a:spcBef>
+              <a:spcAft>
+                <a:spcPts val="0"/>
+              </a:spcAft>
+              <a:buNone/>
+            </a:pPr>
+            <a:r>
+              <a:rPr lang="nl">
+                <a:solidFill>
+                  <a:schemeClr val="lt1"/>
+                </a:solidFill>
+              </a:rPr>
+              <a:t>Genetisch algoritme: methode</a:t>
+            </a:r>
+            <a:endParaRPr>
+              <a:solidFill>
+                <a:schemeClr val="lt1"/>
+              </a:solidFill>
+            </a:endParaRPr>
+          </a:p>
+        </p:txBody>
+      </p:sp>
+      <p:sp>
+        <p:nvSpPr>
+          <p:cNvPr id="135" name="Google Shape;135;p24"/>
+          <p:cNvSpPr txBox="1">
+            <a:spLocks noGrp="1"/>
+          </p:cNvSpPr>
+          <p:nvPr>
+            <p:ph type="body" idx="1"/>
+          </p:nvPr>
+        </p:nvSpPr>
+        <p:spPr>
+          <a:xfrm>
+            <a:off x="311700" y="1152475"/>
+            <a:ext cx="8520600" cy="3416400"/>
+          </a:xfrm>
+          <a:prstGeom prst="rect">
+            <a:avLst/>
+          </a:prstGeom>
+        </p:spPr>
+        <p:txBody>
+          <a:bodyPr spcFirstLastPara="1" wrap="square" lIns="91425" tIns="91425" rIns="91425" bIns="91425" anchor="t" anchorCtr="0">
+            <a:normAutofit/>
+          </a:bodyPr>
+          <a:lstStyle/>
+          <a:p>
+            <a:pPr marL="0" lvl="0" indent="0" algn="l" rtl="0">
+              <a:spcBef>
+                <a:spcPts val="1200"/>
+              </a:spcBef>
+              <a:spcAft>
+                <a:spcPts val="0"/>
+              </a:spcAft>
+              <a:buNone/>
+            </a:pPr>
+            <a:endParaRPr>
+              <a:solidFill>
+                <a:schemeClr val="lt1"/>
+              </a:solidFill>
+            </a:endParaRPr>
+          </a:p>
+          <a:p>
+            <a:pPr marL="0" lvl="0" indent="0" algn="l" rtl="0">
+              <a:spcBef>
+                <a:spcPts val="1200"/>
+              </a:spcBef>
+              <a:spcAft>
+                <a:spcPts val="0"/>
+              </a:spcAft>
+              <a:buNone/>
+            </a:pPr>
+            <a:endParaRPr>
+              <a:solidFill>
+                <a:schemeClr val="lt1"/>
+              </a:solidFill>
+            </a:endParaRPr>
+          </a:p>
+        </p:txBody>
+      </p:sp>
+      <p:pic>
+        <p:nvPicPr>
+          <p:cNvPr id="136" name="Google Shape;136;p24"/>
+          <p:cNvPicPr preferRelativeResize="0"/>
+          <p:nvPr/>
+        </p:nvPicPr>
+        <p:blipFill>
+          <a:blip r:embed="rId3">
+            <a:alphaModFix/>
+          </a:blip>
+          <a:stretch>
+            <a:fillRect/>
+          </a:stretch>
+        </p:blipFill>
+        <p:spPr>
+          <a:xfrm>
+            <a:off x="1550946" y="1407530"/>
+            <a:ext cx="5589419" cy="3346975"/>
+          </a:xfrm>
+          <a:prstGeom prst="rect">
+            <a:avLst/>
+          </a:prstGeom>
+          <a:noFill/>
+          <a:ln>
+            <a:noFill/>
+          </a:ln>
+        </p:spPr>
+      </p:pic>
+    </p:spTree>
+  </p:cSld>
+  <p:clrMapOvr>
+    <a:masterClrMapping/>
+  </p:clrMapOvr>
+</p:sld>
+</file>
+
+<file path=ppt/slides/slide12.xml><?xml version="1.0" encoding="utf-8"?>
+<p:sld xmlns:a="http://schemas.openxmlformats.org/drawingml/2006/main" xmlns:r="http://schemas.openxmlformats.org/officeDocument/2006/relationships" xmlns:p="http://schemas.openxmlformats.org/presentationml/2006/main">
+  <p:cSld>
+    <p:spTree>
+      <p:nvGrpSpPr>
+        <p:cNvPr id="1" name=""/>
+        <p:cNvGrpSpPr/>
+        <p:nvPr/>
+      </p:nvGrpSpPr>
+      <p:grpSpPr>
+        <a:xfrm>
+          <a:off x="0" y="0"/>
+          <a:ext cx="0" cy="0"/>
+          <a:chOff x="0" y="0"/>
+          <a:chExt cx="0" cy="0"/>
+        </a:xfrm>
+      </p:grpSpPr>
+      <p:sp>
+        <p:nvSpPr>
+          <p:cNvPr id="2" name="Titel 1">
+            <a:extLst>
+              <a:ext uri="{FF2B5EF4-FFF2-40B4-BE49-F238E27FC236}">
+                <a16:creationId xmlns:a16="http://schemas.microsoft.com/office/drawing/2014/main" id="{573D2B2B-77FF-4617-BABA-EEFAEEDCBB93}"/>
+              </a:ext>
+            </a:extLst>
+          </p:cNvPr>
+          <p:cNvSpPr>
+            <a:spLocks noGrp="1"/>
+          </p:cNvSpPr>
+          <p:nvPr>
+            <p:ph type="title"/>
+          </p:nvPr>
+        </p:nvSpPr>
+        <p:spPr/>
+        <p:txBody>
+          <a:bodyPr>
+            <a:normAutofit fontScale="90000"/>
+          </a:bodyPr>
+          <a:lstStyle/>
+          <a:p>
+            <a:r>
+              <a:rPr lang="nl-NL"/>
+              <a:t>Genetisch algoritme: resultaten</a:t>
+            </a:r>
+          </a:p>
+        </p:txBody>
+      </p:sp>
+      <p:sp>
+        <p:nvSpPr>
+          <p:cNvPr id="3" name="Tijdelijke aanduiding voor tekst 2">
+            <a:extLst>
+              <a:ext uri="{FF2B5EF4-FFF2-40B4-BE49-F238E27FC236}">
+                <a16:creationId xmlns:a16="http://schemas.microsoft.com/office/drawing/2014/main" id="{CC7DF5B2-B4A5-4665-95FE-2837C41E9637}"/>
+              </a:ext>
+            </a:extLst>
+          </p:cNvPr>
+          <p:cNvSpPr>
+            <a:spLocks noGrp="1"/>
+          </p:cNvSpPr>
+          <p:nvPr>
+            <p:ph type="body" idx="1"/>
+          </p:nvPr>
+        </p:nvSpPr>
+        <p:spPr/>
+        <p:txBody>
+          <a:bodyPr/>
+          <a:lstStyle/>
+          <a:p>
+            <a:r>
+              <a:rPr lang="nl-NL"/>
+              <a:t>324 verschillende configuraties</a:t>
+            </a:r>
+          </a:p>
+          <a:p>
+            <a:pPr lvl="1"/>
+            <a:r>
+              <a:rPr lang="nl-NL"/>
+              <a:t>Selectie, </a:t>
+            </a:r>
+            <a:r>
+              <a:rPr lang="nl-NL" err="1"/>
+              <a:t>crossover</a:t>
+            </a:r>
+            <a:r>
+              <a:rPr lang="nl-NL"/>
+              <a:t>, populatiegrootte, mutatiekans, aantal generaties</a:t>
+            </a:r>
+          </a:p>
+          <a:p>
+            <a:r>
+              <a:rPr lang="nl-NL"/>
+              <a:t>91k runs in totaal (rijen aan resultaten)</a:t>
+            </a:r>
+          </a:p>
+        </p:txBody>
+      </p:sp>
+      <p:pic>
+        <p:nvPicPr>
+          <p:cNvPr id="5" name="Afbeelding 4">
+            <a:extLst>
+              <a:ext uri="{FF2B5EF4-FFF2-40B4-BE49-F238E27FC236}">
+                <a16:creationId xmlns:a16="http://schemas.microsoft.com/office/drawing/2014/main" id="{53AD5EA1-16A9-49E7-9073-712B33D118F0}"/>
+              </a:ext>
+            </a:extLst>
+          </p:cNvPr>
+          <p:cNvPicPr>
+            <a:picLocks noChangeAspect="1"/>
+          </p:cNvPicPr>
+          <p:nvPr/>
+        </p:nvPicPr>
+        <p:blipFill>
+          <a:blip r:embed="rId2"/>
+          <a:stretch>
+            <a:fillRect/>
+          </a:stretch>
+        </p:blipFill>
+        <p:spPr>
+          <a:xfrm>
+            <a:off x="716737" y="2165684"/>
+            <a:ext cx="3467507" cy="2600630"/>
+          </a:xfrm>
+          <a:prstGeom prst="rect">
+            <a:avLst/>
+          </a:prstGeom>
+        </p:spPr>
+      </p:pic>
+      <p:pic>
+        <p:nvPicPr>
+          <p:cNvPr id="7" name="Afbeelding 6">
+            <a:extLst>
+              <a:ext uri="{FF2B5EF4-FFF2-40B4-BE49-F238E27FC236}">
+                <a16:creationId xmlns:a16="http://schemas.microsoft.com/office/drawing/2014/main" id="{6B9584EA-D8A7-4288-AB59-3691AF104B08}"/>
+              </a:ext>
+            </a:extLst>
+          </p:cNvPr>
+          <p:cNvPicPr>
+            <a:picLocks noChangeAspect="1"/>
+          </p:cNvPicPr>
+          <p:nvPr/>
+        </p:nvPicPr>
+        <p:blipFill>
+          <a:blip r:embed="rId3"/>
+          <a:stretch>
+            <a:fillRect/>
+          </a:stretch>
+        </p:blipFill>
+        <p:spPr>
+          <a:xfrm>
+            <a:off x="4883102" y="2165684"/>
+            <a:ext cx="3467507" cy="2600630"/>
+          </a:xfrm>
+          <a:prstGeom prst="rect">
+            <a:avLst/>
+          </a:prstGeom>
+        </p:spPr>
+      </p:pic>
+      <p:pic>
+        <p:nvPicPr>
+          <p:cNvPr id="6" name="Afbeelding 5">
+            <a:hlinkClick r:id="rId4"/>
+            <a:extLst>
+              <a:ext uri="{FF2B5EF4-FFF2-40B4-BE49-F238E27FC236}">
+                <a16:creationId xmlns:a16="http://schemas.microsoft.com/office/drawing/2014/main" id="{D7BDDFB6-5E3B-4276-B9A4-DC0E59BE36C1}"/>
+              </a:ext>
+            </a:extLst>
+          </p:cNvPr>
+          <p:cNvPicPr>
+            <a:picLocks noChangeAspect="1"/>
+          </p:cNvPicPr>
+          <p:nvPr/>
+        </p:nvPicPr>
+        <p:blipFill>
+          <a:blip r:embed="rId5"/>
+          <a:stretch>
+            <a:fillRect/>
+          </a:stretch>
+        </p:blipFill>
+        <p:spPr>
+          <a:xfrm>
+            <a:off x="7762872" y="227601"/>
+            <a:ext cx="954950" cy="997762"/>
+          </a:xfrm>
+          <a:prstGeom prst="rect">
+            <a:avLst/>
+          </a:prstGeom>
+        </p:spPr>
+      </p:pic>
+    </p:spTree>
+    <p:extLst>
+      <p:ext uri="{BB962C8B-B14F-4D97-AF65-F5344CB8AC3E}">
+        <p14:creationId xmlns:p14="http://schemas.microsoft.com/office/powerpoint/2010/main" val="1871102804"/>
+      </p:ext>
+    </p:extLst>
+  </p:cSld>
+  <p:clrMapOvr>
+    <a:masterClrMapping/>
+  </p:clrMapOvr>
+</p:sld>
+</file>
+
+<file path=ppt/slides/slide13.xml><?xml version="1.0" encoding="utf-8"?>
+<p:sld xmlns:a="http://schemas.openxmlformats.org/drawingml/2006/main" xmlns:r="http://schemas.openxmlformats.org/officeDocument/2006/relationships" xmlns:p="http://schemas.openxmlformats.org/presentationml/2006/main">
+  <p:cSld>
+    <p:spTree>
+      <p:nvGrpSpPr>
+        <p:cNvPr id="1" name=""/>
+        <p:cNvGrpSpPr/>
+        <p:nvPr/>
+      </p:nvGrpSpPr>
+      <p:grpSpPr>
+        <a:xfrm>
+          <a:off x="0" y="0"/>
+          <a:ext cx="0" cy="0"/>
+          <a:chOff x="0" y="0"/>
+          <a:chExt cx="0" cy="0"/>
+        </a:xfrm>
+      </p:grpSpPr>
+      <p:sp>
+        <p:nvSpPr>
+          <p:cNvPr id="2" name="Titel 1">
+            <a:extLst>
+              <a:ext uri="{FF2B5EF4-FFF2-40B4-BE49-F238E27FC236}">
+                <a16:creationId xmlns:a16="http://schemas.microsoft.com/office/drawing/2014/main" id="{534BD26F-8C57-4004-BE03-76324A923689}"/>
+              </a:ext>
+            </a:extLst>
+          </p:cNvPr>
+          <p:cNvSpPr>
+            <a:spLocks noGrp="1"/>
+          </p:cNvSpPr>
+          <p:nvPr>
+            <p:ph type="title"/>
+          </p:nvPr>
+        </p:nvSpPr>
+        <p:spPr/>
+        <p:txBody>
+          <a:bodyPr>
+            <a:normAutofit fontScale="90000"/>
+          </a:bodyPr>
+          <a:lstStyle/>
+          <a:p>
+            <a:r>
+              <a:rPr lang="nl-NL"/>
+              <a:t>Genetisch algoritme: resultaten</a:t>
+            </a:r>
+          </a:p>
+        </p:txBody>
+      </p:sp>
+      <p:sp>
+        <p:nvSpPr>
+          <p:cNvPr id="3" name="Tijdelijke aanduiding voor tekst 2">
+            <a:extLst>
+              <a:ext uri="{FF2B5EF4-FFF2-40B4-BE49-F238E27FC236}">
+                <a16:creationId xmlns:a16="http://schemas.microsoft.com/office/drawing/2014/main" id="{E84067D7-CF5C-44CD-BA07-4EA7B62AA714}"/>
+              </a:ext>
+            </a:extLst>
+          </p:cNvPr>
+          <p:cNvSpPr>
+            <a:spLocks noGrp="1"/>
+          </p:cNvSpPr>
+          <p:nvPr>
+            <p:ph type="body" idx="1"/>
+          </p:nvPr>
+        </p:nvSpPr>
+        <p:spPr/>
+        <p:txBody>
+          <a:bodyPr/>
+          <a:lstStyle/>
+          <a:p>
+            <a:r>
+              <a:rPr lang="nl-NL"/>
+              <a:t>Hoe hoger de populatiegrootte en generaties, hoe beter het resultaat</a:t>
+            </a:r>
+          </a:p>
+          <a:p>
+            <a:pPr lvl="1"/>
+            <a:r>
+              <a:rPr lang="nl-NL"/>
+              <a:t>Tijdsafweging. </a:t>
+            </a:r>
+            <a:r>
+              <a:rPr lang="nl-NL" err="1"/>
+              <a:t>Sweet</a:t>
+            </a:r>
+            <a:r>
+              <a:rPr lang="nl-NL"/>
+              <a:t> spot: populatie van 10.000 met 200 generaties.</a:t>
+            </a:r>
+          </a:p>
+          <a:p>
+            <a:r>
+              <a:rPr lang="nl-NL"/>
+              <a:t>Beste configuraties: </a:t>
+            </a:r>
+          </a:p>
+          <a:p>
+            <a:endParaRPr lang="nl-NL"/>
+          </a:p>
+          <a:p>
+            <a:endParaRPr lang="nl-NL"/>
+          </a:p>
+          <a:p>
+            <a:endParaRPr lang="nl-NL"/>
+          </a:p>
+          <a:p>
+            <a:endParaRPr lang="nl-NL"/>
+          </a:p>
+          <a:p>
+            <a:endParaRPr lang="nl-NL"/>
+          </a:p>
+          <a:p>
+            <a:endParaRPr lang="nl-NL"/>
+          </a:p>
+          <a:p>
+            <a:r>
+              <a:rPr lang="nl-NL"/>
+              <a:t>Conclusie: scoort constant, maar </a:t>
+            </a:r>
+            <a:r>
+              <a:rPr lang="nl-NL" err="1"/>
+              <a:t>hillclimber</a:t>
+            </a:r>
+            <a:r>
+              <a:rPr lang="nl-NL"/>
+              <a:t> scoort soms hoger </a:t>
+            </a:r>
+            <a:r>
+              <a:rPr lang="nl-NL">
+                <a:sym typeface="Wingdings" panose="05000000000000000000" pitchFamily="2" charset="2"/>
+              </a:rPr>
+              <a:t></a:t>
+            </a:r>
+            <a:endParaRPr lang="nl-NL"/>
+          </a:p>
+        </p:txBody>
+      </p:sp>
+      <p:pic>
+        <p:nvPicPr>
+          <p:cNvPr id="5" name="Afbeelding 4">
+            <a:extLst>
+              <a:ext uri="{FF2B5EF4-FFF2-40B4-BE49-F238E27FC236}">
+                <a16:creationId xmlns:a16="http://schemas.microsoft.com/office/drawing/2014/main" id="{4DB59278-DDA5-4388-B812-F50A0FDBDFBA}"/>
+              </a:ext>
+            </a:extLst>
+          </p:cNvPr>
+          <p:cNvPicPr>
+            <a:picLocks noChangeAspect="1"/>
+          </p:cNvPicPr>
+          <p:nvPr/>
+        </p:nvPicPr>
+        <p:blipFill>
+          <a:blip r:embed="rId2"/>
+          <a:stretch>
+            <a:fillRect/>
+          </a:stretch>
+        </p:blipFill>
+        <p:spPr>
+          <a:xfrm>
+            <a:off x="983152" y="2496123"/>
+            <a:ext cx="6641432" cy="1090796"/>
+          </a:xfrm>
+          <a:prstGeom prst="rect">
+            <a:avLst/>
+          </a:prstGeom>
+        </p:spPr>
+      </p:pic>
+    </p:spTree>
+    <p:extLst>
+      <p:ext uri="{BB962C8B-B14F-4D97-AF65-F5344CB8AC3E}">
+        <p14:creationId xmlns:p14="http://schemas.microsoft.com/office/powerpoint/2010/main" val="1415137384"/>
+      </p:ext>
+    </p:extLst>
+  </p:cSld>
+  <p:clrMapOvr>
+    <a:masterClrMapping/>
+  </p:clrMapOvr>
+</p:sld>
+</file>
+
+<file path=ppt/slides/slide14.xml><?xml version="1.0" encoding="utf-8"?>
+<p:sld xmlns:a="http://schemas.openxmlformats.org/drawingml/2006/main" xmlns:r="http://schemas.openxmlformats.org/officeDocument/2006/relationships" xmlns:p="http://schemas.openxmlformats.org/presentationml/2006/main">
+  <p:cSld>
+    <p:spTree>
+      <p:nvGrpSpPr>
+        <p:cNvPr id="1" name=""/>
+        <p:cNvGrpSpPr/>
+        <p:nvPr/>
+      </p:nvGrpSpPr>
+      <p:grpSpPr>
+        <a:xfrm>
+          <a:off x="0" y="0"/>
+          <a:ext cx="0" cy="0"/>
+          <a:chOff x="0" y="0"/>
+          <a:chExt cx="0" cy="0"/>
+        </a:xfrm>
+      </p:grpSpPr>
+      <p:sp>
+        <p:nvSpPr>
+          <p:cNvPr id="2" name="Titel 1">
+            <a:extLst>
+              <a:ext uri="{FF2B5EF4-FFF2-40B4-BE49-F238E27FC236}">
+                <a16:creationId xmlns:a16="http://schemas.microsoft.com/office/drawing/2014/main" id="{DF440304-03D7-4D76-9C2F-5F4183D5EBEC}"/>
+              </a:ext>
+            </a:extLst>
+          </p:cNvPr>
+          <p:cNvSpPr>
+            <a:spLocks noGrp="1"/>
+          </p:cNvSpPr>
+          <p:nvPr>
+            <p:ph type="title"/>
+          </p:nvPr>
+        </p:nvSpPr>
+        <p:spPr/>
+        <p:txBody>
+          <a:bodyPr>
+            <a:normAutofit fontScale="90000"/>
+          </a:bodyPr>
+          <a:lstStyle/>
+          <a:p>
+            <a:r>
+              <a:rPr lang="nl-NL" err="1"/>
+              <a:t>Hillclimber</a:t>
+            </a:r>
+            <a:r>
+              <a:rPr lang="nl-NL"/>
+              <a:t>: methode en resultaten</a:t>
+            </a:r>
+          </a:p>
+        </p:txBody>
+      </p:sp>
+      <p:sp>
+        <p:nvSpPr>
+          <p:cNvPr id="3" name="Tijdelijke aanduiding voor tekst 2">
+            <a:extLst>
+              <a:ext uri="{FF2B5EF4-FFF2-40B4-BE49-F238E27FC236}">
+                <a16:creationId xmlns:a16="http://schemas.microsoft.com/office/drawing/2014/main" id="{68451018-F675-4C2B-9FDC-3507F95B0C87}"/>
+              </a:ext>
+            </a:extLst>
+          </p:cNvPr>
+          <p:cNvSpPr>
+            <a:spLocks noGrp="1"/>
+          </p:cNvSpPr>
+          <p:nvPr>
+            <p:ph type="body" idx="1"/>
+          </p:nvPr>
+        </p:nvSpPr>
+        <p:spPr/>
+        <p:txBody>
+          <a:bodyPr/>
+          <a:lstStyle/>
+          <a:p>
+            <a:r>
+              <a:rPr lang="nl-NL" dirty="0"/>
+              <a:t>Iteratief algoritme</a:t>
+            </a:r>
+          </a:p>
+          <a:p>
+            <a:pPr>
+              <a:lnSpc>
+                <a:spcPct val="114999"/>
+              </a:lnSpc>
+            </a:pPr>
+            <a:r>
+              <a:rPr lang="nl-NL" dirty="0"/>
+              <a:t>Genereert R aantal random routes</a:t>
+            </a:r>
+          </a:p>
+          <a:p>
+            <a:pPr>
+              <a:lnSpc>
+                <a:spcPct val="114999"/>
+              </a:lnSpc>
+            </a:pPr>
+            <a:r>
+              <a:rPr lang="nl-NL" dirty="0"/>
+              <a:t>Kiest route die resulteert in hoogste score</a:t>
+            </a:r>
+          </a:p>
+          <a:p>
+            <a:pPr>
+              <a:lnSpc>
+                <a:spcPct val="114999"/>
+              </a:lnSpc>
+            </a:pPr>
+            <a:r>
+              <a:rPr lang="nl-NL" dirty="0"/>
+              <a:t>Erg afhankelijk van input oplossing</a:t>
+            </a:r>
+          </a:p>
+          <a:p>
+            <a:pPr>
+              <a:lnSpc>
+                <a:spcPct val="114999"/>
+              </a:lnSpc>
+            </a:pPr>
+            <a:endParaRPr lang="nl-NL" dirty="0"/>
+          </a:p>
+          <a:p>
+            <a:pPr>
+              <a:lnSpc>
+                <a:spcPct val="114999"/>
+              </a:lnSpc>
+            </a:pPr>
+            <a:endParaRPr lang="nl-NL" dirty="0"/>
+          </a:p>
+          <a:p>
+            <a:pPr>
+              <a:lnSpc>
+                <a:spcPct val="114999"/>
+              </a:lnSpc>
+            </a:pPr>
+            <a:endParaRPr lang="nl-NL" dirty="0"/>
+          </a:p>
+          <a:p>
+            <a:pPr>
+              <a:lnSpc>
+                <a:spcPct val="114999"/>
+              </a:lnSpc>
+            </a:pPr>
+            <a:endParaRPr lang="nl-NL" dirty="0"/>
+          </a:p>
+          <a:p>
+            <a:pPr>
+              <a:lnSpc>
+                <a:spcPct val="114999"/>
+              </a:lnSpc>
+            </a:pPr>
+            <a:endParaRPr lang="nl-NL" dirty="0"/>
+          </a:p>
+          <a:p>
+            <a:pPr>
+              <a:lnSpc>
+                <a:spcPct val="114999"/>
+              </a:lnSpc>
+            </a:pPr>
+            <a:r>
+              <a:rPr lang="nl-NL" dirty="0"/>
+              <a:t>Conclusie: hoge scores, redelijk snel, wel wat inconsistent  </a:t>
+            </a:r>
+          </a:p>
+          <a:p>
+            <a:pPr>
+              <a:lnSpc>
+                <a:spcPct val="114999"/>
+              </a:lnSpc>
+            </a:pPr>
+            <a:endParaRPr lang="nl-NL" dirty="0"/>
+          </a:p>
+          <a:p>
+            <a:pPr>
+              <a:lnSpc>
+                <a:spcPct val="114999"/>
+              </a:lnSpc>
+            </a:pPr>
+            <a:endParaRPr lang="nl-NL" dirty="0"/>
+          </a:p>
+        </p:txBody>
+      </p:sp>
+      <p:pic>
+        <p:nvPicPr>
+          <p:cNvPr id="7" name="Afbeelding 6">
+            <a:extLst>
+              <a:ext uri="{FF2B5EF4-FFF2-40B4-BE49-F238E27FC236}">
+                <a16:creationId xmlns:a16="http://schemas.microsoft.com/office/drawing/2014/main" id="{1F7602D7-5221-4A91-851F-A81F8F39333E}"/>
+              </a:ext>
+            </a:extLst>
+          </p:cNvPr>
+          <p:cNvPicPr>
+            <a:picLocks noChangeAspect="1"/>
+          </p:cNvPicPr>
+          <p:nvPr/>
+        </p:nvPicPr>
+        <p:blipFill>
+          <a:blip r:embed="rId3"/>
+          <a:stretch>
+            <a:fillRect/>
+          </a:stretch>
+        </p:blipFill>
+        <p:spPr>
+          <a:xfrm>
+            <a:off x="5380837" y="1425106"/>
+            <a:ext cx="3348336" cy="2511252"/>
+          </a:xfrm>
+          <a:prstGeom prst="rect">
+            <a:avLst/>
+          </a:prstGeom>
+        </p:spPr>
+      </p:pic>
+    </p:spTree>
+    <p:extLst>
+      <p:ext uri="{BB962C8B-B14F-4D97-AF65-F5344CB8AC3E}">
+        <p14:creationId xmlns:p14="http://schemas.microsoft.com/office/powerpoint/2010/main" val="4291659974"/>
+      </p:ext>
+    </p:extLst>
+  </p:cSld>
+  <p:clrMapOvr>
+    <a:masterClrMapping/>
+  </p:clrMapOvr>
+</p:sld>
+</file>
+
+<file path=ppt/slides/slide15.xml><?xml version="1.0" encoding="utf-8"?>
+<p:sld xmlns:a="http://schemas.openxmlformats.org/drawingml/2006/main" xmlns:r="http://schemas.openxmlformats.org/officeDocument/2006/relationships" xmlns:p="http://schemas.openxmlformats.org/presentationml/2006/main">
+  <p:cSld>
+    <p:spTree>
+      <p:nvGrpSpPr>
+        <p:cNvPr id="1" name=""/>
+        <p:cNvGrpSpPr/>
+        <p:nvPr/>
+      </p:nvGrpSpPr>
+      <p:grpSpPr>
+        <a:xfrm>
+          <a:off x="0" y="0"/>
+          <a:ext cx="0" cy="0"/>
+          <a:chOff x="0" y="0"/>
+          <a:chExt cx="0" cy="0"/>
+        </a:xfrm>
+      </p:grpSpPr>
+      <p:sp>
+        <p:nvSpPr>
+          <p:cNvPr id="2" name="Titel 1">
+            <a:extLst>
+              <a:ext uri="{FF2B5EF4-FFF2-40B4-BE49-F238E27FC236}">
+                <a16:creationId xmlns:a16="http://schemas.microsoft.com/office/drawing/2014/main" id="{7DCFC508-892B-429E-9EF3-3320C5F6636D}"/>
+              </a:ext>
+            </a:extLst>
+          </p:cNvPr>
+          <p:cNvSpPr>
+            <a:spLocks noGrp="1"/>
+          </p:cNvSpPr>
+          <p:nvPr>
+            <p:ph type="title"/>
+          </p:nvPr>
+        </p:nvSpPr>
+        <p:spPr/>
+        <p:txBody>
+          <a:bodyPr>
+            <a:normAutofit fontScale="90000"/>
+          </a:bodyPr>
+          <a:lstStyle/>
+          <a:p>
+            <a:r>
+              <a:rPr lang="nl-NL"/>
+              <a:t>Genetisch algoritme met </a:t>
+            </a:r>
+            <a:r>
+              <a:rPr lang="nl-NL" err="1"/>
+              <a:t>hillclimber</a:t>
+            </a:r>
+            <a:endParaRPr lang="nl-NL"/>
+          </a:p>
+        </p:txBody>
+      </p:sp>
+      <p:sp>
+        <p:nvSpPr>
+          <p:cNvPr id="3" name="Tijdelijke aanduiding voor tekst 2">
+            <a:extLst>
+              <a:ext uri="{FF2B5EF4-FFF2-40B4-BE49-F238E27FC236}">
+                <a16:creationId xmlns:a16="http://schemas.microsoft.com/office/drawing/2014/main" id="{7A774F9C-808A-476B-9019-BE2A12D015C0}"/>
+              </a:ext>
+            </a:extLst>
+          </p:cNvPr>
+          <p:cNvSpPr>
+            <a:spLocks noGrp="1"/>
+          </p:cNvSpPr>
+          <p:nvPr>
+            <p:ph type="body" idx="1"/>
+          </p:nvPr>
+        </p:nvSpPr>
+        <p:spPr/>
+        <p:txBody>
+          <a:bodyPr>
+            <a:normAutofit fontScale="85000" lnSpcReduction="20000"/>
+          </a:bodyPr>
+          <a:lstStyle/>
+          <a:p>
+            <a:r>
+              <a:rPr lang="nl-NL"/>
+              <a:t>Elke 10% van de generaties: </a:t>
+            </a:r>
+            <a:r>
+              <a:rPr lang="nl-NL" err="1"/>
+              <a:t>hillclimben</a:t>
+            </a:r>
+            <a:r>
+              <a:rPr lang="nl-NL"/>
+              <a:t>!</a:t>
+            </a:r>
+          </a:p>
+          <a:p>
+            <a:endParaRPr lang="nl-NL"/>
+          </a:p>
+          <a:p>
+            <a:r>
+              <a:rPr lang="nl-NL"/>
+              <a:t>Na 8 runs:</a:t>
+            </a:r>
+          </a:p>
+          <a:p>
+            <a:pPr lvl="1"/>
+            <a:r>
+              <a:rPr lang="nl-NL"/>
+              <a:t>Gemiddelde: 7023</a:t>
+            </a:r>
+          </a:p>
+          <a:p>
+            <a:pPr lvl="1"/>
+            <a:r>
+              <a:rPr lang="nl-NL"/>
+              <a:t>Hoogste: 7070</a:t>
+            </a:r>
+          </a:p>
+          <a:p>
+            <a:endParaRPr lang="nl-NL"/>
+          </a:p>
+          <a:p>
+            <a:endParaRPr lang="nl-NL"/>
+          </a:p>
+          <a:p>
+            <a:endParaRPr lang="nl-NL"/>
+          </a:p>
+          <a:p>
+            <a:endParaRPr lang="nl-NL"/>
+          </a:p>
+          <a:p>
+            <a:endParaRPr lang="nl-NL"/>
+          </a:p>
+          <a:p>
+            <a:endParaRPr lang="nl-NL"/>
+          </a:p>
+          <a:p>
+            <a:endParaRPr lang="nl-NL"/>
+          </a:p>
+          <a:p>
+            <a:endParaRPr lang="nl-NL"/>
+          </a:p>
+          <a:p>
+            <a:r>
+              <a:rPr lang="nl-NL"/>
+              <a:t>Conclusie: goede, constante score, maar tijdsintensief (+- 30 min per run)</a:t>
+            </a:r>
+          </a:p>
+          <a:p>
+            <a:pPr marL="114300" indent="0">
+              <a:buNone/>
+            </a:pPr>
+            <a:endParaRPr lang="nl-NL"/>
+          </a:p>
+        </p:txBody>
+      </p:sp>
+      <p:pic>
+        <p:nvPicPr>
+          <p:cNvPr id="5" name="Afbeelding 4">
+            <a:extLst>
+              <a:ext uri="{FF2B5EF4-FFF2-40B4-BE49-F238E27FC236}">
+                <a16:creationId xmlns:a16="http://schemas.microsoft.com/office/drawing/2014/main" id="{9EE3FED6-EC35-47E7-9B35-1217940D701B}"/>
+              </a:ext>
+            </a:extLst>
+          </p:cNvPr>
+          <p:cNvPicPr>
+            <a:picLocks noChangeAspect="1"/>
+          </p:cNvPicPr>
+          <p:nvPr/>
+        </p:nvPicPr>
+        <p:blipFill>
+          <a:blip r:embed="rId2"/>
+          <a:stretch>
+            <a:fillRect/>
+          </a:stretch>
+        </p:blipFill>
+        <p:spPr>
+          <a:xfrm>
+            <a:off x="5048106" y="1152475"/>
+            <a:ext cx="3632511" cy="2724383"/>
+          </a:xfrm>
+          <a:prstGeom prst="rect">
+            <a:avLst/>
+          </a:prstGeom>
+        </p:spPr>
+      </p:pic>
+    </p:spTree>
+    <p:extLst>
+      <p:ext uri="{BB962C8B-B14F-4D97-AF65-F5344CB8AC3E}">
+        <p14:creationId xmlns:p14="http://schemas.microsoft.com/office/powerpoint/2010/main" val="3413809530"/>
+      </p:ext>
+    </p:extLst>
+  </p:cSld>
+  <p:clrMapOvr>
+    <a:masterClrMapping/>
+  </p:clrMapOvr>
+</p:sld>
+</file>
+
+<file path=ppt/slides/slide16.xml><?xml version="1.0" encoding="utf-8"?>
+<p:sld xmlns:a="http://schemas.openxmlformats.org/drawingml/2006/main" xmlns:r="http://schemas.openxmlformats.org/officeDocument/2006/relationships" xmlns:p="http://schemas.openxmlformats.org/presentationml/2006/main">
+  <p:cSld>
+    <p:spTree>
+      <p:nvGrpSpPr>
+        <p:cNvPr id="1" name=""/>
+        <p:cNvGrpSpPr/>
+        <p:nvPr/>
+      </p:nvGrpSpPr>
+      <p:grpSpPr>
+        <a:xfrm>
+          <a:off x="0" y="0"/>
+          <a:ext cx="0" cy="0"/>
+          <a:chOff x="0" y="0"/>
+          <a:chExt cx="0" cy="0"/>
+        </a:xfrm>
+      </p:grpSpPr>
+      <p:sp>
+        <p:nvSpPr>
+          <p:cNvPr id="2" name="Titel 1">
+            <a:extLst>
+              <a:ext uri="{FF2B5EF4-FFF2-40B4-BE49-F238E27FC236}">
+                <a16:creationId xmlns:a16="http://schemas.microsoft.com/office/drawing/2014/main" id="{1A6F02C9-8823-4F85-ACF6-F1209A79E0F6}"/>
+              </a:ext>
+            </a:extLst>
+          </p:cNvPr>
+          <p:cNvSpPr>
+            <a:spLocks noGrp="1"/>
+          </p:cNvSpPr>
+          <p:nvPr>
+            <p:ph type="title"/>
+          </p:nvPr>
+        </p:nvSpPr>
+        <p:spPr/>
+        <p:txBody>
+          <a:bodyPr>
+            <a:normAutofit fontScale="90000"/>
+          </a:bodyPr>
+          <a:lstStyle/>
+          <a:p>
+            <a:r>
+              <a:rPr lang="nl-NL"/>
+              <a:t>Conclusie</a:t>
+            </a:r>
+          </a:p>
+        </p:txBody>
+      </p:sp>
+      <p:sp>
+        <p:nvSpPr>
+          <p:cNvPr id="3" name="Tijdelijke aanduiding voor tekst 2">
+            <a:extLst>
+              <a:ext uri="{FF2B5EF4-FFF2-40B4-BE49-F238E27FC236}">
+                <a16:creationId xmlns:a16="http://schemas.microsoft.com/office/drawing/2014/main" id="{B04070B2-78F2-4B0E-964E-5A00E939F2A3}"/>
+              </a:ext>
+            </a:extLst>
+          </p:cNvPr>
+          <p:cNvSpPr>
+            <a:spLocks noGrp="1"/>
+          </p:cNvSpPr>
+          <p:nvPr>
+            <p:ph type="body" idx="1"/>
+          </p:nvPr>
+        </p:nvSpPr>
+        <p:spPr/>
+        <p:txBody>
+          <a:bodyPr/>
+          <a:lstStyle/>
+          <a:p>
+            <a:r>
+              <a:rPr lang="nl-NL"/>
+              <a:t>Gemaakte algoritmen scoren beter dan random baseline</a:t>
+            </a:r>
+          </a:p>
+          <a:p>
+            <a:r>
+              <a:rPr lang="nl-NL"/>
+              <a:t>Iteratieve algoritmen lijken beter te werken</a:t>
+            </a:r>
+          </a:p>
+          <a:p>
+            <a:r>
+              <a:rPr lang="nl-NL" err="1"/>
+              <a:t>Hillclimber</a:t>
+            </a:r>
+            <a:r>
+              <a:rPr lang="nl-NL"/>
+              <a:t> scoort snel hoog, maar heeft bij pech ook potentie tot hele lage scores</a:t>
+            </a:r>
+          </a:p>
+          <a:p>
+            <a:r>
+              <a:rPr lang="nl-NL"/>
+              <a:t>Genetisch is betrouwbaar, maar ietsje lager</a:t>
+            </a:r>
+          </a:p>
+          <a:p>
+            <a:r>
+              <a:rPr lang="nl-NL"/>
+              <a:t>Voor de hoogste score: genetisch + </a:t>
+            </a:r>
+            <a:r>
+              <a:rPr lang="nl-NL" err="1"/>
+              <a:t>hillclimber</a:t>
+            </a:r>
+            <a:endParaRPr lang="nl-NL"/>
+          </a:p>
+        </p:txBody>
+      </p:sp>
+      <p:pic>
+        <p:nvPicPr>
+          <p:cNvPr id="5" name="Afbeelding 4">
+            <a:extLst>
+              <a:ext uri="{FF2B5EF4-FFF2-40B4-BE49-F238E27FC236}">
+                <a16:creationId xmlns:a16="http://schemas.microsoft.com/office/drawing/2014/main" id="{C07E2F43-E706-4D7F-8C85-58A11A764C31}"/>
+              </a:ext>
+            </a:extLst>
+          </p:cNvPr>
+          <p:cNvPicPr>
+            <a:picLocks noChangeAspect="1"/>
+          </p:cNvPicPr>
+          <p:nvPr/>
+        </p:nvPicPr>
+        <p:blipFill>
+          <a:blip r:embed="rId2"/>
+          <a:stretch>
+            <a:fillRect/>
+          </a:stretch>
+        </p:blipFill>
+        <p:spPr>
+          <a:xfrm>
+            <a:off x="5630778" y="2434246"/>
+            <a:ext cx="3407777" cy="1863845"/>
+          </a:xfrm>
+          <a:prstGeom prst="rect">
+            <a:avLst/>
+          </a:prstGeom>
+        </p:spPr>
+      </p:pic>
+    </p:spTree>
+    <p:extLst>
+      <p:ext uri="{BB962C8B-B14F-4D97-AF65-F5344CB8AC3E}">
+        <p14:creationId xmlns:p14="http://schemas.microsoft.com/office/powerpoint/2010/main" val="851988608"/>
+      </p:ext>
+    </p:extLst>
+  </p:cSld>
+  <p:clrMapOvr>
+    <a:masterClrMapping/>
+  </p:clrMapOvr>
+</p:sld>
+</file>
+
+<file path=ppt/slides/slide17.xml><?xml version="1.0" encoding="utf-8"?>
+<p:sld xmlns:a="http://schemas.openxmlformats.org/drawingml/2006/main" xmlns:r="http://schemas.openxmlformats.org/officeDocument/2006/relationships" xmlns:p="http://schemas.openxmlformats.org/presentationml/2006/main">
+  <p:cSld>
+    <p:spTree>
+      <p:nvGrpSpPr>
+        <p:cNvPr id="1" name=""/>
+        <p:cNvGrpSpPr/>
+        <p:nvPr/>
+      </p:nvGrpSpPr>
+      <p:grpSpPr>
+        <a:xfrm>
+          <a:off x="0" y="0"/>
+          <a:ext cx="0" cy="0"/>
+          <a:chOff x="0" y="0"/>
+          <a:chExt cx="0" cy="0"/>
+        </a:xfrm>
+      </p:grpSpPr>
+      <p:sp>
+        <p:nvSpPr>
+          <p:cNvPr id="2" name="Titel 1">
+            <a:extLst>
+              <a:ext uri="{FF2B5EF4-FFF2-40B4-BE49-F238E27FC236}">
+                <a16:creationId xmlns:a16="http://schemas.microsoft.com/office/drawing/2014/main" id="{D250743C-AB38-4169-9E16-EA08B9540262}"/>
+              </a:ext>
+            </a:extLst>
+          </p:cNvPr>
+          <p:cNvSpPr>
+            <a:spLocks noGrp="1"/>
+          </p:cNvSpPr>
+          <p:nvPr>
+            <p:ph type="title"/>
+          </p:nvPr>
+        </p:nvSpPr>
+        <p:spPr/>
+        <p:txBody>
+          <a:bodyPr>
+            <a:normAutofit fontScale="90000"/>
+          </a:bodyPr>
+          <a:lstStyle/>
+          <a:p>
+            <a:r>
+              <a:rPr lang="nl-NL" dirty="0" err="1"/>
+              <a:t>Future</a:t>
+            </a:r>
+            <a:r>
+              <a:rPr lang="nl-NL" dirty="0"/>
+              <a:t> </a:t>
+            </a:r>
+            <a:r>
+              <a:rPr lang="nl-NL" dirty="0" err="1"/>
+              <a:t>work</a:t>
+            </a:r>
+            <a:endParaRPr lang="nl-NL" dirty="0"/>
+          </a:p>
+        </p:txBody>
+      </p:sp>
+      <p:sp>
+        <p:nvSpPr>
+          <p:cNvPr id="3" name="Tijdelijke aanduiding voor tekst 2">
+            <a:extLst>
+              <a:ext uri="{FF2B5EF4-FFF2-40B4-BE49-F238E27FC236}">
+                <a16:creationId xmlns:a16="http://schemas.microsoft.com/office/drawing/2014/main" id="{ED06BAD3-D7DB-4C22-A964-6C7B781057EF}"/>
+              </a:ext>
+            </a:extLst>
+          </p:cNvPr>
+          <p:cNvSpPr>
+            <a:spLocks noGrp="1"/>
+          </p:cNvSpPr>
+          <p:nvPr>
+            <p:ph type="body" idx="1"/>
+          </p:nvPr>
+        </p:nvSpPr>
+        <p:spPr/>
+        <p:txBody>
+          <a:bodyPr/>
+          <a:lstStyle/>
+          <a:p>
+            <a:r>
+              <a:rPr lang="nl-NL" dirty="0" err="1"/>
+              <a:t>Hillclimber</a:t>
+            </a:r>
+            <a:r>
+              <a:rPr lang="nl-NL" dirty="0"/>
+              <a:t> zoekt nu d.m.v. </a:t>
+            </a:r>
+            <a:r>
+              <a:rPr lang="nl-NL" i="1" dirty="0"/>
+              <a:t>Brute Force</a:t>
+            </a:r>
+            <a:r>
+              <a:rPr lang="nl-NL" dirty="0"/>
+              <a:t> een oplossing. Hoe kunnen we slimmer routes genereren die het algoritme kan proberen?</a:t>
+            </a:r>
+          </a:p>
+          <a:p>
+            <a:pPr marL="114300" indent="0">
+              <a:buNone/>
+            </a:pPr>
+            <a:endParaRPr lang="nl-NL" dirty="0"/>
+          </a:p>
+          <a:p>
+            <a:r>
+              <a:rPr lang="nl-NL" dirty="0"/>
+              <a:t>Interessant onderzoek: waarom scoort de simpelste configuratie van het genetisch algoritme het best?</a:t>
+            </a:r>
+          </a:p>
+          <a:p>
+            <a:pPr marL="114300" indent="0">
+              <a:buNone/>
+            </a:pPr>
+            <a:endParaRPr lang="nl-NL" dirty="0"/>
+          </a:p>
+          <a:p>
+            <a:r>
+              <a:rPr lang="nl-NL" dirty="0"/>
+              <a:t>Kunnen we </a:t>
+            </a:r>
+            <a:r>
+              <a:rPr lang="nl-NL" dirty="0" err="1"/>
+              <a:t>hillclimber</a:t>
+            </a:r>
+            <a:r>
+              <a:rPr lang="nl-NL" dirty="0"/>
+              <a:t> simpeler maken (heuristieken?) zodat genetisch + </a:t>
+            </a:r>
+            <a:r>
+              <a:rPr lang="nl-NL" dirty="0" err="1"/>
+              <a:t>hillclimber</a:t>
+            </a:r>
+            <a:r>
+              <a:rPr lang="nl-NL" dirty="0"/>
+              <a:t> sneller wordt, zonder kwaliteitsverlies?</a:t>
+            </a:r>
+          </a:p>
+          <a:p>
+            <a:pPr lvl="1"/>
+            <a:r>
+              <a:rPr lang="nl-NL" dirty="0"/>
+              <a:t>Bijvoorbeeld: telkens één route checken (route die het minst bijdraagt aan score?) in plaats van alle routes</a:t>
+            </a:r>
+          </a:p>
+          <a:p>
+            <a:endParaRPr lang="nl-NL" dirty="0"/>
+          </a:p>
+          <a:p>
+            <a:endParaRPr lang="nl-NL" dirty="0"/>
+          </a:p>
+          <a:p>
+            <a:endParaRPr lang="nl-NL" dirty="0"/>
+          </a:p>
+          <a:p>
+            <a:endParaRPr lang="nl-NL" dirty="0"/>
+          </a:p>
+          <a:p>
+            <a:endParaRPr lang="nl-NL" dirty="0"/>
+          </a:p>
+          <a:p>
+            <a:pPr>
+              <a:lnSpc>
+                <a:spcPct val="114999"/>
+              </a:lnSpc>
+            </a:pPr>
+            <a:endParaRPr lang="nl-NL" dirty="0"/>
+          </a:p>
+        </p:txBody>
+      </p:sp>
+    </p:spTree>
+    <p:extLst>
+      <p:ext uri="{BB962C8B-B14F-4D97-AF65-F5344CB8AC3E}">
+        <p14:creationId xmlns:p14="http://schemas.microsoft.com/office/powerpoint/2010/main" val="1716108415"/>
+      </p:ext>
+    </p:extLst>
+  </p:cSld>
+  <p:clrMapOvr>
+    <a:masterClrMapping/>
+  </p:clrMapOvr>
+</p:sld>
+</file>
+
+<file path=ppt/slides/slide2.xml><?xml version="1.0" encoding="utf-8"?>
+<p:sld xmlns:a="http://schemas.openxmlformats.org/drawingml/2006/main" xmlns:r="http://schemas.openxmlformats.org/officeDocument/2006/relationships" xmlns:p="http://schemas.openxmlformats.org/presentationml/2006/main">
+  <p:cSld>
+    <p:spTree>
+      <p:nvGrpSpPr>
+        <p:cNvPr id="1" name=""/>
+        <p:cNvGrpSpPr/>
+        <p:nvPr/>
+      </p:nvGrpSpPr>
+      <p:grpSpPr>
+        <a:xfrm>
+          <a:off x="0" y="0"/>
+          <a:ext cx="0" cy="0"/>
+          <a:chOff x="0" y="0"/>
+          <a:chExt cx="0" cy="0"/>
+        </a:xfrm>
+      </p:grpSpPr>
+      <p:sp>
+        <p:nvSpPr>
+          <p:cNvPr id="2" name="Titel 1">
+            <a:extLst>
+              <a:ext uri="{FF2B5EF4-FFF2-40B4-BE49-F238E27FC236}">
+                <a16:creationId xmlns:a16="http://schemas.microsoft.com/office/drawing/2014/main" id="{786C405C-4E62-45C7-8652-DC2F2345759A}"/>
+              </a:ext>
+            </a:extLst>
+          </p:cNvPr>
+          <p:cNvSpPr>
+            <a:spLocks noGrp="1"/>
+          </p:cNvSpPr>
+          <p:nvPr>
+            <p:ph type="title"/>
+          </p:nvPr>
+        </p:nvSpPr>
+        <p:spPr/>
+        <p:txBody>
+          <a:bodyPr>
+            <a:normAutofit fontScale="90000"/>
+          </a:bodyPr>
+          <a:lstStyle/>
+          <a:p>
+            <a:r>
+              <a:rPr lang="nl-NL" dirty="0"/>
+              <a:t>Inleiding</a:t>
+            </a:r>
+          </a:p>
+        </p:txBody>
+      </p:sp>
+      <p:sp>
+        <p:nvSpPr>
+          <p:cNvPr id="3" name="Tijdelijke aanduiding voor tekst 2">
+            <a:extLst>
+              <a:ext uri="{FF2B5EF4-FFF2-40B4-BE49-F238E27FC236}">
+                <a16:creationId xmlns:a16="http://schemas.microsoft.com/office/drawing/2014/main" id="{E025C917-E966-4AC1-9746-E57EF54B4C9E}"/>
+              </a:ext>
+            </a:extLst>
+          </p:cNvPr>
+          <p:cNvSpPr>
+            <a:spLocks noGrp="1"/>
+          </p:cNvSpPr>
+          <p:nvPr>
+            <p:ph type="body" idx="1"/>
+          </p:nvPr>
+        </p:nvSpPr>
+        <p:spPr/>
+        <p:txBody>
+          <a:bodyPr/>
+          <a:lstStyle/>
+          <a:p>
+            <a:r>
+              <a:rPr lang="nl-NL" dirty="0"/>
+              <a:t>Case en oplossingsruimte</a:t>
+            </a:r>
+          </a:p>
+          <a:p>
+            <a:r>
+              <a:rPr lang="nl-NL" dirty="0"/>
+              <a:t>Hoe werken onze algoritmen op de case?</a:t>
+            </a:r>
+          </a:p>
+          <a:p>
+            <a:r>
+              <a:rPr lang="nl-NL" dirty="0"/>
+              <a:t>Welke resultaten kwamen uit het experiment?</a:t>
+            </a:r>
+          </a:p>
+          <a:p>
+            <a:r>
+              <a:rPr lang="nl-NL" dirty="0"/>
+              <a:t>Wat kunnen we hieruit concluderen?</a:t>
+            </a:r>
+          </a:p>
+          <a:p>
+            <a:r>
+              <a:rPr lang="nl-NL" dirty="0"/>
+              <a:t>Wat vereist nog verder onderzoek?</a:t>
+            </a:r>
+          </a:p>
+        </p:txBody>
+      </p:sp>
+      <p:sp>
+        <p:nvSpPr>
+          <p:cNvPr id="4" name="Ovaal 3">
+            <a:extLst>
+              <a:ext uri="{FF2B5EF4-FFF2-40B4-BE49-F238E27FC236}">
+                <a16:creationId xmlns:a16="http://schemas.microsoft.com/office/drawing/2014/main" id="{1E95F599-6D05-40DF-A806-2FCE1825403A}"/>
+              </a:ext>
+            </a:extLst>
+          </p:cNvPr>
+          <p:cNvSpPr/>
+          <p:nvPr/>
+        </p:nvSpPr>
+        <p:spPr>
+          <a:xfrm>
+            <a:off x="1416289" y="3898232"/>
+            <a:ext cx="488138" cy="481263"/>
+          </a:xfrm>
+          <a:prstGeom prst="ellipse">
+            <a:avLst/>
+          </a:prstGeom>
+        </p:spPr>
+        <p:style>
+          <a:lnRef idx="2">
+            <a:schemeClr val="accent3">
+              <a:shade val="50000"/>
+            </a:schemeClr>
+          </a:lnRef>
+          <a:fillRef idx="1">
+            <a:schemeClr val="accent3"/>
+          </a:fillRef>
+          <a:effectRef idx="0">
+            <a:schemeClr val="accent3"/>
+          </a:effectRef>
+          <a:fontRef idx="minor">
+            <a:schemeClr val="lt1"/>
+          </a:fontRef>
+        </p:style>
+        <p:txBody>
+          <a:bodyPr rtlCol="0" anchor="ctr"/>
+          <a:lstStyle/>
+          <a:p>
+            <a:pPr algn="ctr"/>
+            <a:endParaRPr lang="nl-NL"/>
+          </a:p>
+        </p:txBody>
+      </p:sp>
+      <p:sp>
+        <p:nvSpPr>
+          <p:cNvPr id="5" name="Ovaal 4">
+            <a:extLst>
+              <a:ext uri="{FF2B5EF4-FFF2-40B4-BE49-F238E27FC236}">
+                <a16:creationId xmlns:a16="http://schemas.microsoft.com/office/drawing/2014/main" id="{93CDA761-7E35-4177-AD06-CCF09B0898DD}"/>
+              </a:ext>
+            </a:extLst>
+          </p:cNvPr>
+          <p:cNvSpPr/>
+          <p:nvPr/>
+        </p:nvSpPr>
+        <p:spPr>
+          <a:xfrm>
+            <a:off x="3143107" y="3750393"/>
+            <a:ext cx="488138" cy="481263"/>
+          </a:xfrm>
+          <a:prstGeom prst="ellipse">
+            <a:avLst/>
+          </a:prstGeom>
+        </p:spPr>
+        <p:style>
+          <a:lnRef idx="2">
+            <a:schemeClr val="accent3">
+              <a:shade val="50000"/>
+            </a:schemeClr>
+          </a:lnRef>
+          <a:fillRef idx="1">
+            <a:schemeClr val="accent3"/>
+          </a:fillRef>
+          <a:effectRef idx="0">
+            <a:schemeClr val="accent3"/>
+          </a:effectRef>
+          <a:fontRef idx="minor">
+            <a:schemeClr val="lt1"/>
+          </a:fontRef>
+        </p:style>
+        <p:txBody>
+          <a:bodyPr rtlCol="0" anchor="ctr"/>
+          <a:lstStyle/>
+          <a:p>
+            <a:pPr algn="ctr"/>
+            <a:endParaRPr lang="nl-NL"/>
+          </a:p>
+        </p:txBody>
+      </p:sp>
+      <p:sp>
+        <p:nvSpPr>
+          <p:cNvPr id="6" name="Ovaal 5">
+            <a:extLst>
+              <a:ext uri="{FF2B5EF4-FFF2-40B4-BE49-F238E27FC236}">
+                <a16:creationId xmlns:a16="http://schemas.microsoft.com/office/drawing/2014/main" id="{62FC483B-12AC-49DD-8006-6BF6D500BDE4}"/>
+              </a:ext>
+            </a:extLst>
+          </p:cNvPr>
+          <p:cNvSpPr/>
+          <p:nvPr/>
+        </p:nvSpPr>
+        <p:spPr>
+          <a:xfrm>
+            <a:off x="5268688" y="4138863"/>
+            <a:ext cx="488138" cy="481263"/>
+          </a:xfrm>
+          <a:prstGeom prst="ellipse">
+            <a:avLst/>
+          </a:prstGeom>
+        </p:spPr>
+        <p:style>
+          <a:lnRef idx="2">
+            <a:schemeClr val="accent3">
+              <a:shade val="50000"/>
+            </a:schemeClr>
+          </a:lnRef>
+          <a:fillRef idx="1">
+            <a:schemeClr val="accent3"/>
+          </a:fillRef>
+          <a:effectRef idx="0">
+            <a:schemeClr val="accent3"/>
+          </a:effectRef>
+          <a:fontRef idx="minor">
+            <a:schemeClr val="lt1"/>
+          </a:fontRef>
+        </p:style>
+        <p:txBody>
+          <a:bodyPr rtlCol="0" anchor="ctr"/>
+          <a:lstStyle/>
+          <a:p>
+            <a:pPr algn="ctr"/>
+            <a:endParaRPr lang="nl-NL"/>
+          </a:p>
+        </p:txBody>
+      </p:sp>
+      <p:sp>
+        <p:nvSpPr>
+          <p:cNvPr id="7" name="Ovaal 6">
+            <a:extLst>
+              <a:ext uri="{FF2B5EF4-FFF2-40B4-BE49-F238E27FC236}">
+                <a16:creationId xmlns:a16="http://schemas.microsoft.com/office/drawing/2014/main" id="{4D23ADDF-92D9-4B76-A3BB-0BF41B95751F}"/>
+              </a:ext>
+            </a:extLst>
+          </p:cNvPr>
+          <p:cNvSpPr/>
+          <p:nvPr/>
+        </p:nvSpPr>
+        <p:spPr>
+          <a:xfrm>
+            <a:off x="5453170" y="2675595"/>
+            <a:ext cx="488138" cy="481263"/>
+          </a:xfrm>
+          <a:prstGeom prst="ellipse">
+            <a:avLst/>
+          </a:prstGeom>
+        </p:spPr>
+        <p:style>
+          <a:lnRef idx="2">
+            <a:schemeClr val="accent3">
+              <a:shade val="50000"/>
+            </a:schemeClr>
+          </a:lnRef>
+          <a:fillRef idx="1">
+            <a:schemeClr val="accent3"/>
+          </a:fillRef>
+          <a:effectRef idx="0">
+            <a:schemeClr val="accent3"/>
+          </a:effectRef>
+          <a:fontRef idx="minor">
+            <a:schemeClr val="lt1"/>
+          </a:fontRef>
+        </p:style>
+        <p:txBody>
+          <a:bodyPr rtlCol="0" anchor="ctr"/>
+          <a:lstStyle/>
+          <a:p>
+            <a:pPr algn="ctr"/>
+            <a:endParaRPr lang="nl-NL"/>
+          </a:p>
+        </p:txBody>
+      </p:sp>
+      <p:sp>
+        <p:nvSpPr>
+          <p:cNvPr id="8" name="Ovaal 7">
+            <a:extLst>
+              <a:ext uri="{FF2B5EF4-FFF2-40B4-BE49-F238E27FC236}">
+                <a16:creationId xmlns:a16="http://schemas.microsoft.com/office/drawing/2014/main" id="{787C5A91-26BF-48D0-A277-50C6F7716CB4}"/>
+              </a:ext>
+            </a:extLst>
+          </p:cNvPr>
+          <p:cNvSpPr/>
+          <p:nvPr/>
+        </p:nvSpPr>
+        <p:spPr>
+          <a:xfrm>
+            <a:off x="7749483" y="2348451"/>
+            <a:ext cx="488138" cy="481263"/>
+          </a:xfrm>
+          <a:prstGeom prst="ellipse">
+            <a:avLst/>
+          </a:prstGeom>
+        </p:spPr>
+        <p:style>
+          <a:lnRef idx="2">
+            <a:schemeClr val="accent3">
+              <a:shade val="50000"/>
+            </a:schemeClr>
+          </a:lnRef>
+          <a:fillRef idx="1">
+            <a:schemeClr val="accent3"/>
+          </a:fillRef>
+          <a:effectRef idx="0">
+            <a:schemeClr val="accent3"/>
+          </a:effectRef>
+          <a:fontRef idx="minor">
+            <a:schemeClr val="lt1"/>
+          </a:fontRef>
+        </p:style>
+        <p:txBody>
+          <a:bodyPr rtlCol="0" anchor="ctr"/>
+          <a:lstStyle/>
+          <a:p>
+            <a:pPr algn="ctr"/>
+            <a:endParaRPr lang="nl-NL"/>
+          </a:p>
+        </p:txBody>
+      </p:sp>
+      <p:sp>
+        <p:nvSpPr>
+          <p:cNvPr id="9" name="Ovaal 8">
+            <a:extLst>
+              <a:ext uri="{FF2B5EF4-FFF2-40B4-BE49-F238E27FC236}">
+                <a16:creationId xmlns:a16="http://schemas.microsoft.com/office/drawing/2014/main" id="{D927CB08-016C-4F1E-87C4-9A72DE2B6D89}"/>
+              </a:ext>
+            </a:extLst>
+          </p:cNvPr>
+          <p:cNvSpPr/>
+          <p:nvPr/>
+        </p:nvSpPr>
+        <p:spPr>
+          <a:xfrm>
+            <a:off x="7261345" y="671212"/>
+            <a:ext cx="488138" cy="481263"/>
+          </a:xfrm>
+          <a:prstGeom prst="ellipse">
+            <a:avLst/>
+          </a:prstGeom>
+        </p:spPr>
+        <p:style>
+          <a:lnRef idx="2">
+            <a:schemeClr val="accent3">
+              <a:shade val="50000"/>
+            </a:schemeClr>
+          </a:lnRef>
+          <a:fillRef idx="1">
+            <a:schemeClr val="accent3"/>
+          </a:fillRef>
+          <a:effectRef idx="0">
+            <a:schemeClr val="accent3"/>
+          </a:effectRef>
+          <a:fontRef idx="minor">
+            <a:schemeClr val="lt1"/>
+          </a:fontRef>
+        </p:style>
+        <p:txBody>
+          <a:bodyPr rtlCol="0" anchor="ctr"/>
+          <a:lstStyle/>
+          <a:p>
+            <a:pPr algn="ctr"/>
+            <a:endParaRPr lang="nl-NL"/>
+          </a:p>
+        </p:txBody>
+      </p:sp>
+      <p:cxnSp>
+        <p:nvCxnSpPr>
+          <p:cNvPr id="11" name="Rechte verbindingslijn 10">
+            <a:extLst>
+              <a:ext uri="{FF2B5EF4-FFF2-40B4-BE49-F238E27FC236}">
+                <a16:creationId xmlns:a16="http://schemas.microsoft.com/office/drawing/2014/main" id="{3DF7F0E8-E5D1-4721-91D4-87E63374CFAA}"/>
+              </a:ext>
+            </a:extLst>
+          </p:cNvPr>
+          <p:cNvCxnSpPr>
+            <a:stCxn id="4" idx="6"/>
+            <a:endCxn id="5" idx="2"/>
+          </p:cNvCxnSpPr>
+          <p:nvPr/>
+        </p:nvCxnSpPr>
+        <p:spPr>
+          <a:xfrm flipV="1">
+            <a:off x="1904427" y="3991025"/>
+            <a:ext cx="1238680" cy="147839"/>
+          </a:xfrm>
+          <a:prstGeom prst="line">
+            <a:avLst/>
+          </a:prstGeom>
+        </p:spPr>
+        <p:style>
+          <a:lnRef idx="1">
+            <a:schemeClr val="accent3"/>
+          </a:lnRef>
+          <a:fillRef idx="0">
+            <a:schemeClr val="accent3"/>
+          </a:fillRef>
+          <a:effectRef idx="0">
+            <a:schemeClr val="accent3"/>
+          </a:effectRef>
+          <a:fontRef idx="minor">
+            <a:schemeClr val="tx1"/>
+          </a:fontRef>
+        </p:style>
+      </p:cxnSp>
+      <p:cxnSp>
+        <p:nvCxnSpPr>
+          <p:cNvPr id="12" name="Rechte verbindingslijn 11">
+            <a:extLst>
+              <a:ext uri="{FF2B5EF4-FFF2-40B4-BE49-F238E27FC236}">
+                <a16:creationId xmlns:a16="http://schemas.microsoft.com/office/drawing/2014/main" id="{356A1D5B-7DB8-4371-8B31-A0E622DE303E}"/>
+              </a:ext>
+            </a:extLst>
+          </p:cNvPr>
+          <p:cNvCxnSpPr>
+            <a:cxnSpLocks/>
+            <a:stCxn id="5" idx="6"/>
+            <a:endCxn id="6" idx="2"/>
+          </p:cNvCxnSpPr>
+          <p:nvPr/>
+        </p:nvCxnSpPr>
+        <p:spPr>
+          <a:xfrm>
+            <a:off x="3631245" y="3991025"/>
+            <a:ext cx="1637443" cy="388470"/>
+          </a:xfrm>
+          <a:prstGeom prst="line">
+            <a:avLst/>
+          </a:prstGeom>
+        </p:spPr>
+        <p:style>
+          <a:lnRef idx="1">
+            <a:schemeClr val="accent3"/>
+          </a:lnRef>
+          <a:fillRef idx="0">
+            <a:schemeClr val="accent3"/>
+          </a:fillRef>
+          <a:effectRef idx="0">
+            <a:schemeClr val="accent3"/>
+          </a:effectRef>
+          <a:fontRef idx="minor">
+            <a:schemeClr val="tx1"/>
+          </a:fontRef>
+        </p:style>
+      </p:cxnSp>
+      <p:cxnSp>
+        <p:nvCxnSpPr>
+          <p:cNvPr id="15" name="Rechte verbindingslijn 14">
+            <a:extLst>
+              <a:ext uri="{FF2B5EF4-FFF2-40B4-BE49-F238E27FC236}">
+                <a16:creationId xmlns:a16="http://schemas.microsoft.com/office/drawing/2014/main" id="{77C71AF1-47EB-4020-9635-43D655E062A8}"/>
+              </a:ext>
+            </a:extLst>
+          </p:cNvPr>
+          <p:cNvCxnSpPr>
+            <a:cxnSpLocks/>
+            <a:stCxn id="6" idx="0"/>
+            <a:endCxn id="7" idx="4"/>
+          </p:cNvCxnSpPr>
+          <p:nvPr/>
+        </p:nvCxnSpPr>
+        <p:spPr>
+          <a:xfrm flipV="1">
+            <a:off x="5512757" y="3156858"/>
+            <a:ext cx="184482" cy="982005"/>
+          </a:xfrm>
+          <a:prstGeom prst="line">
+            <a:avLst/>
+          </a:prstGeom>
+        </p:spPr>
+        <p:style>
+          <a:lnRef idx="1">
+            <a:schemeClr val="accent3"/>
+          </a:lnRef>
+          <a:fillRef idx="0">
+            <a:schemeClr val="accent3"/>
+          </a:fillRef>
+          <a:effectRef idx="0">
+            <a:schemeClr val="accent3"/>
+          </a:effectRef>
+          <a:fontRef idx="minor">
+            <a:schemeClr val="tx1"/>
+          </a:fontRef>
+        </p:style>
+      </p:cxnSp>
+      <p:cxnSp>
+        <p:nvCxnSpPr>
+          <p:cNvPr id="18" name="Rechte verbindingslijn 17">
+            <a:extLst>
+              <a:ext uri="{FF2B5EF4-FFF2-40B4-BE49-F238E27FC236}">
+                <a16:creationId xmlns:a16="http://schemas.microsoft.com/office/drawing/2014/main" id="{C347CCBD-58E1-425B-B1DD-2D1145EC57E1}"/>
+              </a:ext>
+            </a:extLst>
+          </p:cNvPr>
+          <p:cNvCxnSpPr>
+            <a:cxnSpLocks/>
+            <a:stCxn id="7" idx="6"/>
+            <a:endCxn id="8" idx="2"/>
+          </p:cNvCxnSpPr>
+          <p:nvPr/>
+        </p:nvCxnSpPr>
+        <p:spPr>
+          <a:xfrm flipV="1">
+            <a:off x="5941308" y="2589083"/>
+            <a:ext cx="1808175" cy="327144"/>
+          </a:xfrm>
+          <a:prstGeom prst="line">
+            <a:avLst/>
+          </a:prstGeom>
+        </p:spPr>
+        <p:style>
+          <a:lnRef idx="1">
+            <a:schemeClr val="accent3"/>
+          </a:lnRef>
+          <a:fillRef idx="0">
+            <a:schemeClr val="accent3"/>
+          </a:fillRef>
+          <a:effectRef idx="0">
+            <a:schemeClr val="accent3"/>
+          </a:effectRef>
+          <a:fontRef idx="minor">
+            <a:schemeClr val="tx1"/>
+          </a:fontRef>
+        </p:style>
+      </p:cxnSp>
+      <p:cxnSp>
+        <p:nvCxnSpPr>
+          <p:cNvPr id="21" name="Rechte verbindingslijn 20">
+            <a:extLst>
+              <a:ext uri="{FF2B5EF4-FFF2-40B4-BE49-F238E27FC236}">
+                <a16:creationId xmlns:a16="http://schemas.microsoft.com/office/drawing/2014/main" id="{3FEBCD38-A6E5-4A34-9374-7EAF06AD6F3E}"/>
+              </a:ext>
+            </a:extLst>
+          </p:cNvPr>
+          <p:cNvCxnSpPr>
+            <a:cxnSpLocks/>
+            <a:stCxn id="8" idx="0"/>
+            <a:endCxn id="9" idx="4"/>
+          </p:cNvCxnSpPr>
+          <p:nvPr/>
+        </p:nvCxnSpPr>
+        <p:spPr>
+          <a:xfrm flipH="1" flipV="1">
+            <a:off x="7505414" y="1152475"/>
+            <a:ext cx="488138" cy="1195976"/>
+          </a:xfrm>
+          <a:prstGeom prst="line">
+            <a:avLst/>
+          </a:prstGeom>
+        </p:spPr>
+        <p:style>
+          <a:lnRef idx="1">
+            <a:schemeClr val="accent3"/>
+          </a:lnRef>
+          <a:fillRef idx="0">
+            <a:schemeClr val="accent3"/>
+          </a:fillRef>
+          <a:effectRef idx="0">
+            <a:schemeClr val="accent3"/>
+          </a:effectRef>
+          <a:fontRef idx="minor">
+            <a:schemeClr val="tx1"/>
+          </a:fontRef>
+        </p:style>
+      </p:cxnSp>
+      <p:pic>
+        <p:nvPicPr>
+          <p:cNvPr id="1026" name="Picture 2" descr="stoom treinen verzameling trein stoomtreinen hobby ...">
+            <a:extLst>
+              <a:ext uri="{FF2B5EF4-FFF2-40B4-BE49-F238E27FC236}">
+                <a16:creationId xmlns:a16="http://schemas.microsoft.com/office/drawing/2014/main" id="{C3D19709-5D91-4118-BBD2-97E5177CFAD4}"/>
+              </a:ext>
+            </a:extLst>
+          </p:cNvPr>
+          <p:cNvPicPr>
+            <a:picLocks noChangeAspect="1" noChangeArrowheads="1"/>
+          </p:cNvPicPr>
+          <p:nvPr/>
+        </p:nvPicPr>
+        <p:blipFill>
+          <a:blip r:embed="rId2">
+            <a:extLst>
+              <a:ext uri="{28A0092B-C50C-407E-A947-70E740481C1C}">
+                <a14:useLocalDpi xmlns:a14="http://schemas.microsoft.com/office/drawing/2010/main" val="0"/>
+              </a:ext>
+            </a:extLst>
+          </a:blip>
+          <a:srcRect/>
+          <a:stretch>
+            <a:fillRect/>
+          </a:stretch>
+        </p:blipFill>
+        <p:spPr bwMode="auto">
+          <a:xfrm rot="21006209">
+            <a:off x="6361865" y="2234331"/>
+            <a:ext cx="979030" cy="508343"/>
+          </a:xfrm>
+          <a:prstGeom prst="rect">
+            <a:avLst/>
+          </a:prstGeom>
+          <a:noFill/>
+          <a:extLst>
+            <a:ext uri="{909E8E84-426E-40DD-AFC4-6F175D3DCCD1}">
+              <a14:hiddenFill xmlns:a14="http://schemas.microsoft.com/office/drawing/2010/main">
+                <a:solidFill>
+                  <a:srgbClr val="FFFFFF"/>
+                </a:solidFill>
+              </a14:hiddenFill>
+            </a:ext>
+          </a:extLst>
+        </p:spPr>
+      </p:pic>
+    </p:spTree>
+    <p:extLst>
+      <p:ext uri="{BB962C8B-B14F-4D97-AF65-F5344CB8AC3E}">
+        <p14:creationId xmlns:p14="http://schemas.microsoft.com/office/powerpoint/2010/main" val="3619580962"/>
+      </p:ext>
+    </p:extLst>
+  </p:cSld>
+  <p:clrMapOvr>
+    <a:masterClrMapping/>
+  </p:clrMapOvr>
+</p:sld>
+</file>
+
+<file path=ppt/slides/slide3.xml><?xml version="1.0" encoding="utf-8"?>
+<p:sld xmlns:a="http://schemas.openxmlformats.org/drawingml/2006/main" xmlns:r="http://schemas.openxmlformats.org/officeDocument/2006/relationships" xmlns:p="http://schemas.openxmlformats.org/presentationml/2006/main">
+  <p:cSld>
+    <p:spTree>
+      <p:nvGrpSpPr>
+        <p:cNvPr id="1" name="Shape 60"/>
+        <p:cNvGrpSpPr/>
+        <p:nvPr/>
+      </p:nvGrpSpPr>
+      <p:grpSpPr>
+        <a:xfrm>
+          <a:off x="0" y="0"/>
+          <a:ext cx="0" cy="0"/>
+          <a:chOff x="0" y="0"/>
+          <a:chExt cx="0" cy="0"/>
+        </a:xfrm>
+      </p:grpSpPr>
+      <p:sp>
+        <p:nvSpPr>
+          <p:cNvPr id="61" name="Google Shape;61;p14"/>
+          <p:cNvSpPr txBox="1">
+            <a:spLocks noGrp="1"/>
+          </p:cNvSpPr>
+          <p:nvPr>
+            <p:ph type="title"/>
+          </p:nvPr>
+        </p:nvSpPr>
+        <p:spPr>
+          <a:xfrm>
+            <a:off x="311700" y="445025"/>
+            <a:ext cx="8520600" cy="572700"/>
+          </a:xfrm>
+          <a:prstGeom prst="rect">
+            <a:avLst/>
+          </a:prstGeom>
+        </p:spPr>
+        <p:txBody>
+          <a:bodyPr spcFirstLastPara="1" wrap="square" lIns="91425" tIns="91425" rIns="91425" bIns="91425" anchor="t" anchorCtr="0">
+            <a:normAutofit fontScale="90000"/>
+          </a:bodyPr>
+          <a:lstStyle/>
+          <a:p>
+            <a:pPr marL="0" lvl="0" indent="0" algn="l" rtl="0">
+              <a:spcBef>
+                <a:spcPts val="0"/>
+              </a:spcBef>
+              <a:spcAft>
+                <a:spcPts val="0"/>
+              </a:spcAft>
+              <a:buNone/>
+            </a:pPr>
+            <a:r>
+              <a:rPr lang="nl"/>
+              <a:t>De case</a:t>
+            </a:r>
+            <a:endParaRPr/>
+          </a:p>
+        </p:txBody>
+      </p:sp>
+      <p:sp>
+        <p:nvSpPr>
+          <p:cNvPr id="62" name="Google Shape;62;p14"/>
+          <p:cNvSpPr txBox="1">
+            <a:spLocks noGrp="1"/>
+          </p:cNvSpPr>
+          <p:nvPr>
+            <p:ph type="body" idx="1"/>
+          </p:nvPr>
+        </p:nvSpPr>
+        <p:spPr>
+          <a:xfrm>
+            <a:off x="311700" y="1152475"/>
+            <a:ext cx="8520600" cy="3416400"/>
+          </a:xfrm>
+          <a:prstGeom prst="rect">
+            <a:avLst/>
+          </a:prstGeom>
+        </p:spPr>
+        <p:txBody>
+          <a:bodyPr spcFirstLastPara="1" wrap="square" lIns="91425" tIns="91425" rIns="91425" bIns="91425" anchor="t" anchorCtr="0">
+            <a:normAutofit/>
+          </a:bodyPr>
+          <a:lstStyle/>
+          <a:p>
+            <a:pPr marL="0" lvl="0" indent="0" algn="l" rtl="0">
+              <a:spcBef>
+                <a:spcPts val="0"/>
+              </a:spcBef>
+              <a:spcAft>
+                <a:spcPts val="0"/>
+              </a:spcAft>
+              <a:buNone/>
+            </a:pPr>
+            <a:r>
+              <a:rPr lang="nl"/>
+              <a:t>Uitdaging:</a:t>
+            </a:r>
+            <a:endParaRPr/>
+          </a:p>
+          <a:p>
+            <a:pPr marL="0" lvl="0" indent="0" algn="l" rtl="0">
+              <a:spcBef>
+                <a:spcPts val="1200"/>
+              </a:spcBef>
+              <a:spcAft>
+                <a:spcPts val="0"/>
+              </a:spcAft>
+              <a:buNone/>
+            </a:pPr>
+            <a:r>
+              <a:rPr lang="nl"/>
+              <a:t>“Maak een lijnvoering voor Nederland met maximaal 20 trajecten binnen een tijdsframe van 3 uur”</a:t>
+            </a:r>
+            <a:endParaRPr/>
+          </a:p>
+          <a:p>
+            <a:pPr marL="0" lvl="0" indent="0" algn="l" rtl="0">
+              <a:spcBef>
+                <a:spcPts val="1200"/>
+              </a:spcBef>
+              <a:spcAft>
+                <a:spcPts val="0"/>
+              </a:spcAft>
+              <a:buNone/>
+            </a:pPr>
+            <a:endParaRPr/>
+          </a:p>
+          <a:p>
+            <a:pPr marL="0" lvl="0" indent="0" algn="l" rtl="0">
+              <a:spcBef>
+                <a:spcPts val="1200"/>
+              </a:spcBef>
+              <a:spcAft>
+                <a:spcPts val="0"/>
+              </a:spcAft>
+              <a:buNone/>
+            </a:pPr>
+            <a:r>
+              <a:rPr lang="nl"/>
+              <a:t>Hoe ziet het treinnetwerk in Nederland eruit?</a:t>
+            </a:r>
+            <a:endParaRPr/>
+          </a:p>
+          <a:p>
+            <a:pPr marL="0" lvl="0" indent="0" algn="l" rtl="0">
+              <a:spcBef>
+                <a:spcPts val="1200"/>
+              </a:spcBef>
+              <a:spcAft>
+                <a:spcPts val="0"/>
+              </a:spcAft>
+              <a:buNone/>
+            </a:pPr>
+            <a:endParaRPr/>
+          </a:p>
+          <a:p>
+            <a:pPr marL="0" lvl="0" indent="0" algn="l" rtl="0">
+              <a:spcBef>
+                <a:spcPts val="1200"/>
+              </a:spcBef>
+              <a:spcAft>
+                <a:spcPts val="1200"/>
+              </a:spcAft>
+              <a:buNone/>
+            </a:pPr>
+            <a:endParaRPr/>
+          </a:p>
+        </p:txBody>
+      </p:sp>
+      <p:pic>
+        <p:nvPicPr>
+          <p:cNvPr id="3" name="Afbeelding 2">
+            <a:hlinkClick r:id="rId3"/>
+            <a:extLst>
+              <a:ext uri="{FF2B5EF4-FFF2-40B4-BE49-F238E27FC236}">
+                <a16:creationId xmlns:a16="http://schemas.microsoft.com/office/drawing/2014/main" id="{62B88326-80B6-447F-8708-31AD8F172524}"/>
+              </a:ext>
+            </a:extLst>
+          </p:cNvPr>
+          <p:cNvPicPr>
+            <a:picLocks noChangeAspect="1"/>
+          </p:cNvPicPr>
+          <p:nvPr/>
+        </p:nvPicPr>
+        <p:blipFill>
+          <a:blip r:embed="rId4"/>
+          <a:stretch>
+            <a:fillRect/>
+          </a:stretch>
+        </p:blipFill>
+        <p:spPr>
+          <a:xfrm>
+            <a:off x="5542616" y="2250908"/>
+            <a:ext cx="2400947" cy="2447567"/>
+          </a:xfrm>
+          <a:prstGeom prst="rect">
+            <a:avLst/>
+          </a:prstGeom>
+        </p:spPr>
+      </p:pic>
+    </p:spTree>
+  </p:cSld>
+  <p:clrMapOvr>
+    <a:masterClrMapping/>
+  </p:clrMapOvr>
+</p:sld>
+</file>
+
+<file path=ppt/slides/slide4.xml><?xml version="1.0" encoding="utf-8"?>
+<p:sld xmlns:a="http://schemas.openxmlformats.org/drawingml/2006/main" xmlns:r="http://schemas.openxmlformats.org/officeDocument/2006/relationships" xmlns:p="http://schemas.openxmlformats.org/presentationml/2006/main">
+  <p:cSld>
+    <p:bg>
+      <p:bgPr>
+        <a:solidFill>
+          <a:schemeClr val="dk1"/>
+        </a:solidFill>
+        <a:effectLst/>
+      </p:bgPr>
+    </p:bg>
+    <p:spTree>
+      <p:nvGrpSpPr>
+        <p:cNvPr id="1" name="Shape 66"/>
+        <p:cNvGrpSpPr/>
+        <p:nvPr/>
+      </p:nvGrpSpPr>
+      <p:grpSpPr>
+        <a:xfrm>
+          <a:off x="0" y="0"/>
+          <a:ext cx="0" cy="0"/>
+          <a:chOff x="0" y="0"/>
+          <a:chExt cx="0" cy="0"/>
+        </a:xfrm>
+      </p:grpSpPr>
+      <p:sp>
+        <p:nvSpPr>
+          <p:cNvPr id="67" name="Google Shape;67;p15"/>
+          <p:cNvSpPr txBox="1">
+            <a:spLocks noGrp="1"/>
+          </p:cNvSpPr>
+          <p:nvPr>
+            <p:ph type="title"/>
+          </p:nvPr>
+        </p:nvSpPr>
+        <p:spPr>
+          <a:xfrm>
+            <a:off x="311700" y="445025"/>
+            <a:ext cx="8520600" cy="572700"/>
+          </a:xfrm>
+          <a:prstGeom prst="rect">
+            <a:avLst/>
+          </a:prstGeom>
+        </p:spPr>
+        <p:txBody>
+          <a:bodyPr spcFirstLastPara="1" wrap="square" lIns="91425" tIns="91425" rIns="91425" bIns="91425" anchor="t" anchorCtr="0">
+            <a:normAutofit fontScale="90000"/>
+          </a:bodyPr>
+          <a:lstStyle/>
+          <a:p>
+            <a:pPr marL="0" lvl="0" indent="0" algn="l" rtl="0">
+              <a:spcBef>
+                <a:spcPts val="0"/>
+              </a:spcBef>
+              <a:spcAft>
+                <a:spcPts val="0"/>
+              </a:spcAft>
+              <a:buNone/>
+            </a:pPr>
+            <a:r>
+              <a:rPr lang="nl">
+                <a:solidFill>
+                  <a:schemeClr val="lt1"/>
+                </a:solidFill>
+              </a:rPr>
+              <a:t>Een lijnvoering</a:t>
+            </a:r>
+            <a:endParaRPr>
+              <a:solidFill>
+                <a:schemeClr val="lt1"/>
+              </a:solidFill>
+            </a:endParaRPr>
+          </a:p>
+        </p:txBody>
+      </p:sp>
+      <p:sp>
+        <p:nvSpPr>
+          <p:cNvPr id="68" name="Google Shape;68;p15"/>
+          <p:cNvSpPr txBox="1">
+            <a:spLocks noGrp="1"/>
+          </p:cNvSpPr>
+          <p:nvPr>
+            <p:ph type="body" idx="1"/>
+          </p:nvPr>
+        </p:nvSpPr>
+        <p:spPr>
+          <a:xfrm>
+            <a:off x="311700" y="1152475"/>
+            <a:ext cx="8520600" cy="3416400"/>
+          </a:xfrm>
+          <a:prstGeom prst="rect">
+            <a:avLst/>
+          </a:prstGeom>
+        </p:spPr>
+        <p:txBody>
+          <a:bodyPr spcFirstLastPara="1" wrap="square" lIns="91425" tIns="91425" rIns="91425" bIns="91425" anchor="t" anchorCtr="0">
+            <a:normAutofit/>
+          </a:bodyPr>
+          <a:lstStyle/>
+          <a:p>
+            <a:pPr marL="0" lvl="0" indent="0" algn="l" rtl="0">
+              <a:spcBef>
+                <a:spcPts val="0"/>
+              </a:spcBef>
+              <a:spcAft>
+                <a:spcPts val="1200"/>
+              </a:spcAft>
+              <a:buNone/>
+            </a:pPr>
+            <a:r>
+              <a:rPr lang="nl">
+                <a:solidFill>
+                  <a:srgbClr val="000000"/>
+                </a:solidFill>
+              </a:rPr>
+              <a:t>Een lijnvoering bestaat uit een aantal verschillende trajecten</a:t>
+            </a:r>
+          </a:p>
+          <a:p>
+            <a:pPr marL="0" lvl="0" indent="0" algn="l" rtl="0">
+              <a:spcBef>
+                <a:spcPts val="0"/>
+              </a:spcBef>
+              <a:spcAft>
+                <a:spcPts val="1200"/>
+              </a:spcAft>
+              <a:buNone/>
+            </a:pPr>
+            <a:r>
+              <a:rPr lang="nl">
+                <a:solidFill>
+                  <a:srgbClr val="000000"/>
+                </a:solidFill>
+              </a:rPr>
+              <a:t>Een traject bestaat uit stations en connecties tussen de stations</a:t>
+            </a:r>
+            <a:endParaRPr>
+              <a:solidFill>
+                <a:srgbClr val="000000"/>
+              </a:solidFill>
+            </a:endParaRPr>
+          </a:p>
+        </p:txBody>
+      </p:sp>
+      <p:pic>
+        <p:nvPicPr>
+          <p:cNvPr id="69" name="Google Shape;69;p15"/>
+          <p:cNvPicPr preferRelativeResize="0"/>
+          <p:nvPr/>
+        </p:nvPicPr>
+        <p:blipFill>
+          <a:blip r:embed="rId3">
+            <a:alphaModFix/>
+          </a:blip>
+          <a:stretch>
+            <a:fillRect/>
+          </a:stretch>
+        </p:blipFill>
+        <p:spPr>
+          <a:xfrm>
+            <a:off x="1895591" y="2245257"/>
+            <a:ext cx="4928925" cy="2679325"/>
+          </a:xfrm>
+          <a:prstGeom prst="rect">
+            <a:avLst/>
+          </a:prstGeom>
+          <a:noFill/>
+          <a:ln>
+            <a:noFill/>
+          </a:ln>
+        </p:spPr>
+      </p:pic>
+    </p:spTree>
+  </p:cSld>
+  <p:clrMapOvr>
+    <a:masterClrMapping/>
+  </p:clrMapOvr>
+</p:sld>
+</file>
+
+<file path=ppt/slides/slide5.xml><?xml version="1.0" encoding="utf-8"?>
+<p:sld xmlns:a="http://schemas.openxmlformats.org/drawingml/2006/main" xmlns:r="http://schemas.openxmlformats.org/officeDocument/2006/relationships" xmlns:p="http://schemas.openxmlformats.org/presentationml/2006/main">
+  <p:cSld>
+    <p:spTree>
+      <p:nvGrpSpPr>
+        <p:cNvPr id="1" name="Shape 79"/>
+        <p:cNvGrpSpPr/>
+        <p:nvPr/>
+      </p:nvGrpSpPr>
+      <p:grpSpPr>
+        <a:xfrm>
+          <a:off x="0" y="0"/>
+          <a:ext cx="0" cy="0"/>
+          <a:chOff x="0" y="0"/>
+          <a:chExt cx="0" cy="0"/>
+        </a:xfrm>
+      </p:grpSpPr>
+      <p:sp>
+        <p:nvSpPr>
+          <p:cNvPr id="80" name="Google Shape;80;p17"/>
+          <p:cNvSpPr txBox="1">
+            <a:spLocks noGrp="1"/>
+          </p:cNvSpPr>
+          <p:nvPr>
+            <p:ph type="title"/>
+          </p:nvPr>
+        </p:nvSpPr>
+        <p:spPr>
+          <a:xfrm>
+            <a:off x="311700" y="445025"/>
+            <a:ext cx="8520600" cy="572700"/>
+          </a:xfrm>
+          <a:prstGeom prst="rect">
+            <a:avLst/>
+          </a:prstGeom>
+        </p:spPr>
+        <p:txBody>
+          <a:bodyPr spcFirstLastPara="1" wrap="square" lIns="91425" tIns="91425" rIns="91425" bIns="91425" anchor="t" anchorCtr="0">
+            <a:normAutofit fontScale="90000"/>
+          </a:bodyPr>
+          <a:lstStyle/>
+          <a:p>
+            <a:pPr marL="0" lvl="0" indent="0" algn="l" rtl="0">
+              <a:spcBef>
+                <a:spcPts val="0"/>
+              </a:spcBef>
+              <a:spcAft>
+                <a:spcPts val="0"/>
+              </a:spcAft>
+              <a:buNone/>
+            </a:pPr>
+            <a:r>
+              <a:rPr lang="nl"/>
+              <a:t>De formule</a:t>
+            </a:r>
+            <a:endParaRPr/>
+          </a:p>
+        </p:txBody>
+      </p:sp>
+      <p:sp>
+        <p:nvSpPr>
+          <p:cNvPr id="81" name="Google Shape;81;p17"/>
+          <p:cNvSpPr txBox="1">
+            <a:spLocks noGrp="1"/>
+          </p:cNvSpPr>
+          <p:nvPr>
+            <p:ph type="body" idx="1"/>
+          </p:nvPr>
+        </p:nvSpPr>
+        <p:spPr>
+          <a:xfrm>
+            <a:off x="342550" y="1152475"/>
+            <a:ext cx="8520600" cy="3416400"/>
+          </a:xfrm>
+          <a:prstGeom prst="rect">
+            <a:avLst/>
+          </a:prstGeom>
+        </p:spPr>
+        <p:txBody>
+          <a:bodyPr spcFirstLastPara="1" wrap="square" lIns="91425" tIns="91425" rIns="91425" bIns="91425" anchor="t" anchorCtr="0">
+            <a:normAutofit fontScale="85000" lnSpcReduction="10000"/>
+          </a:bodyPr>
+          <a:lstStyle/>
+          <a:p>
+            <a:pPr marL="0" lvl="0" indent="0" algn="l" rtl="0">
+              <a:spcBef>
+                <a:spcPts val="0"/>
+              </a:spcBef>
+              <a:spcAft>
+                <a:spcPts val="0"/>
+              </a:spcAft>
+              <a:buNone/>
+            </a:pPr>
+            <a:r>
+              <a:rPr lang="nl" sz="2400" dirty="0"/>
+              <a:t>K = p*10000 - (T*100 + Min)</a:t>
+            </a:r>
+            <a:endParaRPr sz="2400" dirty="0"/>
+          </a:p>
+          <a:p>
+            <a:pPr marL="0" lvl="0" indent="0" algn="l" rtl="0">
+              <a:spcBef>
+                <a:spcPts val="1200"/>
+              </a:spcBef>
+              <a:spcAft>
+                <a:spcPts val="0"/>
+              </a:spcAft>
+              <a:buNone/>
+            </a:pPr>
+            <a:r>
+              <a:rPr lang="nl" dirty="0"/>
+              <a:t>K = Kwaliteit</a:t>
+            </a:r>
+            <a:endParaRPr dirty="0"/>
+          </a:p>
+          <a:p>
+            <a:pPr marL="0" lvl="0" indent="0" algn="l" rtl="0">
+              <a:spcBef>
+                <a:spcPts val="1200"/>
+              </a:spcBef>
+              <a:spcAft>
+                <a:spcPts val="0"/>
+              </a:spcAft>
+              <a:buNone/>
+            </a:pPr>
+            <a:r>
+              <a:rPr lang="nl" dirty="0"/>
+              <a:t>p = Fractie bereden verbindingen</a:t>
+            </a:r>
+            <a:endParaRPr dirty="0"/>
+          </a:p>
+          <a:p>
+            <a:pPr marL="0" lvl="0" indent="0" algn="l" rtl="0">
+              <a:spcBef>
+                <a:spcPts val="1200"/>
+              </a:spcBef>
+              <a:spcAft>
+                <a:spcPts val="0"/>
+              </a:spcAft>
+              <a:buNone/>
+            </a:pPr>
+            <a:r>
+              <a:rPr lang="nl" dirty="0"/>
+              <a:t>T = Aantal gebruikte trajecten</a:t>
+            </a:r>
+            <a:endParaRPr dirty="0"/>
+          </a:p>
+          <a:p>
+            <a:pPr marL="0" lvl="0" indent="0" algn="l" rtl="0">
+              <a:spcBef>
+                <a:spcPts val="1200"/>
+              </a:spcBef>
+              <a:spcAft>
+                <a:spcPts val="1200"/>
+              </a:spcAft>
+              <a:buNone/>
+            </a:pPr>
+            <a:r>
+              <a:rPr lang="nl" dirty="0"/>
+              <a:t>Min = Totaal aantal minuten</a:t>
+            </a:r>
+          </a:p>
+          <a:p>
+            <a:pPr marL="0" lvl="0" indent="0" algn="l" rtl="0">
+              <a:spcBef>
+                <a:spcPts val="1200"/>
+              </a:spcBef>
+              <a:spcAft>
+                <a:spcPts val="1200"/>
+              </a:spcAft>
+              <a:buNone/>
+            </a:pPr>
+            <a:endParaRPr lang="nl" dirty="0"/>
+          </a:p>
+          <a:p>
+            <a:pPr marL="0" lvl="0" indent="0" algn="l" rtl="0">
+              <a:spcBef>
+                <a:spcPts val="1200"/>
+              </a:spcBef>
+              <a:spcAft>
+                <a:spcPts val="1200"/>
+              </a:spcAft>
+              <a:buNone/>
+            </a:pPr>
+            <a:r>
+              <a:rPr lang="nl" sz="2400" dirty="0"/>
+              <a:t>Constraint optimization problem!</a:t>
+            </a:r>
+          </a:p>
+          <a:p>
+            <a:pPr marL="0" lvl="0" indent="0" algn="l" rtl="0">
+              <a:spcBef>
+                <a:spcPts val="1200"/>
+              </a:spcBef>
+              <a:spcAft>
+                <a:spcPts val="1200"/>
+              </a:spcAft>
+              <a:buNone/>
+            </a:pPr>
+            <a:endParaRPr sz="2400" dirty="0"/>
+          </a:p>
+        </p:txBody>
+      </p:sp>
+      <p:pic>
+        <p:nvPicPr>
+          <p:cNvPr id="82" name="Google Shape;82;p17"/>
+          <p:cNvPicPr preferRelativeResize="0"/>
+          <p:nvPr/>
+        </p:nvPicPr>
+        <p:blipFill>
+          <a:blip r:embed="rId3">
+            <a:alphaModFix/>
+          </a:blip>
+          <a:stretch>
+            <a:fillRect/>
+          </a:stretch>
+        </p:blipFill>
+        <p:spPr>
+          <a:xfrm>
+            <a:off x="4949875" y="1611700"/>
+            <a:ext cx="3464400" cy="2598300"/>
+          </a:xfrm>
+          <a:prstGeom prst="rect">
+            <a:avLst/>
+          </a:prstGeom>
+          <a:noFill/>
+          <a:ln>
+            <a:noFill/>
+          </a:ln>
+        </p:spPr>
+      </p:pic>
+      <p:sp>
+        <p:nvSpPr>
+          <p:cNvPr id="2" name="Tekstvak 1">
+            <a:extLst>
+              <a:ext uri="{FF2B5EF4-FFF2-40B4-BE49-F238E27FC236}">
+                <a16:creationId xmlns:a16="http://schemas.microsoft.com/office/drawing/2014/main" id="{B3AEA2A3-DB27-454A-8AC7-4B8632F6C453}"/>
+              </a:ext>
+            </a:extLst>
+          </p:cNvPr>
+          <p:cNvSpPr txBox="1"/>
+          <p:nvPr/>
+        </p:nvSpPr>
+        <p:spPr>
+          <a:xfrm>
+            <a:off x="431798" y="4186249"/>
+            <a:ext cx="4428830" cy="523220"/>
+          </a:xfrm>
+          <a:prstGeom prst="rect">
+            <a:avLst/>
+          </a:prstGeom>
+          <a:noFill/>
+        </p:spPr>
+        <p:txBody>
+          <a:bodyPr wrap="square" rtlCol="0">
+            <a:spAutoFit/>
+          </a:bodyPr>
+          <a:lstStyle/>
+          <a:p>
+            <a:r>
+              <a:rPr lang="nl-NL" dirty="0" err="1">
+                <a:solidFill>
+                  <a:schemeClr val="bg1">
+                    <a:lumMod val="25000"/>
+                    <a:lumOff val="75000"/>
+                  </a:schemeClr>
+                </a:solidFill>
+              </a:rPr>
+              <a:t>Optimization</a:t>
+            </a:r>
+            <a:r>
+              <a:rPr lang="nl-NL" dirty="0">
+                <a:solidFill>
+                  <a:schemeClr val="bg1">
+                    <a:lumMod val="25000"/>
+                    <a:lumOff val="75000"/>
+                  </a:schemeClr>
+                </a:solidFill>
+              </a:rPr>
+              <a:t>: maximaliseer K</a:t>
+            </a:r>
+          </a:p>
+          <a:p>
+            <a:r>
+              <a:rPr lang="nl-NL" dirty="0" err="1">
+                <a:solidFill>
+                  <a:schemeClr val="bg1">
+                    <a:lumMod val="25000"/>
+                    <a:lumOff val="75000"/>
+                  </a:schemeClr>
+                </a:solidFill>
+              </a:rPr>
+              <a:t>Constraint</a:t>
+            </a:r>
+            <a:r>
+              <a:rPr lang="nl-NL" dirty="0">
+                <a:solidFill>
+                  <a:schemeClr val="bg1">
+                    <a:lumMod val="25000"/>
+                    <a:lumOff val="75000"/>
+                  </a:schemeClr>
+                </a:solidFill>
+              </a:rPr>
+              <a:t>: T &lt;= 20, Min &lt;= 180</a:t>
+            </a:r>
+          </a:p>
+        </p:txBody>
+      </p:sp>
+    </p:spTree>
+  </p:cSld>
+  <p:clrMapOvr>
+    <a:masterClrMapping/>
+  </p:clrMapOvr>
+</p:sld>
+</file>
+
+<file path=ppt/slides/slide6.xml><?xml version="1.0" encoding="utf-8"?>
+<p:sld xmlns:a="http://schemas.openxmlformats.org/drawingml/2006/main" xmlns:r="http://schemas.openxmlformats.org/officeDocument/2006/relationships" xmlns:p="http://schemas.openxmlformats.org/presentationml/2006/main">
+  <p:cSld>
+    <p:spTree>
+      <p:nvGrpSpPr>
+        <p:cNvPr id="1" name="Shape 86"/>
+        <p:cNvGrpSpPr/>
+        <p:nvPr/>
+      </p:nvGrpSpPr>
+      <p:grpSpPr>
+        <a:xfrm>
+          <a:off x="0" y="0"/>
+          <a:ext cx="0" cy="0"/>
+          <a:chOff x="0" y="0"/>
+          <a:chExt cx="0" cy="0"/>
+        </a:xfrm>
+      </p:grpSpPr>
+      <p:sp>
+        <p:nvSpPr>
+          <p:cNvPr id="87" name="Google Shape;87;p18"/>
+          <p:cNvSpPr txBox="1">
+            <a:spLocks noGrp="1"/>
+          </p:cNvSpPr>
+          <p:nvPr>
+            <p:ph type="title"/>
+          </p:nvPr>
+        </p:nvSpPr>
+        <p:spPr>
+          <a:xfrm>
+            <a:off x="311700" y="445025"/>
+            <a:ext cx="8520600" cy="572700"/>
+          </a:xfrm>
+          <a:prstGeom prst="rect">
+            <a:avLst/>
+          </a:prstGeom>
+        </p:spPr>
+        <p:txBody>
+          <a:bodyPr spcFirstLastPara="1" wrap="square" lIns="91425" tIns="91425" rIns="91425" bIns="91425" anchor="t" anchorCtr="0">
+            <a:normAutofit fontScale="90000"/>
+          </a:bodyPr>
+          <a:lstStyle/>
+          <a:p>
+            <a:pPr marL="0" lvl="0" indent="0" algn="l" rtl="0">
+              <a:spcBef>
+                <a:spcPts val="0"/>
+              </a:spcBef>
+              <a:spcAft>
+                <a:spcPts val="0"/>
+              </a:spcAft>
+              <a:buNone/>
+            </a:pPr>
+            <a:r>
+              <a:rPr lang="nl"/>
+              <a:t>State space (Nederland)</a:t>
+            </a:r>
+            <a:endParaRPr/>
+          </a:p>
+          <a:p>
+            <a:pPr marL="0" lvl="0" indent="0" algn="l" rtl="0">
+              <a:spcBef>
+                <a:spcPts val="0"/>
+              </a:spcBef>
+              <a:spcAft>
+                <a:spcPts val="0"/>
+              </a:spcAft>
+              <a:buNone/>
+            </a:pPr>
+            <a:endParaRPr/>
+          </a:p>
+        </p:txBody>
+      </p:sp>
+      <p:sp>
+        <p:nvSpPr>
+          <p:cNvPr id="88" name="Google Shape;88;p18"/>
+          <p:cNvSpPr txBox="1">
+            <a:spLocks noGrp="1"/>
+          </p:cNvSpPr>
+          <p:nvPr>
+            <p:ph type="body" idx="1"/>
+          </p:nvPr>
+        </p:nvSpPr>
+        <p:spPr>
+          <a:xfrm>
+            <a:off x="311700" y="1152475"/>
+            <a:ext cx="8520600" cy="3416400"/>
+          </a:xfrm>
+          <a:prstGeom prst="rect">
+            <a:avLst/>
+          </a:prstGeom>
+        </p:spPr>
+        <p:txBody>
+          <a:bodyPr spcFirstLastPara="1" wrap="square" lIns="91425" tIns="91425" rIns="91425" bIns="91425" anchor="t" anchorCtr="0">
+            <a:normAutofit fontScale="92500" lnSpcReduction="10000"/>
+          </a:bodyPr>
+          <a:lstStyle/>
+          <a:p>
+            <a:pPr marL="457200" lvl="0" indent="-342900" algn="l" rtl="0">
+              <a:spcBef>
+                <a:spcPts val="0"/>
+              </a:spcBef>
+              <a:spcAft>
+                <a:spcPts val="0"/>
+              </a:spcAft>
+              <a:buSzPts val="1800"/>
+              <a:buChar char="●"/>
+            </a:pPr>
+            <a:r>
+              <a:rPr lang="nl" dirty="0"/>
+              <a:t>Er zijn 61 stations</a:t>
+            </a:r>
+            <a:endParaRPr dirty="0"/>
+          </a:p>
+          <a:p>
+            <a:pPr marL="457200" lvl="0" indent="-342900" algn="l" rtl="0">
+              <a:spcBef>
+                <a:spcPts val="0"/>
+              </a:spcBef>
+              <a:spcAft>
+                <a:spcPts val="0"/>
+              </a:spcAft>
+              <a:buSzPts val="1800"/>
+              <a:buChar char="●"/>
+            </a:pPr>
+            <a:r>
+              <a:rPr lang="nl" dirty="0"/>
+              <a:t>Er zijn 89 connecties</a:t>
+            </a:r>
+            <a:endParaRPr dirty="0"/>
+          </a:p>
+          <a:p>
+            <a:pPr marL="457200" lvl="0" indent="-342900" algn="l" rtl="0">
+              <a:spcBef>
+                <a:spcPts val="0"/>
+              </a:spcBef>
+              <a:spcAft>
+                <a:spcPts val="0"/>
+              </a:spcAft>
+              <a:buSzPts val="1800"/>
+              <a:buChar char="●"/>
+            </a:pPr>
+            <a:r>
+              <a:rPr lang="nl" dirty="0"/>
+              <a:t>Er mogen maximaal 20 trajecten gevormd worden</a:t>
+            </a:r>
+            <a:endParaRPr dirty="0"/>
+          </a:p>
+          <a:p>
+            <a:pPr marL="457200" lvl="0" indent="-342900" algn="l" rtl="0">
+              <a:spcBef>
+                <a:spcPts val="0"/>
+              </a:spcBef>
+              <a:spcAft>
+                <a:spcPts val="0"/>
+              </a:spcAft>
+              <a:buSzPts val="1800"/>
+              <a:buChar char="●"/>
+            </a:pPr>
+            <a:r>
+              <a:rPr lang="nl" dirty="0"/>
+              <a:t>De trajecten mogen niet langer duren dan 3 uur</a:t>
+            </a:r>
+          </a:p>
+          <a:p>
+            <a:pPr marL="457200" lvl="0" indent="-342900" algn="l" rtl="0">
+              <a:spcBef>
+                <a:spcPts val="0"/>
+              </a:spcBef>
+              <a:spcAft>
+                <a:spcPts val="0"/>
+              </a:spcAft>
+              <a:buSzPts val="1800"/>
+              <a:buChar char="●"/>
+            </a:pPr>
+            <a:endParaRPr lang="nl" dirty="0"/>
+          </a:p>
+          <a:p>
+            <a:pPr marL="457200" lvl="0" indent="-342900" algn="l" rtl="0">
+              <a:spcBef>
+                <a:spcPts val="0"/>
+              </a:spcBef>
+              <a:spcAft>
+                <a:spcPts val="0"/>
+              </a:spcAft>
+              <a:buSzPts val="1800"/>
+              <a:buChar char="●"/>
+            </a:pPr>
+            <a:r>
+              <a:rPr lang="nl" dirty="0"/>
+              <a:t>Berekend: maximaal aantal connecties binnen een traject (22) voordat trajecten 3 uur overschrijden </a:t>
+            </a:r>
+            <a:endParaRPr dirty="0"/>
+          </a:p>
+          <a:p>
+            <a:pPr marL="0" lvl="0" indent="0" algn="l" rtl="0">
+              <a:spcBef>
+                <a:spcPts val="1200"/>
+              </a:spcBef>
+              <a:spcAft>
+                <a:spcPts val="0"/>
+              </a:spcAft>
+              <a:buNone/>
+            </a:pPr>
+            <a:endParaRPr dirty="0"/>
+          </a:p>
+          <a:p>
+            <a:pPr marL="0" lvl="0" indent="0" algn="l" rtl="0">
+              <a:spcBef>
+                <a:spcPts val="1200"/>
+              </a:spcBef>
+              <a:spcAft>
+                <a:spcPts val="0"/>
+              </a:spcAft>
+              <a:buNone/>
+            </a:pPr>
+            <a:r>
+              <a:rPr lang="nl" dirty="0"/>
+              <a:t>In onze berekening:</a:t>
+            </a:r>
+            <a:endParaRPr dirty="0"/>
+          </a:p>
+          <a:p>
+            <a:pPr marL="457200" lvl="0" indent="-342900" algn="l" rtl="0">
+              <a:spcBef>
+                <a:spcPts val="1200"/>
+              </a:spcBef>
+              <a:spcAft>
+                <a:spcPts val="0"/>
+              </a:spcAft>
+              <a:buSzPts val="1800"/>
+              <a:buChar char="-"/>
+            </a:pPr>
+            <a:r>
+              <a:rPr lang="nl" dirty="0"/>
+              <a:t>Teleporterende treinen</a:t>
+            </a:r>
+          </a:p>
+        </p:txBody>
+      </p:sp>
+    </p:spTree>
+  </p:cSld>
+  <p:clrMapOvr>
+    <a:masterClrMapping/>
+  </p:clrMapOvr>
+</p:sld>
+</file>
+
+<file path=ppt/slides/slide7.xml><?xml version="1.0" encoding="utf-8"?>
+<p:sld xmlns:a="http://schemas.openxmlformats.org/drawingml/2006/main" xmlns:r="http://schemas.openxmlformats.org/officeDocument/2006/relationships" xmlns:p="http://schemas.openxmlformats.org/presentationml/2006/main">
+  <p:cSld>
+    <p:spTree>
+      <p:nvGrpSpPr>
+        <p:cNvPr id="1" name="Shape 92"/>
+        <p:cNvGrpSpPr/>
+        <p:nvPr/>
+      </p:nvGrpSpPr>
+      <p:grpSpPr>
+        <a:xfrm>
+          <a:off x="0" y="0"/>
+          <a:ext cx="0" cy="0"/>
+          <a:chOff x="0" y="0"/>
+          <a:chExt cx="0" cy="0"/>
+        </a:xfrm>
+      </p:grpSpPr>
+      <p:sp>
+        <p:nvSpPr>
+          <p:cNvPr id="93" name="Google Shape;93;p19"/>
+          <p:cNvSpPr txBox="1">
+            <a:spLocks noGrp="1"/>
+          </p:cNvSpPr>
+          <p:nvPr>
+            <p:ph type="title"/>
+          </p:nvPr>
+        </p:nvSpPr>
+        <p:spPr>
+          <a:xfrm>
+            <a:off x="311700" y="445025"/>
+            <a:ext cx="8520600" cy="572700"/>
+          </a:xfrm>
+          <a:prstGeom prst="rect">
+            <a:avLst/>
+          </a:prstGeom>
+        </p:spPr>
+        <p:txBody>
+          <a:bodyPr spcFirstLastPara="1" wrap="square" lIns="91425" tIns="91425" rIns="91425" bIns="91425" anchor="t" anchorCtr="0">
+            <a:normAutofit fontScale="90000"/>
+          </a:bodyPr>
+          <a:lstStyle/>
+          <a:p>
+            <a:pPr marL="0" lvl="0" indent="0" algn="l" rtl="0">
+              <a:spcBef>
+                <a:spcPts val="0"/>
+              </a:spcBef>
+              <a:spcAft>
+                <a:spcPts val="0"/>
+              </a:spcAft>
+              <a:buNone/>
+            </a:pPr>
+            <a:r>
+              <a:rPr lang="nl"/>
+              <a:t>State space (Nederland)</a:t>
+            </a:r>
+            <a:endParaRPr/>
+          </a:p>
+        </p:txBody>
+      </p:sp>
+      <p:sp>
+        <p:nvSpPr>
+          <p:cNvPr id="94" name="Google Shape;94;p19"/>
+          <p:cNvSpPr txBox="1">
+            <a:spLocks noGrp="1"/>
+          </p:cNvSpPr>
+          <p:nvPr>
+            <p:ph type="body" idx="1"/>
+          </p:nvPr>
+        </p:nvSpPr>
+        <p:spPr>
+          <a:xfrm>
+            <a:off x="311700" y="1152475"/>
+            <a:ext cx="8520600" cy="3416400"/>
+          </a:xfrm>
+          <a:prstGeom prst="rect">
+            <a:avLst/>
+          </a:prstGeom>
+        </p:spPr>
+        <p:txBody>
+          <a:bodyPr spcFirstLastPara="1" wrap="square" lIns="91425" tIns="91425" rIns="91425" bIns="91425" anchor="t" anchorCtr="0">
+            <a:normAutofit/>
+          </a:bodyPr>
+          <a:lstStyle/>
+          <a:p>
+            <a:pPr marL="0" lvl="0" indent="0" algn="l" rtl="0">
+              <a:spcBef>
+                <a:spcPts val="0"/>
+              </a:spcBef>
+              <a:spcAft>
+                <a:spcPts val="0"/>
+              </a:spcAft>
+              <a:buNone/>
+            </a:pPr>
+            <a:r>
+              <a:rPr lang="nl"/>
+              <a:t>Binnen een traject:</a:t>
+            </a:r>
+            <a:endParaRPr/>
+          </a:p>
+          <a:p>
+            <a:pPr marL="0" lvl="0" indent="0" algn="l" rtl="0">
+              <a:spcBef>
+                <a:spcPts val="1200"/>
+              </a:spcBef>
+              <a:spcAft>
+                <a:spcPts val="0"/>
+              </a:spcAft>
+              <a:buNone/>
+            </a:pPr>
+            <a:endParaRPr/>
+          </a:p>
+          <a:p>
+            <a:pPr marL="0" lvl="0" indent="0" algn="l" rtl="0">
+              <a:spcBef>
+                <a:spcPts val="1200"/>
+              </a:spcBef>
+              <a:spcAft>
+                <a:spcPts val="0"/>
+              </a:spcAft>
+              <a:buNone/>
+            </a:pPr>
+            <a:endParaRPr/>
+          </a:p>
+          <a:p>
+            <a:pPr marL="0" lvl="0" indent="0" algn="l" rtl="0">
+              <a:spcBef>
+                <a:spcPts val="1200"/>
+              </a:spcBef>
+              <a:spcAft>
+                <a:spcPts val="0"/>
+              </a:spcAft>
+              <a:buNone/>
+            </a:pPr>
+            <a:r>
+              <a:rPr lang="nl-NL"/>
+              <a:t>Bij M = 22: 4.194.303 combinaties aan connecties</a:t>
+            </a:r>
+            <a:endParaRPr/>
+          </a:p>
+          <a:p>
+            <a:pPr marL="0" lvl="0" indent="0" algn="l" rtl="0">
+              <a:spcBef>
+                <a:spcPts val="1200"/>
+              </a:spcBef>
+              <a:spcAft>
+                <a:spcPts val="0"/>
+              </a:spcAft>
+              <a:buNone/>
+            </a:pPr>
+            <a:endParaRPr/>
+          </a:p>
+          <a:p>
+            <a:pPr marL="0" lvl="0" indent="0" algn="l" rtl="0">
+              <a:spcBef>
+                <a:spcPts val="1200"/>
+              </a:spcBef>
+              <a:spcAft>
+                <a:spcPts val="1200"/>
+              </a:spcAft>
+              <a:buNone/>
+            </a:pPr>
+            <a:r>
+              <a:rPr lang="nl"/>
+              <a:t>Alle trajecten samen (C = </a:t>
+            </a:r>
+            <a:r>
+              <a:rPr lang="nl-NL"/>
+              <a:t>4.194.303, t = 20</a:t>
+            </a:r>
+            <a:r>
+              <a:rPr lang="nl"/>
+              <a:t>):</a:t>
+            </a:r>
+            <a:endParaRPr/>
+          </a:p>
+        </p:txBody>
+      </p:sp>
+      <p:pic>
+        <p:nvPicPr>
+          <p:cNvPr id="3" name="Afbeelding 2">
+            <a:extLst>
+              <a:ext uri="{FF2B5EF4-FFF2-40B4-BE49-F238E27FC236}">
+                <a16:creationId xmlns:a16="http://schemas.microsoft.com/office/drawing/2014/main" id="{EB9F24B8-037F-40EF-BE40-B7D496EB1B6D}"/>
+              </a:ext>
+            </a:extLst>
+          </p:cNvPr>
+          <p:cNvPicPr>
+            <a:picLocks noChangeAspect="1"/>
+          </p:cNvPicPr>
+          <p:nvPr/>
+        </p:nvPicPr>
+        <p:blipFill>
+          <a:blip r:embed="rId3"/>
+          <a:stretch>
+            <a:fillRect/>
+          </a:stretch>
+        </p:blipFill>
+        <p:spPr>
+          <a:xfrm>
+            <a:off x="420996" y="1637297"/>
+            <a:ext cx="1743075" cy="838200"/>
+          </a:xfrm>
+          <a:prstGeom prst="rect">
+            <a:avLst/>
+          </a:prstGeom>
+        </p:spPr>
+      </p:pic>
+      <p:pic>
+        <p:nvPicPr>
+          <p:cNvPr id="5" name="Afbeelding 4">
+            <a:extLst>
+              <a:ext uri="{FF2B5EF4-FFF2-40B4-BE49-F238E27FC236}">
+                <a16:creationId xmlns:a16="http://schemas.microsoft.com/office/drawing/2014/main" id="{DFA9EE2C-FDF3-425D-A429-B292FE7BDC42}"/>
+              </a:ext>
+            </a:extLst>
+          </p:cNvPr>
+          <p:cNvPicPr>
+            <a:picLocks noChangeAspect="1"/>
+          </p:cNvPicPr>
+          <p:nvPr/>
+        </p:nvPicPr>
+        <p:blipFill>
+          <a:blip r:embed="rId4"/>
+          <a:stretch>
+            <a:fillRect/>
+          </a:stretch>
+        </p:blipFill>
+        <p:spPr>
+          <a:xfrm>
+            <a:off x="500850" y="3993625"/>
+            <a:ext cx="1762125" cy="704850"/>
+          </a:xfrm>
+          <a:prstGeom prst="rect">
+            <a:avLst/>
+          </a:prstGeom>
+        </p:spPr>
+      </p:pic>
+    </p:spTree>
+  </p:cSld>
+  <p:clrMapOvr>
+    <a:masterClrMapping/>
+  </p:clrMapOvr>
+</p:sld>
+</file>
+
+<file path=ppt/slides/slide8.xml><?xml version="1.0" encoding="utf-8"?>
+<p:sld xmlns:a="http://schemas.openxmlformats.org/drawingml/2006/main" xmlns:r="http://schemas.openxmlformats.org/officeDocument/2006/relationships" xmlns:p="http://schemas.openxmlformats.org/presentationml/2006/main">
+  <p:cSld>
+    <p:spTree>
+      <p:nvGrpSpPr>
+        <p:cNvPr id="1" name="Shape 107"/>
+        <p:cNvGrpSpPr/>
+        <p:nvPr/>
+      </p:nvGrpSpPr>
+      <p:grpSpPr>
+        <a:xfrm>
+          <a:off x="0" y="0"/>
+          <a:ext cx="0" cy="0"/>
+          <a:chOff x="0" y="0"/>
+          <a:chExt cx="0" cy="0"/>
+        </a:xfrm>
+      </p:grpSpPr>
+      <p:sp>
+        <p:nvSpPr>
+          <p:cNvPr id="108" name="Google Shape;108;p21"/>
+          <p:cNvSpPr txBox="1">
+            <a:spLocks noGrp="1"/>
+          </p:cNvSpPr>
+          <p:nvPr>
+            <p:ph type="title"/>
+          </p:nvPr>
+        </p:nvSpPr>
+        <p:spPr>
+          <a:xfrm>
+            <a:off x="311700" y="445025"/>
+            <a:ext cx="8520600" cy="572700"/>
+          </a:xfrm>
+          <a:prstGeom prst="rect">
+            <a:avLst/>
+          </a:prstGeom>
+        </p:spPr>
+        <p:txBody>
+          <a:bodyPr spcFirstLastPara="1" wrap="square" lIns="91425" tIns="91425" rIns="91425" bIns="91425" anchor="t" anchorCtr="0">
+            <a:normAutofit fontScale="90000"/>
+          </a:bodyPr>
+          <a:lstStyle/>
+          <a:p>
+            <a:pPr marL="0" lvl="0" indent="0" algn="l" rtl="0">
+              <a:spcBef>
+                <a:spcPts val="0"/>
+              </a:spcBef>
+              <a:spcAft>
+                <a:spcPts val="0"/>
+              </a:spcAft>
+              <a:buNone/>
+            </a:pPr>
+            <a:r>
+              <a:rPr lang="nl"/>
+              <a:t>Baseline</a:t>
+            </a:r>
+            <a:endParaRPr/>
+          </a:p>
+        </p:txBody>
+      </p:sp>
+      <p:sp>
+        <p:nvSpPr>
+          <p:cNvPr id="109" name="Google Shape;109;p21"/>
+          <p:cNvSpPr txBox="1">
+            <a:spLocks noGrp="1"/>
+          </p:cNvSpPr>
+          <p:nvPr>
+            <p:ph type="body" idx="1"/>
+          </p:nvPr>
+        </p:nvSpPr>
+        <p:spPr>
+          <a:xfrm>
+            <a:off x="311700" y="1152475"/>
+            <a:ext cx="8520600" cy="3416400"/>
+          </a:xfrm>
+          <a:prstGeom prst="rect">
+            <a:avLst/>
+          </a:prstGeom>
+        </p:spPr>
+        <p:txBody>
+          <a:bodyPr spcFirstLastPara="1" wrap="square" lIns="91425" tIns="91425" rIns="91425" bIns="91425" anchor="t" anchorCtr="0">
+            <a:normAutofit/>
+          </a:bodyPr>
+          <a:lstStyle/>
+          <a:p>
+            <a:pPr marL="457200" lvl="0" indent="-342900" algn="l" rtl="0">
+              <a:spcBef>
+                <a:spcPts val="0"/>
+              </a:spcBef>
+              <a:spcAft>
+                <a:spcPts val="0"/>
+              </a:spcAft>
+              <a:buSzPts val="1800"/>
+              <a:buChar char="●"/>
+            </a:pPr>
+            <a:r>
+              <a:rPr lang="nl"/>
+              <a:t>Kies een random aantal trajecten (max = 20)</a:t>
+            </a:r>
+            <a:endParaRPr/>
+          </a:p>
+          <a:p>
+            <a:pPr marL="457200" lvl="0" indent="0" algn="l" rtl="0">
+              <a:spcBef>
+                <a:spcPts val="1200"/>
+              </a:spcBef>
+              <a:spcAft>
+                <a:spcPts val="0"/>
+              </a:spcAft>
+              <a:buNone/>
+            </a:pPr>
+            <a:endParaRPr/>
+          </a:p>
+          <a:p>
+            <a:pPr marL="457200" lvl="0" indent="-342900" algn="l" rtl="0">
+              <a:spcBef>
+                <a:spcPts val="1200"/>
+              </a:spcBef>
+              <a:spcAft>
+                <a:spcPts val="0"/>
+              </a:spcAft>
+              <a:buSzPts val="1800"/>
+              <a:buChar char="●"/>
+            </a:pPr>
+            <a:r>
+              <a:rPr lang="nl"/>
+              <a:t>Voor elk traject:</a:t>
+            </a:r>
+            <a:endParaRPr/>
+          </a:p>
+          <a:p>
+            <a:pPr marL="457200" lvl="0" indent="-342900" algn="l" rtl="0">
+              <a:spcBef>
+                <a:spcPts val="0"/>
+              </a:spcBef>
+              <a:spcAft>
+                <a:spcPts val="0"/>
+              </a:spcAft>
+              <a:buSzPts val="1800"/>
+              <a:buChar char="●"/>
+            </a:pPr>
+            <a:r>
+              <a:rPr lang="nl"/>
+              <a:t>Kies een random start station</a:t>
+            </a:r>
+            <a:endParaRPr/>
+          </a:p>
+          <a:p>
+            <a:pPr marL="457200" lvl="0" indent="-342900" algn="l" rtl="0">
+              <a:spcBef>
+                <a:spcPts val="0"/>
+              </a:spcBef>
+              <a:spcAft>
+                <a:spcPts val="0"/>
+              </a:spcAft>
+              <a:buSzPts val="1800"/>
+              <a:buChar char="●"/>
+            </a:pPr>
+            <a:r>
+              <a:rPr lang="nl"/>
+              <a:t>Genereer mogelijke volgende stations</a:t>
+            </a:r>
+            <a:endParaRPr/>
+          </a:p>
+          <a:p>
+            <a:pPr marL="457200" lvl="0" indent="-342900" algn="l" rtl="0">
+              <a:spcBef>
+                <a:spcPts val="0"/>
+              </a:spcBef>
+              <a:spcAft>
+                <a:spcPts val="0"/>
+              </a:spcAft>
+              <a:buSzPts val="1800"/>
+              <a:buChar char="●"/>
+            </a:pPr>
+            <a:r>
+              <a:rPr lang="nl"/>
+              <a:t>Kies een random mogelijk station en voeg deze toe aan traject</a:t>
+            </a:r>
+            <a:endParaRPr/>
+          </a:p>
+          <a:p>
+            <a:pPr marL="457200" lvl="0" indent="-342900" algn="l" rtl="0">
+              <a:spcBef>
+                <a:spcPts val="0"/>
+              </a:spcBef>
+              <a:spcAft>
+                <a:spcPts val="0"/>
+              </a:spcAft>
+              <a:buSzPts val="1800"/>
+              <a:buChar char="●"/>
+            </a:pPr>
+            <a:r>
+              <a:rPr lang="nl"/>
+              <a:t>Herhaal dit zolang de 180 minuten van een traject niet zijn behaald</a:t>
+            </a:r>
+            <a:endParaRPr/>
+          </a:p>
+        </p:txBody>
+      </p:sp>
+      <p:pic>
+        <p:nvPicPr>
+          <p:cNvPr id="110" name="Google Shape;110;p21"/>
+          <p:cNvPicPr preferRelativeResize="0"/>
+          <p:nvPr/>
+        </p:nvPicPr>
+        <p:blipFill>
+          <a:blip r:embed="rId3">
+            <a:alphaModFix/>
+          </a:blip>
+          <a:stretch>
+            <a:fillRect/>
+          </a:stretch>
+        </p:blipFill>
+        <p:spPr>
+          <a:xfrm>
+            <a:off x="5658575" y="497450"/>
+            <a:ext cx="3245550" cy="2434150"/>
+          </a:xfrm>
+          <a:prstGeom prst="rect">
+            <a:avLst/>
+          </a:prstGeom>
+          <a:noFill/>
+          <a:ln>
+            <a:noFill/>
+          </a:ln>
+        </p:spPr>
+      </p:pic>
+    </p:spTree>
+  </p:cSld>
+  <p:clrMapOvr>
+    <a:masterClrMapping/>
+  </p:clrMapOvr>
+  <p:timing>
+    <p:tnLst>
+      <p:par>
+        <p:cTn id="1" dur="indefinite" restart="never" nodeType="tmRoot">
+          <p:childTnLst>
+            <p:seq concurrent="1" nextAc="seek">
+              <p:cTn id="2" dur="indefinite" nodeType="mainSeq">
+                <p:childTnLst>
+                  <p:par>
+                    <p:cTn id="3" fill="hold">
+                      <p:stCondLst>
+                        <p:cond delay="indefinite"/>
+                      </p:stCondLst>
+                      <p:childTnLst>
+                        <p:par>
+                          <p:cTn id="4" fill="hold">
+                            <p:stCondLst>
+                              <p:cond delay="0"/>
+                            </p:stCondLst>
+                            <p:childTnLst>
+                              <p:par>
+                                <p:cTn id="5" presetID="1" presetClass="entr" presetSubtype="0" fill="hold" nodeType="clickEffect">
+                                  <p:stCondLst>
+                                    <p:cond delay="0"/>
+                                  </p:stCondLst>
+                                  <p:childTnLst>
+                                    <p:set>
+                                      <p:cBhvr>
+                                        <p:cTn id="6" dur="1" fill="hold">
+                                          <p:stCondLst>
+                                            <p:cond delay="0"/>
+                                          </p:stCondLst>
+                                        </p:cTn>
+                                        <p:tgtEl>
+                                          <p:spTgt spid="110"/>
+                                        </p:tgtEl>
+                                        <p:attrNameLst>
+                                          <p:attrName>style.visibility</p:attrName>
+                                        </p:attrNameLst>
+                                      </p:cBhvr>
+                                      <p:to>
+                                        <p:strVal val="visible"/>
+                                      </p:to>
+                                    </p:set>
+                                  </p:childTnLst>
+                                </p:cTn>
+                              </p:par>
+                            </p:childTnLst>
+                          </p:cTn>
+                        </p:par>
+                      </p:childTnLst>
+                    </p:cTn>
+                  </p:par>
+                </p:childTnLst>
+              </p:cTn>
+              <p:prevCondLst>
+                <p:cond evt="onPrev" delay="0">
+                  <p:tgtEl>
+                    <p:sldTgt/>
+                  </p:tgtEl>
+                </p:cond>
+              </p:prevCondLst>
+              <p:nextCondLst>
+                <p:cond evt="onNext" delay="0">
+                  <p:tgtEl>
+                    <p:sldTgt/>
+                  </p:tgtEl>
+                </p:cond>
+              </p:nextCondLst>
+            </p:seq>
+          </p:childTnLst>
+        </p:cTn>
+      </p:par>
+    </p:tnLst>
+  </p:timing>
+</p:sld>
+</file>
+
+<file path=ppt/slides/slide9.xml><?xml version="1.0" encoding="utf-8"?>
+<p:sld xmlns:a="http://schemas.openxmlformats.org/drawingml/2006/main" xmlns:r="http://schemas.openxmlformats.org/officeDocument/2006/relationships" xmlns:p="http://schemas.openxmlformats.org/presentationml/2006/main">
+  <p:cSld>
+    <p:spTree>
+      <p:nvGrpSpPr>
+        <p:cNvPr id="1" name="Shape 114"/>
+        <p:cNvGrpSpPr/>
+        <p:nvPr/>
+      </p:nvGrpSpPr>
+      <p:grpSpPr>
+        <a:xfrm>
+          <a:off x="0" y="0"/>
+          <a:ext cx="0" cy="0"/>
+          <a:chOff x="0" y="0"/>
+          <a:chExt cx="0" cy="0"/>
+        </a:xfrm>
+      </p:grpSpPr>
+      <p:sp>
+        <p:nvSpPr>
+          <p:cNvPr id="115" name="Google Shape;115;p22"/>
+          <p:cNvSpPr txBox="1">
+            <a:spLocks noGrp="1"/>
+          </p:cNvSpPr>
+          <p:nvPr>
+            <p:ph type="title"/>
+          </p:nvPr>
+        </p:nvSpPr>
+        <p:spPr>
+          <a:xfrm>
+            <a:off x="311700" y="445025"/>
+            <a:ext cx="8520600" cy="572700"/>
+          </a:xfrm>
+          <a:prstGeom prst="rect">
+            <a:avLst/>
+          </a:prstGeom>
+        </p:spPr>
+        <p:txBody>
+          <a:bodyPr spcFirstLastPara="1" wrap="square" lIns="91425" tIns="91425" rIns="91425" bIns="91425" anchor="t" anchorCtr="0">
+            <a:normAutofit fontScale="90000"/>
+          </a:bodyPr>
+          <a:lstStyle/>
+          <a:p>
+            <a:pPr marL="0" lvl="0" indent="0" algn="l" rtl="0">
+              <a:spcBef>
+                <a:spcPts val="0"/>
+              </a:spcBef>
+              <a:spcAft>
+                <a:spcPts val="0"/>
+              </a:spcAft>
+              <a:buNone/>
+            </a:pPr>
+            <a:r>
+              <a:rPr lang="nl"/>
+              <a:t>Breadth-first algoritme: methode</a:t>
+            </a:r>
+            <a:endParaRPr/>
+          </a:p>
+        </p:txBody>
+      </p:sp>
+      <p:sp>
+        <p:nvSpPr>
+          <p:cNvPr id="116" name="Google Shape;116;p22"/>
+          <p:cNvSpPr txBox="1">
+            <a:spLocks noGrp="1"/>
+          </p:cNvSpPr>
+          <p:nvPr>
+            <p:ph type="body" idx="1"/>
+          </p:nvPr>
+        </p:nvSpPr>
+        <p:spPr>
+          <a:xfrm>
+            <a:off x="311700" y="1152475"/>
+            <a:ext cx="8520600" cy="3416400"/>
+          </a:xfrm>
+          <a:prstGeom prst="rect">
+            <a:avLst/>
+          </a:prstGeom>
+        </p:spPr>
+        <p:txBody>
+          <a:bodyPr spcFirstLastPara="1" wrap="square" lIns="91425" tIns="91425" rIns="91425" bIns="91425" anchor="t" anchorCtr="0">
+            <a:normAutofit/>
+          </a:bodyPr>
+          <a:lstStyle/>
+          <a:p>
+            <a:pPr marL="457200" lvl="0" indent="-342900" algn="l" rtl="0">
+              <a:spcBef>
+                <a:spcPts val="0"/>
+              </a:spcBef>
+              <a:spcAft>
+                <a:spcPts val="0"/>
+              </a:spcAft>
+              <a:buSzPts val="1800"/>
+              <a:buChar char="●"/>
+            </a:pPr>
+            <a:r>
+              <a:rPr lang="nl"/>
+              <a:t>Breadth-first search met pruning in de vorm van beam search</a:t>
+            </a:r>
+          </a:p>
+          <a:p>
+            <a:pPr marL="457200" lvl="0" indent="-342900" algn="l" rtl="0">
+              <a:spcBef>
+                <a:spcPts val="0"/>
+              </a:spcBef>
+              <a:spcAft>
+                <a:spcPts val="0"/>
+              </a:spcAft>
+              <a:buSzPts val="1800"/>
+              <a:buChar char="●"/>
+            </a:pPr>
+            <a:r>
+              <a:rPr lang="nl"/>
+              <a:t>Constructief, deterministisch algoritme</a:t>
+            </a:r>
+            <a:endParaRPr/>
+          </a:p>
+          <a:p>
+            <a:pPr marL="457200" lvl="0" indent="-342900" algn="l" rtl="0">
+              <a:spcBef>
+                <a:spcPts val="0"/>
+              </a:spcBef>
+              <a:spcAft>
+                <a:spcPts val="0"/>
+              </a:spcAft>
+              <a:buSzPts val="1800"/>
+              <a:buChar char="●"/>
+            </a:pPr>
+            <a:r>
+              <a:rPr lang="nl"/>
+              <a:t>Bereken “increase” of “decrease” als mogelijkheid wordt toegevoegd, behoud alleen de x beste scores</a:t>
+            </a:r>
+          </a:p>
+        </p:txBody>
+      </p:sp>
+      <p:pic>
+        <p:nvPicPr>
+          <p:cNvPr id="117" name="Google Shape;117;p22"/>
+          <p:cNvPicPr preferRelativeResize="0"/>
+          <p:nvPr/>
+        </p:nvPicPr>
+        <p:blipFill>
+          <a:blip r:embed="rId3">
+            <a:alphaModFix/>
+          </a:blip>
+          <a:stretch>
+            <a:fillRect/>
+          </a:stretch>
+        </p:blipFill>
+        <p:spPr>
+          <a:xfrm>
+            <a:off x="1615725" y="2716728"/>
+            <a:ext cx="6074825" cy="1852150"/>
+          </a:xfrm>
+          <a:prstGeom prst="rect">
+            <a:avLst/>
+          </a:prstGeom>
+          <a:noFill/>
+          <a:ln>
+            <a:noFill/>
+          </a:ln>
+        </p:spPr>
+      </p:pic>
+      <p:sp>
+        <p:nvSpPr>
+          <p:cNvPr id="118" name="Google Shape;118;p22"/>
+          <p:cNvSpPr txBox="1"/>
+          <p:nvPr/>
+        </p:nvSpPr>
+        <p:spPr>
+          <a:xfrm>
+            <a:off x="1594550" y="4508500"/>
+            <a:ext cx="6307800" cy="400200"/>
+          </a:xfrm>
+          <a:prstGeom prst="rect">
+            <a:avLst/>
+          </a:prstGeom>
+          <a:noFill/>
+          <a:ln>
+            <a:noFill/>
+          </a:ln>
+        </p:spPr>
+        <p:txBody>
+          <a:bodyPr spcFirstLastPara="1" wrap="square" lIns="91425" tIns="91425" rIns="91425" bIns="91425" anchor="t" anchorCtr="0">
+            <a:spAutoFit/>
+          </a:bodyPr>
+          <a:lstStyle/>
+          <a:p>
+            <a:pPr marL="0" lvl="0" indent="0" algn="l" rtl="0">
+              <a:spcBef>
+                <a:spcPts val="0"/>
+              </a:spcBef>
+              <a:spcAft>
+                <a:spcPts val="0"/>
+              </a:spcAft>
+              <a:buNone/>
+            </a:pPr>
+            <a:r>
+              <a:rPr lang="nl">
+                <a:solidFill>
+                  <a:srgbClr val="FFFFFF"/>
+                </a:solidFill>
+              </a:rPr>
+              <a:t>+150               +248                +50             +324                -105           +121</a:t>
+            </a:r>
+            <a:endParaRPr>
+              <a:solidFill>
+                <a:srgbClr val="FFFFFF"/>
+              </a:solidFill>
+            </a:endParaRPr>
+          </a:p>
+        </p:txBody>
+      </p:sp>
+      <p:sp>
+        <p:nvSpPr>
+          <p:cNvPr id="119" name="Google Shape;119;p22"/>
+          <p:cNvSpPr/>
+          <p:nvPr/>
+        </p:nvSpPr>
+        <p:spPr>
+          <a:xfrm>
+            <a:off x="3781775" y="3922875"/>
+            <a:ext cx="846600" cy="776100"/>
+          </a:xfrm>
+          <a:prstGeom prst="mathMultiply">
+            <a:avLst>
+              <a:gd name="adj1" fmla="val 23520"/>
+            </a:avLst>
+          </a:prstGeom>
+          <a:solidFill>
+            <a:srgbClr val="FF0000"/>
+          </a:solidFill>
+          <a:ln w="9525" cap="flat" cmpd="sng">
+            <a:solidFill>
+              <a:schemeClr val="dk2"/>
+            </a:solidFill>
+            <a:prstDash val="solid"/>
+            <a:round/>
+            <a:headEnd type="none" w="sm" len="sm"/>
+            <a:tailEnd type="none" w="sm" len="sm"/>
+          </a:ln>
+        </p:spPr>
+        <p:txBody>
+          <a:bodyPr spcFirstLastPara="1" wrap="square" lIns="91425" tIns="91425" rIns="91425" bIns="91425" anchor="ctr" anchorCtr="0">
+            <a:noAutofit/>
+          </a:bodyPr>
+          <a:lstStyle/>
+          <a:p>
+            <a:pPr marL="0" lvl="0" indent="0" algn="l" rtl="0">
+              <a:spcBef>
+                <a:spcPts val="0"/>
+              </a:spcBef>
+              <a:spcAft>
+                <a:spcPts val="0"/>
+              </a:spcAft>
+              <a:buNone/>
+            </a:pPr>
+            <a:endParaRPr/>
+          </a:p>
+        </p:txBody>
+      </p:sp>
+      <p:sp>
+        <p:nvSpPr>
+          <p:cNvPr id="120" name="Google Shape;120;p22"/>
+          <p:cNvSpPr/>
+          <p:nvPr/>
+        </p:nvSpPr>
+        <p:spPr>
+          <a:xfrm>
+            <a:off x="5973225" y="3922875"/>
+            <a:ext cx="846600" cy="776100"/>
+          </a:xfrm>
+          <a:prstGeom prst="mathMultiply">
+            <a:avLst>
+              <a:gd name="adj1" fmla="val 23520"/>
+            </a:avLst>
+          </a:prstGeom>
+          <a:solidFill>
+            <a:srgbClr val="FF0000"/>
+          </a:solidFill>
+          <a:ln w="9525" cap="flat" cmpd="sng">
+            <a:solidFill>
+              <a:schemeClr val="dk2"/>
+            </a:solidFill>
+            <a:prstDash val="solid"/>
+            <a:round/>
+            <a:headEnd type="none" w="sm" len="sm"/>
+            <a:tailEnd type="none" w="sm" len="sm"/>
+          </a:ln>
+        </p:spPr>
+        <p:txBody>
+          <a:bodyPr spcFirstLastPara="1" wrap="square" lIns="91425" tIns="91425" rIns="91425" bIns="91425" anchor="ctr" anchorCtr="0">
+            <a:noAutofit/>
+          </a:bodyPr>
+          <a:lstStyle/>
+          <a:p>
+            <a:pPr marL="0" lvl="0" indent="0" algn="l" rtl="0">
+              <a:spcBef>
+                <a:spcPts val="0"/>
+              </a:spcBef>
+              <a:spcAft>
+                <a:spcPts val="0"/>
+              </a:spcAft>
+              <a:buNone/>
+            </a:pPr>
+            <a:endParaRPr/>
+          </a:p>
+        </p:txBody>
+      </p:sp>
+      <p:sp>
+        <p:nvSpPr>
+          <p:cNvPr id="121" name="Google Shape;121;p22"/>
+          <p:cNvSpPr/>
+          <p:nvPr/>
+        </p:nvSpPr>
+        <p:spPr>
+          <a:xfrm>
+            <a:off x="6901750" y="3922875"/>
+            <a:ext cx="846600" cy="776100"/>
+          </a:xfrm>
+          <a:prstGeom prst="mathMultiply">
+            <a:avLst>
+              <a:gd name="adj1" fmla="val 23520"/>
+            </a:avLst>
+          </a:prstGeom>
+          <a:solidFill>
+            <a:srgbClr val="FF0000"/>
+          </a:solidFill>
+          <a:ln w="9525" cap="flat" cmpd="sng">
+            <a:solidFill>
+              <a:schemeClr val="dk2"/>
+            </a:solidFill>
+            <a:prstDash val="solid"/>
+            <a:round/>
+            <a:headEnd type="none" w="sm" len="sm"/>
+            <a:tailEnd type="none" w="sm" len="sm"/>
+          </a:ln>
+        </p:spPr>
+        <p:txBody>
+          <a:bodyPr spcFirstLastPara="1" wrap="square" lIns="91425" tIns="91425" rIns="91425" bIns="91425" anchor="ctr" anchorCtr="0">
+            <a:noAutofit/>
+          </a:bodyPr>
+          <a:lstStyle/>
+          <a:p>
+            <a:pPr marL="0" lvl="0" indent="0" algn="l" rtl="0">
+              <a:spcBef>
+                <a:spcPts val="0"/>
+              </a:spcBef>
+              <a:spcAft>
+                <a:spcPts val="0"/>
+              </a:spcAft>
+              <a:buNone/>
+            </a:pPr>
+            <a:endParaRPr/>
+          </a:p>
+        </p:txBody>
+      </p:sp>
+    </p:spTree>
+  </p:cSld>
+  <p:clrMapOvr>
+    <a:masterClrMapping/>
+  </p:clrMapOvr>
+  <p:timing>
+    <p:tnLst>
+      <p:par>
+        <p:cTn id="1" dur="indefinite" restart="never" nodeType="tmRoot">
+          <p:childTnLst>
+            <p:seq concurrent="1" nextAc="seek">
+              <p:cTn id="2" dur="indefinite" nodeType="mainSeq">
+                <p:childTnLst>
+                  <p:par>
+                    <p:cTn id="3" fill="hold">
+                      <p:stCondLst>
+                        <p:cond delay="indefinite"/>
+                      </p:stCondLst>
+                      <p:childTnLst>
+                        <p:par>
+                          <p:cTn id="4" fill="hold">
+                            <p:stCondLst>
+                              <p:cond delay="0"/>
+                            </p:stCondLst>
+                            <p:childTnLst>
+                              <p:par>
+                                <p:cTn id="5" presetID="1" presetClass="entr" presetSubtype="0" fill="hold" nodeType="clickEffect">
+                                  <p:stCondLst>
+                                    <p:cond delay="0"/>
+                                  </p:stCondLst>
+                                  <p:childTnLst>
+                                    <p:set>
+                                      <p:cBhvr>
+                                        <p:cTn id="6" dur="1" fill="hold">
+                                          <p:stCondLst>
+                                            <p:cond delay="0"/>
+                                          </p:stCondLst>
+                                        </p:cTn>
+                                        <p:tgtEl>
+                                          <p:spTgt spid="118"/>
+                                        </p:tgtEl>
+                                        <p:attrNameLst>
+                                          <p:attrName>style.visibility</p:attrName>
+                                        </p:attrNameLst>
+                                      </p:cBhvr>
+                                      <p:to>
+                                        <p:strVal val="visible"/>
+                                      </p:to>
+                                    </p:set>
+                                  </p:childTnLst>
+                                </p:cTn>
+                              </p:par>
+                            </p:childTnLst>
+                          </p:cTn>
+                        </p:par>
+                      </p:childTnLst>
+                    </p:cTn>
+                  </p:par>
+                  <p:par>
+                    <p:cTn id="7" fill="hold">
+                      <p:stCondLst>
+                        <p:cond delay="indefinite"/>
+                      </p:stCondLst>
+                      <p:childTnLst>
+                        <p:par>
+                          <p:cTn id="8" fill="hold">
+                            <p:stCondLst>
+                              <p:cond delay="0"/>
+                            </p:stCondLst>
+                            <p:childTnLst>
+                              <p:par>
+                                <p:cTn id="9" presetID="1" presetClass="entr" presetSubtype="0" fill="hold" nodeType="clickEffect">
+                                  <p:stCondLst>
+                                    <p:cond delay="0"/>
+                                  </p:stCondLst>
+                                  <p:childTnLst>
+                                    <p:set>
+                                      <p:cBhvr>
+                                        <p:cTn id="10" dur="1" fill="hold">
+                                          <p:stCondLst>
+                                            <p:cond delay="0"/>
+                                          </p:stCondLst>
+                                        </p:cTn>
+                                        <p:tgtEl>
+                                          <p:spTgt spid="119"/>
+                                        </p:tgtEl>
+                                        <p:attrNameLst>
+                                          <p:attrName>style.visibility</p:attrName>
+                                        </p:attrNameLst>
+                                      </p:cBhvr>
+                                      <p:to>
+                                        <p:strVal val="visible"/>
+                                      </p:to>
+                                    </p:set>
+                                  </p:childTnLst>
+                                </p:cTn>
+                              </p:par>
+                              <p:par>
+                                <p:cTn id="11" presetID="1" presetClass="entr" presetSubtype="0" fill="hold" nodeType="withEffect">
+                                  <p:stCondLst>
+                                    <p:cond delay="0"/>
+                                  </p:stCondLst>
+                                  <p:childTnLst>
+                                    <p:set>
+                                      <p:cBhvr>
+                                        <p:cTn id="12" dur="1" fill="hold">
+                                          <p:stCondLst>
+                                            <p:cond delay="0"/>
+                                          </p:stCondLst>
+                                        </p:cTn>
+                                        <p:tgtEl>
+                                          <p:spTgt spid="120"/>
+                                        </p:tgtEl>
+                                        <p:attrNameLst>
+                                          <p:attrName>style.visibility</p:attrName>
+                                        </p:attrNameLst>
+                                      </p:cBhvr>
+                                      <p:to>
+                                        <p:strVal val="visible"/>
+                                      </p:to>
+                                    </p:set>
+                                  </p:childTnLst>
+                                </p:cTn>
+                              </p:par>
+                              <p:par>
+                                <p:cTn id="13" presetID="1" presetClass="entr" presetSubtype="0" fill="hold" nodeType="withEffect">
+                                  <p:stCondLst>
+                                    <p:cond delay="0"/>
+                                  </p:stCondLst>
+                                  <p:childTnLst>
+                                    <p:set>
+                                      <p:cBhvr>
+                                        <p:cTn id="14" dur="1" fill="hold">
+                                          <p:stCondLst>
+                                            <p:cond delay="0"/>
+                                          </p:stCondLst>
+                                        </p:cTn>
+                                        <p:tgtEl>
+                                          <p:spTgt spid="121"/>
+                                        </p:tgtEl>
+                                        <p:attrNameLst>
+                                          <p:attrName>style.visibility</p:attrName>
+                                        </p:attrNameLst>
+                                      </p:cBhvr>
+                                      <p:to>
+                                        <p:strVal val="visible"/>
+                                      </p:to>
+                                    </p:set>
+                                  </p:childTnLst>
+                                </p:cTn>
+                              </p:par>
+                            </p:childTnLst>
+                          </p:cTn>
+                        </p:par>
+                      </p:childTnLst>
+                    </p:cTn>
+                  </p:par>
+                </p:childTnLst>
+              </p:cTn>
+              <p:prevCondLst>
+                <p:cond evt="onPrev" delay="0">
+                  <p:tgtEl>
+                    <p:sldTgt/>
+                  </p:tgtEl>
+                </p:cond>
+              </p:prevCondLst>
+              <p:nextCondLst>
+                <p:cond evt="onNext" delay="0">
+                  <p:tgtEl>
+                    <p:sldTgt/>
+                  </p:tgtEl>
+                </p:cond>
+              </p:nextCondLst>
+            </p:seq>
+          </p:childTnLst>
+        </p:cTn>
+      </p:par>
+    </p:tnLst>
+  </p:timing>
 </p:sld>
 </file>
 
